--- a/1_Protocol/1_2_Paper/H.pptx
+++ b/1_Protocol/1_2_Paper/H.pptx
@@ -6,6 +6,9 @@
   </p:sldMasterIdLst>
   <p:sldIdLst>
     <p:sldId id="256" r:id="rId2"/>
+    <p:sldId id="257" r:id="rId3"/>
+    <p:sldId id="258" r:id="rId4"/>
+    <p:sldId id="259" r:id="rId5"/>
   </p:sldIdLst>
   <p:sldSz cx="12192000" cy="6858000"/>
   <p:notesSz cx="6858000" cy="9144000"/>
@@ -117,12 +120,12 @@
             <a:srgbClr val="A4A3A4"/>
           </p15:clr>
         </p15:guide>
-        <p15:guide id="3" orient="horz" pos="3288" userDrawn="1">
+        <p15:guide id="3" orient="horz" pos="2736" userDrawn="1">
           <p15:clr>
             <a:srgbClr val="A4A3A4"/>
           </p15:clr>
         </p15:guide>
-        <p15:guide id="4" orient="horz" pos="1104" userDrawn="1">
+        <p15:guide id="4" orient="horz" pos="1560" userDrawn="1">
           <p15:clr>
             <a:srgbClr val="A4A3A4"/>
           </p15:clr>
@@ -282,7 +285,7 @@
           <a:p>
             <a:fld id="{85F5B49F-324A-4162-A93D-080DD7343C6F}" type="datetimeFigureOut">
               <a:rPr lang="en-US" smtClean="0"/>
-              <a:t>2/2/2024</a:t>
+              <a:t>2/20/2024</a:t>
             </a:fld>
             <a:endParaRPr lang="en-US"/>
           </a:p>
@@ -482,7 +485,7 @@
           <a:p>
             <a:fld id="{85F5B49F-324A-4162-A93D-080DD7343C6F}" type="datetimeFigureOut">
               <a:rPr lang="en-US" smtClean="0"/>
-              <a:t>2/2/2024</a:t>
+              <a:t>2/20/2024</a:t>
             </a:fld>
             <a:endParaRPr lang="en-US"/>
           </a:p>
@@ -692,7 +695,7 @@
           <a:p>
             <a:fld id="{85F5B49F-324A-4162-A93D-080DD7343C6F}" type="datetimeFigureOut">
               <a:rPr lang="en-US" smtClean="0"/>
-              <a:t>2/2/2024</a:t>
+              <a:t>2/20/2024</a:t>
             </a:fld>
             <a:endParaRPr lang="en-US"/>
           </a:p>
@@ -892,7 +895,7 @@
           <a:p>
             <a:fld id="{85F5B49F-324A-4162-A93D-080DD7343C6F}" type="datetimeFigureOut">
               <a:rPr lang="en-US" smtClean="0"/>
-              <a:t>2/2/2024</a:t>
+              <a:t>2/20/2024</a:t>
             </a:fld>
             <a:endParaRPr lang="en-US"/>
           </a:p>
@@ -1168,7 +1171,7 @@
           <a:p>
             <a:fld id="{85F5B49F-324A-4162-A93D-080DD7343C6F}" type="datetimeFigureOut">
               <a:rPr lang="en-US" smtClean="0"/>
-              <a:t>2/2/2024</a:t>
+              <a:t>2/20/2024</a:t>
             </a:fld>
             <a:endParaRPr lang="en-US"/>
           </a:p>
@@ -1436,7 +1439,7 @@
           <a:p>
             <a:fld id="{85F5B49F-324A-4162-A93D-080DD7343C6F}" type="datetimeFigureOut">
               <a:rPr lang="en-US" smtClean="0"/>
-              <a:t>2/2/2024</a:t>
+              <a:t>2/20/2024</a:t>
             </a:fld>
             <a:endParaRPr lang="en-US"/>
           </a:p>
@@ -1851,7 +1854,7 @@
           <a:p>
             <a:fld id="{85F5B49F-324A-4162-A93D-080DD7343C6F}" type="datetimeFigureOut">
               <a:rPr lang="en-US" smtClean="0"/>
-              <a:t>2/2/2024</a:t>
+              <a:t>2/20/2024</a:t>
             </a:fld>
             <a:endParaRPr lang="en-US"/>
           </a:p>
@@ -1993,7 +1996,7 @@
           <a:p>
             <a:fld id="{85F5B49F-324A-4162-A93D-080DD7343C6F}" type="datetimeFigureOut">
               <a:rPr lang="en-US" smtClean="0"/>
-              <a:t>2/2/2024</a:t>
+              <a:t>2/20/2024</a:t>
             </a:fld>
             <a:endParaRPr lang="en-US"/>
           </a:p>
@@ -2106,7 +2109,7 @@
           <a:p>
             <a:fld id="{85F5B49F-324A-4162-A93D-080DD7343C6F}" type="datetimeFigureOut">
               <a:rPr lang="en-US" smtClean="0"/>
-              <a:t>2/2/2024</a:t>
+              <a:t>2/20/2024</a:t>
             </a:fld>
             <a:endParaRPr lang="en-US"/>
           </a:p>
@@ -2419,7 +2422,7 @@
           <a:p>
             <a:fld id="{85F5B49F-324A-4162-A93D-080DD7343C6F}" type="datetimeFigureOut">
               <a:rPr lang="en-US" smtClean="0"/>
-              <a:t>2/2/2024</a:t>
+              <a:t>2/20/2024</a:t>
             </a:fld>
             <a:endParaRPr lang="en-US"/>
           </a:p>
@@ -2708,7 +2711,7 @@
           <a:p>
             <a:fld id="{85F5B49F-324A-4162-A93D-080DD7343C6F}" type="datetimeFigureOut">
               <a:rPr lang="en-US" smtClean="0"/>
-              <a:t>2/2/2024</a:t>
+              <a:t>2/20/2024</a:t>
             </a:fld>
             <a:endParaRPr lang="en-US"/>
           </a:p>
@@ -2951,7 +2954,7 @@
           <a:p>
             <a:fld id="{85F5B49F-324A-4162-A93D-080DD7343C6F}" type="datetimeFigureOut">
               <a:rPr lang="en-US" smtClean="0"/>
-              <a:t>2/2/2024</a:t>
+              <a:t>2/20/2024</a:t>
             </a:fld>
             <a:endParaRPr lang="en-US"/>
           </a:p>
@@ -3382,8 +3385,8 @@
         </p:nvSpPr>
         <p:spPr>
           <a:xfrm>
-            <a:off x="8438540" y="1420473"/>
-            <a:ext cx="1140823" cy="649188"/>
+            <a:off x="8562611" y="1464018"/>
+            <a:ext cx="1003709" cy="562630"/>
           </a:xfrm>
           <a:prstGeom prst="ellipse">
             <a:avLst/>
@@ -3403,7 +3406,7 @@
           <a:p>
             <a:pPr algn="ctr"/>
             <a:r>
-              <a:rPr lang="en-US" sz="2400" dirty="0">
+              <a:rPr lang="en-US" sz="2000" dirty="0">
                 <a:latin typeface="Times New Roman" panose="02020603050405020304" pitchFamily="18" charset="0"/>
                 <a:cs typeface="Times New Roman" panose="02020603050405020304" pitchFamily="18" charset="0"/>
               </a:rPr>
@@ -3426,8 +3429,8 @@
         </p:nvSpPr>
         <p:spPr>
           <a:xfrm>
-            <a:off x="618299" y="1521515"/>
-            <a:ext cx="1140823" cy="461665"/>
+            <a:off x="742370" y="1521515"/>
+            <a:ext cx="1003709" cy="400110"/>
           </a:xfrm>
           <a:prstGeom prst="rect">
             <a:avLst/>
@@ -3447,7 +3450,7 @@
           <a:p>
             <a:pPr algn="ctr"/>
             <a:r>
-              <a:rPr lang="en-US" sz="2400" dirty="0">
+              <a:rPr lang="en-US" sz="2000" dirty="0">
                 <a:latin typeface="Times New Roman" panose="02020603050405020304" pitchFamily="18" charset="0"/>
                 <a:cs typeface="Times New Roman" panose="02020603050405020304" pitchFamily="18" charset="0"/>
               </a:rPr>
@@ -3470,8 +3473,8 @@
         </p:nvSpPr>
         <p:spPr>
           <a:xfrm>
-            <a:off x="2412269" y="614717"/>
-            <a:ext cx="1140823" cy="649188"/>
+            <a:off x="2536340" y="614717"/>
+            <a:ext cx="1003709" cy="562630"/>
           </a:xfrm>
           <a:prstGeom prst="ellipse">
             <a:avLst/>
@@ -3491,7 +3494,7 @@
           <a:p>
             <a:pPr algn="ctr"/>
             <a:r>
-              <a:rPr lang="en-US" sz="2400" dirty="0">
+              <a:rPr lang="en-US" sz="2000" dirty="0">
                 <a:latin typeface="Times New Roman" panose="02020603050405020304" pitchFamily="18" charset="0"/>
                 <a:cs typeface="Times New Roman" panose="02020603050405020304" pitchFamily="18" charset="0"/>
               </a:rPr>
@@ -3514,8 +3517,8 @@
         </p:nvSpPr>
         <p:spPr>
           <a:xfrm>
-            <a:off x="2412268" y="2260659"/>
-            <a:ext cx="1140823" cy="649188"/>
+            <a:off x="2536339" y="2260659"/>
+            <a:ext cx="1003709" cy="562630"/>
           </a:xfrm>
           <a:prstGeom prst="ellipse">
             <a:avLst/>
@@ -3535,7 +3538,7 @@
           <a:p>
             <a:pPr algn="ctr"/>
             <a:r>
-              <a:rPr lang="en-US" sz="2400" dirty="0">
+              <a:rPr lang="en-US" sz="2000" dirty="0">
                 <a:latin typeface="Times New Roman" panose="02020603050405020304" pitchFamily="18" charset="0"/>
                 <a:cs typeface="Times New Roman" panose="02020603050405020304" pitchFamily="18" charset="0"/>
               </a:rPr>
@@ -3558,8 +3561,8 @@
         </p:nvSpPr>
         <p:spPr>
           <a:xfrm>
-            <a:off x="4227990" y="1436659"/>
-            <a:ext cx="1140823" cy="649188"/>
+            <a:off x="4352061" y="1436659"/>
+            <a:ext cx="1003709" cy="562630"/>
           </a:xfrm>
           <a:prstGeom prst="ellipse">
             <a:avLst/>
@@ -3579,7 +3582,7 @@
           <a:p>
             <a:pPr algn="ctr"/>
             <a:r>
-              <a:rPr lang="en-US" sz="2400" dirty="0">
+              <a:rPr lang="en-US" sz="2000" dirty="0">
                 <a:latin typeface="Times New Roman" panose="02020603050405020304" pitchFamily="18" charset="0"/>
                 <a:cs typeface="Times New Roman" panose="02020603050405020304" pitchFamily="18" charset="0"/>
               </a:rPr>
@@ -3602,8 +3605,8 @@
         </p:nvSpPr>
         <p:spPr>
           <a:xfrm>
-            <a:off x="6614122" y="1093734"/>
-            <a:ext cx="1140823" cy="461665"/>
+            <a:off x="6738193" y="1093734"/>
+            <a:ext cx="1003709" cy="400110"/>
           </a:xfrm>
           <a:prstGeom prst="rect">
             <a:avLst/>
@@ -3623,7 +3626,7 @@
           <a:p>
             <a:pPr algn="ctr"/>
             <a:r>
-              <a:rPr lang="en-US" sz="2400" dirty="0">
+              <a:rPr lang="en-US" sz="2000" dirty="0">
                 <a:latin typeface="Times New Roman" panose="02020603050405020304" pitchFamily="18" charset="0"/>
                 <a:cs typeface="Times New Roman" panose="02020603050405020304" pitchFamily="18" charset="0"/>
               </a:rPr>
@@ -3646,8 +3649,8 @@
         </p:nvSpPr>
         <p:spPr>
           <a:xfrm>
-            <a:off x="6608234" y="1901648"/>
-            <a:ext cx="1140823" cy="461665"/>
+            <a:off x="6732305" y="1901648"/>
+            <a:ext cx="1003709" cy="400110"/>
           </a:xfrm>
           <a:prstGeom prst="rect">
             <a:avLst/>
@@ -3667,7 +3670,7 @@
           <a:p>
             <a:pPr algn="ctr"/>
             <a:r>
-              <a:rPr lang="en-US" sz="2400" dirty="0">
+              <a:rPr lang="en-US" sz="2000" dirty="0">
                 <a:latin typeface="Times New Roman" panose="02020603050405020304" pitchFamily="18" charset="0"/>
                 <a:cs typeface="Times New Roman" panose="02020603050405020304" pitchFamily="18" charset="0"/>
               </a:rPr>
@@ -3690,8 +3693,8 @@
         </p:nvSpPr>
         <p:spPr>
           <a:xfrm>
-            <a:off x="9292035" y="648438"/>
-            <a:ext cx="1140823" cy="649188"/>
+            <a:off x="9416106" y="648438"/>
+            <a:ext cx="1003709" cy="562630"/>
           </a:xfrm>
           <a:prstGeom prst="ellipse">
             <a:avLst/>
@@ -3711,7 +3714,7 @@
           <a:p>
             <a:pPr algn="ctr"/>
             <a:r>
-              <a:rPr lang="en-US" sz="2400" dirty="0">
+              <a:rPr lang="en-US" sz="2000" dirty="0">
                 <a:latin typeface="Times New Roman" panose="02020603050405020304" pitchFamily="18" charset="0"/>
                 <a:cs typeface="Times New Roman" panose="02020603050405020304" pitchFamily="18" charset="0"/>
               </a:rPr>
@@ -3734,8 +3737,8 @@
         </p:nvSpPr>
         <p:spPr>
           <a:xfrm>
-            <a:off x="9292037" y="2302167"/>
-            <a:ext cx="1140823" cy="649188"/>
+            <a:off x="9416108" y="2302167"/>
+            <a:ext cx="1003709" cy="562630"/>
           </a:xfrm>
           <a:prstGeom prst="ellipse">
             <a:avLst/>
@@ -3755,7 +3758,7 @@
           <a:p>
             <a:pPr algn="ctr"/>
             <a:r>
-              <a:rPr lang="en-US" sz="2400" dirty="0">
+              <a:rPr lang="en-US" sz="2000" dirty="0">
                 <a:latin typeface="Times New Roman" panose="02020603050405020304" pitchFamily="18" charset="0"/>
                 <a:cs typeface="Times New Roman" panose="02020603050405020304" pitchFamily="18" charset="0"/>
               </a:rPr>
@@ -3778,8 +3781,8 @@
         </p:nvSpPr>
         <p:spPr>
           <a:xfrm>
-            <a:off x="10876961" y="1451192"/>
-            <a:ext cx="1140823" cy="649188"/>
+            <a:off x="11001032" y="1451192"/>
+            <a:ext cx="1003709" cy="562630"/>
           </a:xfrm>
           <a:prstGeom prst="ellipse">
             <a:avLst/>
@@ -3799,7 +3802,7 @@
           <a:p>
             <a:pPr algn="ctr"/>
             <a:r>
-              <a:rPr lang="en-US" sz="2400" dirty="0">
+              <a:rPr lang="en-US" sz="2000" dirty="0">
                 <a:latin typeface="Times New Roman" panose="02020603050405020304" pitchFamily="18" charset="0"/>
                 <a:cs typeface="Times New Roman" panose="02020603050405020304" pitchFamily="18" charset="0"/>
               </a:rPr>
@@ -3810,10 +3813,10 @@
       </p:sp>
       <p:sp>
         <p:nvSpPr>
-          <p:cNvPr id="16" name="文本框 15">
-            <a:extLst>
-              <a:ext uri="{FF2B5EF4-FFF2-40B4-BE49-F238E27FC236}">
-                <a16:creationId xmlns:a16="http://schemas.microsoft.com/office/drawing/2014/main" id="{468BB977-A831-8798-E006-102C676A74E5}"/>
+          <p:cNvPr id="17" name="文本框 16">
+            <a:extLst>
+              <a:ext uri="{FF2B5EF4-FFF2-40B4-BE49-F238E27FC236}">
+                <a16:creationId xmlns:a16="http://schemas.microsoft.com/office/drawing/2014/main" id="{DEEC0601-23E1-D561-B18D-6543C0A98118}"/>
               </a:ext>
             </a:extLst>
           </p:cNvPr>
@@ -3822,8 +3825,8 @@
         </p:nvSpPr>
         <p:spPr>
           <a:xfrm>
-            <a:off x="5081446" y="4890201"/>
-            <a:ext cx="1140823" cy="649188"/>
+            <a:off x="6607598" y="3989478"/>
+            <a:ext cx="1003709" cy="562630"/>
           </a:xfrm>
           <a:prstGeom prst="ellipse">
             <a:avLst/>
@@ -3843,21 +3846,21 @@
           <a:p>
             <a:pPr algn="ctr"/>
             <a:r>
-              <a:rPr lang="en-US" sz="2400" dirty="0">
+              <a:rPr lang="en-US" sz="2000" dirty="0">
                 <a:latin typeface="Times New Roman" panose="02020603050405020304" pitchFamily="18" charset="0"/>
                 <a:cs typeface="Times New Roman" panose="02020603050405020304" pitchFamily="18" charset="0"/>
               </a:rPr>
-              <a:t>SCO</a:t>
-            </a:r>
-          </a:p>
-        </p:txBody>
-      </p:sp>
-      <p:sp>
-        <p:nvSpPr>
-          <p:cNvPr id="17" name="文本框 16">
-            <a:extLst>
-              <a:ext uri="{FF2B5EF4-FFF2-40B4-BE49-F238E27FC236}">
-                <a16:creationId xmlns:a16="http://schemas.microsoft.com/office/drawing/2014/main" id="{DEEC0601-23E1-D561-B18D-6543C0A98118}"/>
+              <a:t>RD</a:t>
+            </a:r>
+          </a:p>
+        </p:txBody>
+      </p:sp>
+      <p:sp>
+        <p:nvSpPr>
+          <p:cNvPr id="18" name="文本框 17">
+            <a:extLst>
+              <a:ext uri="{FF2B5EF4-FFF2-40B4-BE49-F238E27FC236}">
+                <a16:creationId xmlns:a16="http://schemas.microsoft.com/office/drawing/2014/main" id="{6D9F62EF-1221-D437-B885-2486675A281D}"/>
               </a:ext>
             </a:extLst>
           </p:cNvPr>
@@ -3866,8 +3869,8 @@
         </p:nvSpPr>
         <p:spPr>
           <a:xfrm>
-            <a:off x="6483527" y="3911097"/>
-            <a:ext cx="1140823" cy="649188"/>
+            <a:off x="6607597" y="5886500"/>
+            <a:ext cx="1003709" cy="562630"/>
           </a:xfrm>
           <a:prstGeom prst="ellipse">
             <a:avLst/>
@@ -3887,21 +3890,21 @@
           <a:p>
             <a:pPr algn="ctr"/>
             <a:r>
-              <a:rPr lang="en-US" sz="2400" dirty="0">
+              <a:rPr lang="en-US" sz="2000" dirty="0">
                 <a:latin typeface="Times New Roman" panose="02020603050405020304" pitchFamily="18" charset="0"/>
                 <a:cs typeface="Times New Roman" panose="02020603050405020304" pitchFamily="18" charset="0"/>
               </a:rPr>
-              <a:t>RD</a:t>
-            </a:r>
-          </a:p>
-        </p:txBody>
-      </p:sp>
-      <p:sp>
-        <p:nvSpPr>
-          <p:cNvPr id="18" name="文本框 17">
-            <a:extLst>
-              <a:ext uri="{FF2B5EF4-FFF2-40B4-BE49-F238E27FC236}">
-                <a16:creationId xmlns:a16="http://schemas.microsoft.com/office/drawing/2014/main" id="{6D9F62EF-1221-D437-B885-2486675A281D}"/>
+              <a:t>POS</a:t>
+            </a:r>
+          </a:p>
+        </p:txBody>
+      </p:sp>
+      <p:sp>
+        <p:nvSpPr>
+          <p:cNvPr id="19" name="文本框 18">
+            <a:extLst>
+              <a:ext uri="{FF2B5EF4-FFF2-40B4-BE49-F238E27FC236}">
+                <a16:creationId xmlns:a16="http://schemas.microsoft.com/office/drawing/2014/main" id="{E408A126-8BC9-94B2-7A0D-DA23C8D5C71F}"/>
               </a:ext>
             </a:extLst>
           </p:cNvPr>
@@ -3910,8 +3913,8 @@
         </p:nvSpPr>
         <p:spPr>
           <a:xfrm>
-            <a:off x="6483526" y="5808119"/>
-            <a:ext cx="1140823" cy="649188"/>
+            <a:off x="8627974" y="4973487"/>
+            <a:ext cx="1003709" cy="562630"/>
           </a:xfrm>
           <a:prstGeom prst="ellipse">
             <a:avLst/>
@@ -3931,21 +3934,21 @@
           <a:p>
             <a:pPr algn="ctr"/>
             <a:r>
-              <a:rPr lang="en-US" sz="2400" dirty="0">
+              <a:rPr lang="en-US" sz="2000" dirty="0">
                 <a:latin typeface="Times New Roman" panose="02020603050405020304" pitchFamily="18" charset="0"/>
                 <a:cs typeface="Times New Roman" panose="02020603050405020304" pitchFamily="18" charset="0"/>
               </a:rPr>
-              <a:t>POS</a:t>
-            </a:r>
-          </a:p>
-        </p:txBody>
-      </p:sp>
-      <p:sp>
-        <p:nvSpPr>
-          <p:cNvPr id="19" name="文本框 18">
-            <a:extLst>
-              <a:ext uri="{FF2B5EF4-FFF2-40B4-BE49-F238E27FC236}">
-                <a16:creationId xmlns:a16="http://schemas.microsoft.com/office/drawing/2014/main" id="{E408A126-8BC9-94B2-7A0D-DA23C8D5C71F}"/>
+              <a:t>LS</a:t>
+            </a:r>
+          </a:p>
+        </p:txBody>
+      </p:sp>
+      <p:sp>
+        <p:nvSpPr>
+          <p:cNvPr id="20" name="文本框 19">
+            <a:extLst>
+              <a:ext uri="{FF2B5EF4-FFF2-40B4-BE49-F238E27FC236}">
+                <a16:creationId xmlns:a16="http://schemas.microsoft.com/office/drawing/2014/main" id="{F13F45C6-8CC9-9653-DEFB-AE8311BCE893}"/>
               </a:ext>
             </a:extLst>
           </p:cNvPr>
@@ -3954,8 +3957,8 @@
         </p:nvSpPr>
         <p:spPr>
           <a:xfrm>
-            <a:off x="8503903" y="4895106"/>
-            <a:ext cx="1140823" cy="649188"/>
+            <a:off x="2923871" y="3629004"/>
+            <a:ext cx="1003709" cy="562630"/>
           </a:xfrm>
           <a:prstGeom prst="ellipse">
             <a:avLst/>
@@ -3975,21 +3978,21 @@
           <a:p>
             <a:pPr algn="ctr"/>
             <a:r>
-              <a:rPr lang="en-US" sz="2400" dirty="0">
+              <a:rPr lang="en-US" sz="2000" dirty="0">
                 <a:latin typeface="Times New Roman" panose="02020603050405020304" pitchFamily="18" charset="0"/>
                 <a:cs typeface="Times New Roman" panose="02020603050405020304" pitchFamily="18" charset="0"/>
               </a:rPr>
-              <a:t>LS</a:t>
-            </a:r>
-          </a:p>
-        </p:txBody>
-      </p:sp>
-      <p:sp>
-        <p:nvSpPr>
-          <p:cNvPr id="20" name="文本框 19">
-            <a:extLst>
-              <a:ext uri="{FF2B5EF4-FFF2-40B4-BE49-F238E27FC236}">
-                <a16:creationId xmlns:a16="http://schemas.microsoft.com/office/drawing/2014/main" id="{F13F45C6-8CC9-9653-DEFB-AE8311BCE893}"/>
+              <a:t>UI</a:t>
+            </a:r>
+          </a:p>
+        </p:txBody>
+      </p:sp>
+      <p:sp>
+        <p:nvSpPr>
+          <p:cNvPr id="21" name="文本框 20">
+            <a:extLst>
+              <a:ext uri="{FF2B5EF4-FFF2-40B4-BE49-F238E27FC236}">
+                <a16:creationId xmlns:a16="http://schemas.microsoft.com/office/drawing/2014/main" id="{F103EA49-8207-F102-EF60-FA443C32EA63}"/>
               </a:ext>
             </a:extLst>
           </p:cNvPr>
@@ -3998,8 +4001,8 @@
         </p:nvSpPr>
         <p:spPr>
           <a:xfrm>
-            <a:off x="2799800" y="3550623"/>
-            <a:ext cx="1140823" cy="649188"/>
+            <a:off x="2923872" y="4451143"/>
+            <a:ext cx="1003709" cy="562630"/>
           </a:xfrm>
           <a:prstGeom prst="ellipse">
             <a:avLst/>
@@ -4019,21 +4022,21 @@
           <a:p>
             <a:pPr algn="ctr"/>
             <a:r>
-              <a:rPr lang="en-US" sz="2400" dirty="0">
+              <a:rPr lang="en-US" sz="2000" dirty="0">
                 <a:latin typeface="Times New Roman" panose="02020603050405020304" pitchFamily="18" charset="0"/>
                 <a:cs typeface="Times New Roman" panose="02020603050405020304" pitchFamily="18" charset="0"/>
               </a:rPr>
-              <a:t>UI</a:t>
-            </a:r>
-          </a:p>
-        </p:txBody>
-      </p:sp>
-      <p:sp>
-        <p:nvSpPr>
-          <p:cNvPr id="21" name="文本框 20">
-            <a:extLst>
-              <a:ext uri="{FF2B5EF4-FFF2-40B4-BE49-F238E27FC236}">
-                <a16:creationId xmlns:a16="http://schemas.microsoft.com/office/drawing/2014/main" id="{F103EA49-8207-F102-EF60-FA443C32EA63}"/>
+              <a:t>UC</a:t>
+            </a:r>
+          </a:p>
+        </p:txBody>
+      </p:sp>
+      <p:sp>
+        <p:nvSpPr>
+          <p:cNvPr id="22" name="文本框 21">
+            <a:extLst>
+              <a:ext uri="{FF2B5EF4-FFF2-40B4-BE49-F238E27FC236}">
+                <a16:creationId xmlns:a16="http://schemas.microsoft.com/office/drawing/2014/main" id="{51220A41-9472-E90B-0792-1451F4679D89}"/>
               </a:ext>
             </a:extLst>
           </p:cNvPr>
@@ -4042,8 +4045,8 @@
         </p:nvSpPr>
         <p:spPr>
           <a:xfrm>
-            <a:off x="2799801" y="4372762"/>
-            <a:ext cx="1140823" cy="649188"/>
+            <a:off x="2923871" y="6195937"/>
+            <a:ext cx="1003709" cy="562630"/>
           </a:xfrm>
           <a:prstGeom prst="ellipse">
             <a:avLst/>
@@ -4063,21 +4066,21 @@
           <a:p>
             <a:pPr algn="ctr"/>
             <a:r>
-              <a:rPr lang="en-US" sz="2400" dirty="0">
+              <a:rPr lang="en-US" sz="2000" dirty="0">
                 <a:latin typeface="Times New Roman" panose="02020603050405020304" pitchFamily="18" charset="0"/>
                 <a:cs typeface="Times New Roman" panose="02020603050405020304" pitchFamily="18" charset="0"/>
               </a:rPr>
-              <a:t>UC</a:t>
-            </a:r>
-          </a:p>
-        </p:txBody>
-      </p:sp>
-      <p:sp>
-        <p:nvSpPr>
-          <p:cNvPr id="22" name="文本框 21">
-            <a:extLst>
-              <a:ext uri="{FF2B5EF4-FFF2-40B4-BE49-F238E27FC236}">
-                <a16:creationId xmlns:a16="http://schemas.microsoft.com/office/drawing/2014/main" id="{51220A41-9472-E90B-0792-1451F4679D89}"/>
+              <a:t>DI</a:t>
+            </a:r>
+          </a:p>
+        </p:txBody>
+      </p:sp>
+      <p:sp>
+        <p:nvSpPr>
+          <p:cNvPr id="23" name="文本框 22">
+            <a:extLst>
+              <a:ext uri="{FF2B5EF4-FFF2-40B4-BE49-F238E27FC236}">
+                <a16:creationId xmlns:a16="http://schemas.microsoft.com/office/drawing/2014/main" id="{F51CADA4-9D40-FE5B-F6B9-F5D0DD076664}"/>
               </a:ext>
             </a:extLst>
           </p:cNvPr>
@@ -4086,8 +4089,8 @@
         </p:nvSpPr>
         <p:spPr>
           <a:xfrm>
-            <a:off x="2799800" y="6117556"/>
-            <a:ext cx="1140823" cy="649188"/>
+            <a:off x="2923871" y="5438956"/>
+            <a:ext cx="1003709" cy="562630"/>
           </a:xfrm>
           <a:prstGeom prst="ellipse">
             <a:avLst/>
@@ -4107,51 +4110,7 @@
           <a:p>
             <a:pPr algn="ctr"/>
             <a:r>
-              <a:rPr lang="en-US" sz="2400" dirty="0">
-                <a:latin typeface="Times New Roman" panose="02020603050405020304" pitchFamily="18" charset="0"/>
-                <a:cs typeface="Times New Roman" panose="02020603050405020304" pitchFamily="18" charset="0"/>
-              </a:rPr>
-              <a:t>DI</a:t>
-            </a:r>
-          </a:p>
-        </p:txBody>
-      </p:sp>
-      <p:sp>
-        <p:nvSpPr>
-          <p:cNvPr id="23" name="文本框 22">
-            <a:extLst>
-              <a:ext uri="{FF2B5EF4-FFF2-40B4-BE49-F238E27FC236}">
-                <a16:creationId xmlns:a16="http://schemas.microsoft.com/office/drawing/2014/main" id="{F51CADA4-9D40-FE5B-F6B9-F5D0DD076664}"/>
-              </a:ext>
-            </a:extLst>
-          </p:cNvPr>
-          <p:cNvSpPr txBox="1"/>
-          <p:nvPr/>
-        </p:nvSpPr>
-        <p:spPr>
-          <a:xfrm>
-            <a:off x="2799800" y="5360575"/>
-            <a:ext cx="1140823" cy="649188"/>
-          </a:xfrm>
-          <a:prstGeom prst="ellipse">
-            <a:avLst/>
-          </a:prstGeom>
-          <a:noFill/>
-          <a:ln w="19050">
-            <a:solidFill>
-              <a:schemeClr val="tx1"/>
-            </a:solidFill>
-          </a:ln>
-        </p:spPr>
-        <p:txBody>
-          <a:bodyPr wrap="square" rtlCol="0">
-            <a:spAutoFit/>
-          </a:bodyPr>
-          <a:lstStyle/>
-          <a:p>
-            <a:pPr algn="ctr"/>
-            <a:r>
-              <a:rPr lang="en-US" sz="2400" dirty="0">
+              <a:rPr lang="en-US" sz="2000" dirty="0">
                 <a:latin typeface="Times New Roman" panose="02020603050405020304" pitchFamily="18" charset="0"/>
                 <a:cs typeface="Times New Roman" panose="02020603050405020304" pitchFamily="18" charset="0"/>
               </a:rPr>
@@ -4178,8 +4137,8 @@
         </p:nvCxnSpPr>
         <p:spPr>
           <a:xfrm flipV="1">
-            <a:off x="1188711" y="939311"/>
-            <a:ext cx="1223558" cy="582204"/>
+            <a:off x="1244225" y="896032"/>
+            <a:ext cx="1292115" cy="625483"/>
           </a:xfrm>
           <a:prstGeom prst="straightConnector1">
             <a:avLst/>
@@ -4224,8 +4183,8 @@
         </p:nvCxnSpPr>
         <p:spPr>
           <a:xfrm>
-            <a:off x="1188711" y="1983180"/>
-            <a:ext cx="1223557" cy="602073"/>
+            <a:off x="1244225" y="1921625"/>
+            <a:ext cx="1292114" cy="620349"/>
           </a:xfrm>
           <a:prstGeom prst="straightConnector1">
             <a:avLst/>
@@ -4270,8 +4229,8 @@
         </p:nvCxnSpPr>
         <p:spPr>
           <a:xfrm>
-            <a:off x="3553092" y="939311"/>
-            <a:ext cx="1245310" cy="497348"/>
+            <a:off x="3540049" y="896032"/>
+            <a:ext cx="1313867" cy="540627"/>
           </a:xfrm>
           <a:prstGeom prst="straightConnector1">
             <a:avLst/>
@@ -4316,8 +4275,8 @@
         </p:nvCxnSpPr>
         <p:spPr>
           <a:xfrm flipV="1">
-            <a:off x="3553091" y="2085847"/>
-            <a:ext cx="1245311" cy="499406"/>
+            <a:off x="3540048" y="1999289"/>
+            <a:ext cx="1313868" cy="542685"/>
           </a:xfrm>
           <a:prstGeom prst="straightConnector1">
             <a:avLst/>
@@ -4362,8 +4321,8 @@
         </p:nvCxnSpPr>
         <p:spPr>
           <a:xfrm flipV="1">
-            <a:off x="7754945" y="973032"/>
-            <a:ext cx="1537090" cy="351535"/>
+            <a:off x="7741902" y="929753"/>
+            <a:ext cx="1674204" cy="364036"/>
           </a:xfrm>
           <a:prstGeom prst="straightConnector1">
             <a:avLst/>
@@ -4408,8 +4367,8 @@
         </p:nvCxnSpPr>
         <p:spPr>
           <a:xfrm>
-            <a:off x="7749057" y="2132481"/>
-            <a:ext cx="1542980" cy="494280"/>
+            <a:off x="7736014" y="2101703"/>
+            <a:ext cx="1680094" cy="481779"/>
           </a:xfrm>
           <a:prstGeom prst="straightConnector1">
             <a:avLst/>
@@ -4453,8 +4412,8 @@
         </p:nvCxnSpPr>
         <p:spPr>
           <a:xfrm>
-            <a:off x="10432858" y="973032"/>
-            <a:ext cx="1014514" cy="504759"/>
+            <a:off x="10419815" y="929753"/>
+            <a:ext cx="1027557" cy="548038"/>
           </a:xfrm>
           <a:prstGeom prst="straightConnector1">
             <a:avLst/>
@@ -4499,8 +4458,8 @@
         </p:nvCxnSpPr>
         <p:spPr>
           <a:xfrm flipV="1">
-            <a:off x="10432860" y="2100380"/>
-            <a:ext cx="1014513" cy="526381"/>
+            <a:off x="10419817" y="2013822"/>
+            <a:ext cx="1083070" cy="569660"/>
           </a:xfrm>
           <a:prstGeom prst="straightConnector1">
             <a:avLst/>
@@ -4544,8 +4503,8 @@
         </p:nvCxnSpPr>
         <p:spPr>
           <a:xfrm>
-            <a:off x="7624350" y="4235691"/>
-            <a:ext cx="1449965" cy="634768"/>
+            <a:off x="7611307" y="4270793"/>
+            <a:ext cx="1463008" cy="678047"/>
           </a:xfrm>
           <a:prstGeom prst="straightConnector1">
             <a:avLst/>
@@ -4590,8 +4549,8 @@
         </p:nvCxnSpPr>
         <p:spPr>
           <a:xfrm flipV="1">
-            <a:off x="7624349" y="5544294"/>
-            <a:ext cx="1449966" cy="588419"/>
+            <a:off x="7611306" y="5536117"/>
+            <a:ext cx="1518523" cy="631698"/>
           </a:xfrm>
           <a:prstGeom prst="straightConnector1">
             <a:avLst/>
@@ -4636,8 +4595,8 @@
         </p:nvCxnSpPr>
         <p:spPr>
           <a:xfrm flipV="1">
-            <a:off x="3940624" y="4235691"/>
-            <a:ext cx="2542903" cy="461665"/>
+            <a:off x="3927581" y="4270793"/>
+            <a:ext cx="2680017" cy="461665"/>
           </a:xfrm>
           <a:prstGeom prst="straightConnector1">
             <a:avLst/>
@@ -4682,98 +4641,8 @@
         </p:nvCxnSpPr>
         <p:spPr>
           <a:xfrm>
-            <a:off x="3940623" y="5685169"/>
-            <a:ext cx="2542903" cy="447544"/>
-          </a:xfrm>
-          <a:prstGeom prst="straightConnector1">
-            <a:avLst/>
-          </a:prstGeom>
-          <a:ln>
-            <a:solidFill>
-              <a:schemeClr val="tx1"/>
-            </a:solidFill>
-            <a:tailEnd type="triangle"/>
-          </a:ln>
-        </p:spPr>
-        <p:style>
-          <a:lnRef idx="1">
-            <a:schemeClr val="accent1"/>
-          </a:lnRef>
-          <a:fillRef idx="0">
-            <a:schemeClr val="accent1"/>
-          </a:fillRef>
-          <a:effectRef idx="0">
-            <a:schemeClr val="accent1"/>
-          </a:effectRef>
-          <a:fontRef idx="minor">
-            <a:schemeClr val="tx1"/>
-          </a:fontRef>
-        </p:style>
-      </p:cxnSp>
-      <p:cxnSp>
-        <p:nvCxnSpPr>
-          <p:cNvPr id="78" name="直接箭头连接符 77">
-            <a:extLst>
-              <a:ext uri="{FF2B5EF4-FFF2-40B4-BE49-F238E27FC236}">
-                <a16:creationId xmlns:a16="http://schemas.microsoft.com/office/drawing/2014/main" id="{2EF816BF-2B22-CDBF-BCA4-D58907B0F689}"/>
-              </a:ext>
-            </a:extLst>
-          </p:cNvPr>
-          <p:cNvCxnSpPr>
-            <a:cxnSpLocks/>
-            <a:stCxn id="16" idx="1"/>
-          </p:cNvCxnSpPr>
-          <p:nvPr/>
-        </p:nvCxnSpPr>
-        <p:spPr>
-          <a:xfrm flipH="1" flipV="1">
-            <a:off x="5146867" y="4537844"/>
-            <a:ext cx="101649" cy="447428"/>
-          </a:xfrm>
-          <a:prstGeom prst="straightConnector1">
-            <a:avLst/>
-          </a:prstGeom>
-          <a:ln>
-            <a:solidFill>
-              <a:schemeClr val="tx1"/>
-            </a:solidFill>
-            <a:tailEnd type="triangle"/>
-          </a:ln>
-        </p:spPr>
-        <p:style>
-          <a:lnRef idx="1">
-            <a:schemeClr val="accent1"/>
-          </a:lnRef>
-          <a:fillRef idx="0">
-            <a:schemeClr val="accent1"/>
-          </a:fillRef>
-          <a:effectRef idx="0">
-            <a:schemeClr val="accent1"/>
-          </a:effectRef>
-          <a:fontRef idx="minor">
-            <a:schemeClr val="tx1"/>
-          </a:fontRef>
-        </p:style>
-      </p:cxnSp>
-      <p:cxnSp>
-        <p:nvCxnSpPr>
-          <p:cNvPr id="81" name="直接箭头连接符 80">
-            <a:extLst>
-              <a:ext uri="{FF2B5EF4-FFF2-40B4-BE49-F238E27FC236}">
-                <a16:creationId xmlns:a16="http://schemas.microsoft.com/office/drawing/2014/main" id="{702EEB79-920C-3284-548C-1D0BB9C21675}"/>
-              </a:ext>
-            </a:extLst>
-          </p:cNvPr>
-          <p:cNvCxnSpPr>
-            <a:cxnSpLocks/>
-            <a:stCxn id="16" idx="3"/>
-          </p:cNvCxnSpPr>
-          <p:nvPr/>
-        </p:nvCxnSpPr>
-        <p:spPr>
-          <a:xfrm flipH="1">
-            <a:off x="5153025" y="5444318"/>
-            <a:ext cx="95491" cy="419665"/>
+            <a:off x="3927580" y="5720271"/>
+            <a:ext cx="2680017" cy="447544"/>
           </a:xfrm>
           <a:prstGeom prst="straightConnector1">
             <a:avLst/>
@@ -4817,8 +4686,8 @@
         </p:nvCxnSpPr>
         <p:spPr>
           <a:xfrm flipH="1" flipV="1">
-            <a:off x="8483520" y="1155829"/>
-            <a:ext cx="122090" cy="359715"/>
+            <a:off x="8562609" y="1112030"/>
+            <a:ext cx="146992" cy="434383"/>
           </a:xfrm>
           <a:prstGeom prst="straightConnector1">
             <a:avLst/>
@@ -4862,8 +4731,8 @@
         </p:nvCxnSpPr>
         <p:spPr>
           <a:xfrm flipH="1">
-            <a:off x="8432652" y="1974590"/>
-            <a:ext cx="172958" cy="384701"/>
+            <a:off x="8524875" y="1944253"/>
+            <a:ext cx="184726" cy="390096"/>
           </a:xfrm>
           <a:prstGeom prst="straightConnector1">
             <a:avLst/>
@@ -4908,8 +4777,8 @@
         </p:nvCxnSpPr>
         <p:spPr>
           <a:xfrm>
-            <a:off x="3940623" y="3875217"/>
-            <a:ext cx="2542904" cy="360474"/>
+            <a:off x="3927580" y="3910319"/>
+            <a:ext cx="2680018" cy="360474"/>
           </a:xfrm>
           <a:prstGeom prst="straightConnector1">
             <a:avLst/>
@@ -4955,8 +4824,8 @@
         </p:nvCxnSpPr>
         <p:spPr>
           <a:xfrm flipV="1">
-            <a:off x="3940623" y="6132713"/>
-            <a:ext cx="2542903" cy="309437"/>
+            <a:off x="3927580" y="6167815"/>
+            <a:ext cx="2680017" cy="309437"/>
           </a:xfrm>
           <a:prstGeom prst="straightConnector1">
             <a:avLst/>
@@ -5004,10 +4873,11 @@
           <a:prstGeom prst="line">
             <a:avLst/>
           </a:prstGeom>
-          <a:ln w="38100">
+          <a:ln w="19050">
             <a:solidFill>
               <a:schemeClr val="tx1"/>
             </a:solidFill>
+            <a:prstDash val="dash"/>
           </a:ln>
         </p:spPr>
         <p:style>
@@ -5041,16 +4911,17 @@
         </p:nvCxnSpPr>
         <p:spPr>
           <a:xfrm>
-            <a:off x="6096000" y="261257"/>
+            <a:off x="6096000" y="327932"/>
             <a:ext cx="0" cy="2728078"/>
           </a:xfrm>
           <a:prstGeom prst="line">
             <a:avLst/>
           </a:prstGeom>
-          <a:ln w="38100">
+          <a:ln w="19050">
             <a:solidFill>
               <a:schemeClr val="tx1"/>
             </a:solidFill>
+            <a:prstDash val="lgDash"/>
           </a:ln>
         </p:spPr>
         <p:style>
@@ -5082,8 +4953,8 @@
         </p:nvSpPr>
         <p:spPr>
           <a:xfrm>
-            <a:off x="130701" y="135634"/>
-            <a:ext cx="1140822" cy="461665"/>
+            <a:off x="2469518" y="43025"/>
+            <a:ext cx="1140822" cy="400110"/>
           </a:xfrm>
           <a:prstGeom prst="rect">
             <a:avLst/>
@@ -5098,7 +4969,7 @@
           <a:p>
             <a:pPr algn="ctr"/>
             <a:r>
-              <a:rPr lang="en-US" sz="2400" dirty="0">
+              <a:rPr lang="en-US" sz="2000" dirty="0">
                 <a:latin typeface="Times New Roman" panose="02020603050405020304" pitchFamily="18" charset="0"/>
                 <a:cs typeface="Times New Roman" panose="02020603050405020304" pitchFamily="18" charset="0"/>
               </a:rPr>
@@ -5121,8 +4992,8 @@
         </p:nvSpPr>
         <p:spPr>
           <a:xfrm>
-            <a:off x="6207634" y="105921"/>
-            <a:ext cx="1140822" cy="461665"/>
+            <a:off x="8651952" y="-9425"/>
+            <a:ext cx="1140822" cy="400110"/>
           </a:xfrm>
           <a:prstGeom prst="rect">
             <a:avLst/>
@@ -5137,7 +5008,7 @@
           <a:p>
             <a:pPr algn="ctr"/>
             <a:r>
-              <a:rPr lang="en-US" sz="2400" dirty="0">
+              <a:rPr lang="en-US" sz="2000" dirty="0">
                 <a:latin typeface="Times New Roman" panose="02020603050405020304" pitchFamily="18" charset="0"/>
                 <a:cs typeface="Times New Roman" panose="02020603050405020304" pitchFamily="18" charset="0"/>
               </a:rPr>
@@ -5160,8 +5031,8 @@
         </p:nvSpPr>
         <p:spPr>
           <a:xfrm>
-            <a:off x="130701" y="3550623"/>
-            <a:ext cx="1140822" cy="461665"/>
+            <a:off x="130701" y="3629004"/>
+            <a:ext cx="1140822" cy="400110"/>
           </a:xfrm>
           <a:prstGeom prst="rect">
             <a:avLst/>
@@ -5176,7 +5047,7 @@
           <a:p>
             <a:pPr algn="ctr"/>
             <a:r>
-              <a:rPr lang="en-US" sz="2400" dirty="0">
+              <a:rPr lang="en-US" sz="2000" dirty="0">
                 <a:latin typeface="Times New Roman" panose="02020603050405020304" pitchFamily="18" charset="0"/>
                 <a:cs typeface="Times New Roman" panose="02020603050405020304" pitchFamily="18" charset="0"/>
               </a:rPr>
@@ -5200,7 +5071,7 @@
         <p:spPr>
           <a:xfrm>
             <a:off x="1271446" y="768207"/>
-            <a:ext cx="683549" cy="461665"/>
+            <a:ext cx="683549" cy="400110"/>
           </a:xfrm>
           <a:prstGeom prst="rect">
             <a:avLst/>
@@ -5215,7 +5086,7 @@
           <a:p>
             <a:pPr algn="ctr"/>
             <a:r>
-              <a:rPr lang="en-US" sz="2400" dirty="0">
+              <a:rPr lang="en-US" sz="2000" dirty="0">
                 <a:latin typeface="Times New Roman" panose="02020603050405020304" pitchFamily="18" charset="0"/>
                 <a:cs typeface="Times New Roman" panose="02020603050405020304" pitchFamily="18" charset="0"/>
               </a:rPr>
@@ -5239,7 +5110,7 @@
         <p:spPr>
           <a:xfrm>
             <a:off x="1245455" y="2285616"/>
-            <a:ext cx="683549" cy="461665"/>
+            <a:ext cx="683549" cy="400110"/>
           </a:xfrm>
           <a:prstGeom prst="rect">
             <a:avLst/>
@@ -5254,7 +5125,7 @@
           <a:p>
             <a:pPr algn="ctr"/>
             <a:r>
-              <a:rPr lang="en-US" sz="2400" dirty="0">
+              <a:rPr lang="en-US" sz="2000" dirty="0">
                 <a:latin typeface="Times New Roman" panose="02020603050405020304" pitchFamily="18" charset="0"/>
                 <a:cs typeface="Times New Roman" panose="02020603050405020304" pitchFamily="18" charset="0"/>
               </a:rPr>
@@ -5278,7 +5149,7 @@
         <p:spPr>
           <a:xfrm>
             <a:off x="3875361" y="711920"/>
-            <a:ext cx="683549" cy="461665"/>
+            <a:ext cx="683549" cy="400110"/>
           </a:xfrm>
           <a:prstGeom prst="rect">
             <a:avLst/>
@@ -5293,7 +5164,7 @@
           <a:p>
             <a:pPr algn="ctr"/>
             <a:r>
-              <a:rPr lang="en-US" sz="2400" dirty="0">
+              <a:rPr lang="en-US" sz="2000" dirty="0">
                 <a:latin typeface="Times New Roman" panose="02020603050405020304" pitchFamily="18" charset="0"/>
                 <a:cs typeface="Times New Roman" panose="02020603050405020304" pitchFamily="18" charset="0"/>
               </a:rPr>
@@ -5317,7 +5188,7 @@
         <p:spPr>
           <a:xfrm>
             <a:off x="3886215" y="2334349"/>
-            <a:ext cx="683549" cy="461665"/>
+            <a:ext cx="683549" cy="400110"/>
           </a:xfrm>
           <a:prstGeom prst="rect">
             <a:avLst/>
@@ -5332,7 +5203,7 @@
           <a:p>
             <a:pPr algn="ctr"/>
             <a:r>
-              <a:rPr lang="en-US" sz="2400" dirty="0">
+              <a:rPr lang="en-US" sz="2000" dirty="0">
                 <a:latin typeface="Times New Roman" panose="02020603050405020304" pitchFamily="18" charset="0"/>
                 <a:cs typeface="Times New Roman" panose="02020603050405020304" pitchFamily="18" charset="0"/>
               </a:rPr>
@@ -5356,7 +5227,7 @@
         <p:spPr>
           <a:xfrm>
             <a:off x="8155487" y="649435"/>
-            <a:ext cx="683549" cy="461665"/>
+            <a:ext cx="683549" cy="400110"/>
           </a:xfrm>
           <a:prstGeom prst="rect">
             <a:avLst/>
@@ -5371,7 +5242,7 @@
           <a:p>
             <a:pPr algn="ctr"/>
             <a:r>
-              <a:rPr lang="en-US" sz="2400" dirty="0">
+              <a:rPr lang="en-US" sz="2000" dirty="0">
                 <a:latin typeface="Times New Roman" panose="02020603050405020304" pitchFamily="18" charset="0"/>
                 <a:cs typeface="Times New Roman" panose="02020603050405020304" pitchFamily="18" charset="0"/>
               </a:rPr>
@@ -5395,7 +5266,7 @@
         <p:spPr>
           <a:xfrm>
             <a:off x="10702920" y="648518"/>
-            <a:ext cx="683549" cy="461665"/>
+            <a:ext cx="683549" cy="400110"/>
           </a:xfrm>
           <a:prstGeom prst="rect">
             <a:avLst/>
@@ -5410,7 +5281,7 @@
           <a:p>
             <a:pPr algn="ctr"/>
             <a:r>
-              <a:rPr lang="en-US" sz="2400" dirty="0">
+              <a:rPr lang="en-US" sz="2000" dirty="0">
                 <a:latin typeface="Times New Roman" panose="02020603050405020304" pitchFamily="18" charset="0"/>
                 <a:cs typeface="Times New Roman" panose="02020603050405020304" pitchFamily="18" charset="0"/>
               </a:rPr>
@@ -5434,7 +5305,7 @@
         <p:spPr>
           <a:xfrm>
             <a:off x="8146972" y="2388204"/>
-            <a:ext cx="683549" cy="461665"/>
+            <a:ext cx="683549" cy="400110"/>
           </a:xfrm>
           <a:prstGeom prst="rect">
             <a:avLst/>
@@ -5449,7 +5320,7 @@
           <a:p>
             <a:pPr algn="ctr"/>
             <a:r>
-              <a:rPr lang="en-US" sz="2400" dirty="0">
+              <a:rPr lang="en-US" sz="2000" dirty="0">
                 <a:latin typeface="Times New Roman" panose="02020603050405020304" pitchFamily="18" charset="0"/>
                 <a:cs typeface="Times New Roman" panose="02020603050405020304" pitchFamily="18" charset="0"/>
               </a:rPr>
@@ -5473,7 +5344,7 @@
         <p:spPr>
           <a:xfrm>
             <a:off x="10702919" y="2397938"/>
-            <a:ext cx="683549" cy="461665"/>
+            <a:ext cx="683549" cy="400110"/>
           </a:xfrm>
           <a:prstGeom prst="rect">
             <a:avLst/>
@@ -5488,7 +5359,7 @@
           <a:p>
             <a:pPr algn="ctr"/>
             <a:r>
-              <a:rPr lang="en-US" sz="2400" dirty="0">
+              <a:rPr lang="en-US" sz="2000" dirty="0">
                 <a:latin typeface="Times New Roman" panose="02020603050405020304" pitchFamily="18" charset="0"/>
                 <a:cs typeface="Times New Roman" panose="02020603050405020304" pitchFamily="18" charset="0"/>
               </a:rPr>
@@ -5512,7 +5383,7 @@
         <p:spPr>
           <a:xfrm>
             <a:off x="7839940" y="1246958"/>
-            <a:ext cx="765669" cy="461665"/>
+            <a:ext cx="765669" cy="400110"/>
           </a:xfrm>
           <a:prstGeom prst="rect">
             <a:avLst/>
@@ -5527,7 +5398,7 @@
           <a:p>
             <a:pPr algn="ctr"/>
             <a:r>
-              <a:rPr lang="en-US" sz="2400" dirty="0">
+              <a:rPr lang="en-US" sz="2000" dirty="0">
                 <a:latin typeface="Times New Roman" panose="02020603050405020304" pitchFamily="18" charset="0"/>
                 <a:cs typeface="Times New Roman" panose="02020603050405020304" pitchFamily="18" charset="0"/>
               </a:rPr>
@@ -5551,7 +5422,7 @@
         <p:spPr>
           <a:xfrm>
             <a:off x="7833577" y="1767356"/>
-            <a:ext cx="765669" cy="461665"/>
+            <a:ext cx="765669" cy="400110"/>
           </a:xfrm>
           <a:prstGeom prst="rect">
             <a:avLst/>
@@ -5566,7 +5437,7 @@
           <a:p>
             <a:pPr algn="ctr"/>
             <a:r>
-              <a:rPr lang="en-US" sz="2400" dirty="0">
+              <a:rPr lang="en-US" sz="2000" dirty="0">
                 <a:latin typeface="Times New Roman" panose="02020603050405020304" pitchFamily="18" charset="0"/>
                 <a:cs typeface="Times New Roman" panose="02020603050405020304" pitchFamily="18" charset="0"/>
               </a:rPr>
@@ -5589,8 +5460,8 @@
         </p:nvSpPr>
         <p:spPr>
           <a:xfrm>
-            <a:off x="4282771" y="4046142"/>
-            <a:ext cx="765669" cy="461665"/>
+            <a:off x="4282771" y="4124523"/>
+            <a:ext cx="765669" cy="400110"/>
           </a:xfrm>
           <a:prstGeom prst="rect">
             <a:avLst/>
@@ -5605,7 +5476,7 @@
           <a:p>
             <a:pPr algn="ctr"/>
             <a:r>
-              <a:rPr lang="en-US" sz="2400" dirty="0">
+              <a:rPr lang="en-US" sz="2000" dirty="0">
                 <a:latin typeface="Times New Roman" panose="02020603050405020304" pitchFamily="18" charset="0"/>
                 <a:cs typeface="Times New Roman" panose="02020603050405020304" pitchFamily="18" charset="0"/>
               </a:rPr>
@@ -5628,8 +5499,8 @@
         </p:nvSpPr>
         <p:spPr>
           <a:xfrm>
-            <a:off x="4282771" y="5838503"/>
-            <a:ext cx="765669" cy="461665"/>
+            <a:off x="4282771" y="5916884"/>
+            <a:ext cx="765669" cy="400110"/>
           </a:xfrm>
           <a:prstGeom prst="rect">
             <a:avLst/>
@@ -5644,7 +5515,7 @@
           <a:p>
             <a:pPr algn="ctr"/>
             <a:r>
-              <a:rPr lang="en-US" sz="2400" dirty="0">
+              <a:rPr lang="en-US" sz="2000" dirty="0">
                 <a:latin typeface="Times New Roman" panose="02020603050405020304" pitchFamily="18" charset="0"/>
                 <a:cs typeface="Times New Roman" panose="02020603050405020304" pitchFamily="18" charset="0"/>
               </a:rPr>
@@ -5657,6 +5528,2338 @@
     <p:extLst>
       <p:ext uri="{BB962C8B-B14F-4D97-AF65-F5344CB8AC3E}">
         <p14:creationId xmlns:p14="http://schemas.microsoft.com/office/powerpoint/2010/main" val="1636335619"/>
+      </p:ext>
+    </p:extLst>
+  </p:cSld>
+  <p:clrMapOvr>
+    <a:masterClrMapping/>
+  </p:clrMapOvr>
+</p:sld>
+</file>
+
+<file path=ppt/slides/slide2.xml><?xml version="1.0" encoding="utf-8"?>
+<p:sld xmlns:a="http://schemas.openxmlformats.org/drawingml/2006/main" xmlns:r="http://schemas.openxmlformats.org/officeDocument/2006/relationships" xmlns:p="http://schemas.openxmlformats.org/presentationml/2006/main">
+  <p:cSld>
+    <p:spTree>
+      <p:nvGrpSpPr>
+        <p:cNvPr id="1" name=""/>
+        <p:cNvGrpSpPr/>
+        <p:nvPr/>
+      </p:nvGrpSpPr>
+      <p:grpSpPr>
+        <a:xfrm>
+          <a:off x="0" y="0"/>
+          <a:ext cx="0" cy="0"/>
+          <a:chOff x="0" y="0"/>
+          <a:chExt cx="0" cy="0"/>
+        </a:xfrm>
+      </p:grpSpPr>
+      <p:sp>
+        <p:nvSpPr>
+          <p:cNvPr id="3" name="文本框 2">
+            <a:extLst>
+              <a:ext uri="{FF2B5EF4-FFF2-40B4-BE49-F238E27FC236}">
+                <a16:creationId xmlns:a16="http://schemas.microsoft.com/office/drawing/2014/main" id="{6D213AD3-035E-DDDF-5AC3-239DAF64AA4E}"/>
+              </a:ext>
+            </a:extLst>
+          </p:cNvPr>
+          <p:cNvSpPr txBox="1"/>
+          <p:nvPr/>
+        </p:nvSpPr>
+        <p:spPr>
+          <a:xfrm>
+            <a:off x="3800175" y="3231090"/>
+            <a:ext cx="1003709" cy="400110"/>
+          </a:xfrm>
+          <a:prstGeom prst="rect">
+            <a:avLst/>
+          </a:prstGeom>
+          <a:noFill/>
+          <a:ln w="19050">
+            <a:solidFill>
+              <a:schemeClr val="tx1"/>
+            </a:solidFill>
+          </a:ln>
+        </p:spPr>
+        <p:txBody>
+          <a:bodyPr wrap="square" rtlCol="0">
+            <a:spAutoFit/>
+          </a:bodyPr>
+          <a:lstStyle/>
+          <a:p>
+            <a:pPr algn="ctr"/>
+            <a:r>
+              <a:rPr lang="en-US" sz="2000" dirty="0">
+                <a:latin typeface="Times New Roman" panose="02020603050405020304" pitchFamily="18" charset="0"/>
+                <a:cs typeface="Times New Roman" panose="02020603050405020304" pitchFamily="18" charset="0"/>
+              </a:rPr>
+              <a:t>SCD</a:t>
+            </a:r>
+          </a:p>
+        </p:txBody>
+      </p:sp>
+      <p:sp>
+        <p:nvSpPr>
+          <p:cNvPr id="4" name="文本框 3">
+            <a:extLst>
+              <a:ext uri="{FF2B5EF4-FFF2-40B4-BE49-F238E27FC236}">
+                <a16:creationId xmlns:a16="http://schemas.microsoft.com/office/drawing/2014/main" id="{2E05F8EE-DE72-7085-EA23-CC62117A8048}"/>
+              </a:ext>
+            </a:extLst>
+          </p:cNvPr>
+          <p:cNvSpPr txBox="1"/>
+          <p:nvPr/>
+        </p:nvSpPr>
+        <p:spPr>
+          <a:xfrm>
+            <a:off x="5594145" y="2324292"/>
+            <a:ext cx="1003709" cy="562630"/>
+          </a:xfrm>
+          <a:prstGeom prst="ellipse">
+            <a:avLst/>
+          </a:prstGeom>
+          <a:noFill/>
+          <a:ln w="19050">
+            <a:solidFill>
+              <a:schemeClr val="tx1"/>
+            </a:solidFill>
+          </a:ln>
+        </p:spPr>
+        <p:txBody>
+          <a:bodyPr wrap="square" rtlCol="0">
+            <a:spAutoFit/>
+          </a:bodyPr>
+          <a:lstStyle/>
+          <a:p>
+            <a:pPr algn="ctr"/>
+            <a:r>
+              <a:rPr lang="en-US" sz="2000" dirty="0">
+                <a:latin typeface="Times New Roman" panose="02020603050405020304" pitchFamily="18" charset="0"/>
+                <a:cs typeface="Times New Roman" panose="02020603050405020304" pitchFamily="18" charset="0"/>
+              </a:rPr>
+              <a:t>RD</a:t>
+            </a:r>
+          </a:p>
+        </p:txBody>
+      </p:sp>
+      <p:sp>
+        <p:nvSpPr>
+          <p:cNvPr id="5" name="文本框 4">
+            <a:extLst>
+              <a:ext uri="{FF2B5EF4-FFF2-40B4-BE49-F238E27FC236}">
+                <a16:creationId xmlns:a16="http://schemas.microsoft.com/office/drawing/2014/main" id="{409B5701-A16C-6F97-AA88-E161321895DC}"/>
+              </a:ext>
+            </a:extLst>
+          </p:cNvPr>
+          <p:cNvSpPr txBox="1"/>
+          <p:nvPr/>
+        </p:nvSpPr>
+        <p:spPr>
+          <a:xfrm>
+            <a:off x="5594144" y="3970234"/>
+            <a:ext cx="1003709" cy="562630"/>
+          </a:xfrm>
+          <a:prstGeom prst="ellipse">
+            <a:avLst/>
+          </a:prstGeom>
+          <a:noFill/>
+          <a:ln w="19050">
+            <a:solidFill>
+              <a:schemeClr val="tx1"/>
+            </a:solidFill>
+          </a:ln>
+        </p:spPr>
+        <p:txBody>
+          <a:bodyPr wrap="square" rtlCol="0">
+            <a:spAutoFit/>
+          </a:bodyPr>
+          <a:lstStyle/>
+          <a:p>
+            <a:pPr algn="ctr"/>
+            <a:r>
+              <a:rPr lang="en-US" sz="2000" dirty="0">
+                <a:latin typeface="Times New Roman" panose="02020603050405020304" pitchFamily="18" charset="0"/>
+                <a:cs typeface="Times New Roman" panose="02020603050405020304" pitchFamily="18" charset="0"/>
+              </a:rPr>
+              <a:t>POS</a:t>
+            </a:r>
+          </a:p>
+        </p:txBody>
+      </p:sp>
+      <p:sp>
+        <p:nvSpPr>
+          <p:cNvPr id="6" name="文本框 5">
+            <a:extLst>
+              <a:ext uri="{FF2B5EF4-FFF2-40B4-BE49-F238E27FC236}">
+                <a16:creationId xmlns:a16="http://schemas.microsoft.com/office/drawing/2014/main" id="{55344356-CAFC-2227-7C51-51479AAF5242}"/>
+              </a:ext>
+            </a:extLst>
+          </p:cNvPr>
+          <p:cNvSpPr txBox="1"/>
+          <p:nvPr/>
+        </p:nvSpPr>
+        <p:spPr>
+          <a:xfrm>
+            <a:off x="7409866" y="3146234"/>
+            <a:ext cx="1003709" cy="562630"/>
+          </a:xfrm>
+          <a:prstGeom prst="ellipse">
+            <a:avLst/>
+          </a:prstGeom>
+          <a:noFill/>
+          <a:ln w="19050">
+            <a:solidFill>
+              <a:schemeClr val="tx1"/>
+            </a:solidFill>
+          </a:ln>
+        </p:spPr>
+        <p:txBody>
+          <a:bodyPr wrap="square" rtlCol="0">
+            <a:spAutoFit/>
+          </a:bodyPr>
+          <a:lstStyle/>
+          <a:p>
+            <a:pPr algn="ctr"/>
+            <a:r>
+              <a:rPr lang="en-US" sz="2000" dirty="0">
+                <a:latin typeface="Times New Roman" panose="02020603050405020304" pitchFamily="18" charset="0"/>
+                <a:cs typeface="Times New Roman" panose="02020603050405020304" pitchFamily="18" charset="0"/>
+              </a:rPr>
+              <a:t>LS</a:t>
+            </a:r>
+          </a:p>
+        </p:txBody>
+      </p:sp>
+      <p:cxnSp>
+        <p:nvCxnSpPr>
+          <p:cNvPr id="7" name="直接箭头连接符 6">
+            <a:extLst>
+              <a:ext uri="{FF2B5EF4-FFF2-40B4-BE49-F238E27FC236}">
+                <a16:creationId xmlns:a16="http://schemas.microsoft.com/office/drawing/2014/main" id="{97D4BC06-5100-0DC0-D6E1-A4DF5BDD6EC7}"/>
+              </a:ext>
+            </a:extLst>
+          </p:cNvPr>
+          <p:cNvCxnSpPr>
+            <a:cxnSpLocks/>
+            <a:stCxn id="3" idx="0"/>
+            <a:endCxn id="4" idx="2"/>
+          </p:cNvCxnSpPr>
+          <p:nvPr/>
+        </p:nvCxnSpPr>
+        <p:spPr>
+          <a:xfrm flipV="1">
+            <a:off x="4302030" y="2605607"/>
+            <a:ext cx="1292115" cy="625483"/>
+          </a:xfrm>
+          <a:prstGeom prst="straightConnector1">
+            <a:avLst/>
+          </a:prstGeom>
+          <a:ln>
+            <a:solidFill>
+              <a:schemeClr val="tx1"/>
+            </a:solidFill>
+            <a:tailEnd type="triangle"/>
+          </a:ln>
+        </p:spPr>
+        <p:style>
+          <a:lnRef idx="1">
+            <a:schemeClr val="accent1"/>
+          </a:lnRef>
+          <a:fillRef idx="0">
+            <a:schemeClr val="accent1"/>
+          </a:fillRef>
+          <a:effectRef idx="0">
+            <a:schemeClr val="accent1"/>
+          </a:effectRef>
+          <a:fontRef idx="minor">
+            <a:schemeClr val="tx1"/>
+          </a:fontRef>
+        </p:style>
+      </p:cxnSp>
+      <p:cxnSp>
+        <p:nvCxnSpPr>
+          <p:cNvPr id="8" name="直接箭头连接符 7">
+            <a:extLst>
+              <a:ext uri="{FF2B5EF4-FFF2-40B4-BE49-F238E27FC236}">
+                <a16:creationId xmlns:a16="http://schemas.microsoft.com/office/drawing/2014/main" id="{1FF23BF2-96A0-FE2B-629D-2962AFB9DE0F}"/>
+              </a:ext>
+            </a:extLst>
+          </p:cNvPr>
+          <p:cNvCxnSpPr>
+            <a:cxnSpLocks/>
+            <a:stCxn id="3" idx="2"/>
+            <a:endCxn id="5" idx="2"/>
+          </p:cNvCxnSpPr>
+          <p:nvPr/>
+        </p:nvCxnSpPr>
+        <p:spPr>
+          <a:xfrm>
+            <a:off x="4302030" y="3631200"/>
+            <a:ext cx="1292114" cy="620349"/>
+          </a:xfrm>
+          <a:prstGeom prst="straightConnector1">
+            <a:avLst/>
+          </a:prstGeom>
+          <a:ln>
+            <a:solidFill>
+              <a:schemeClr val="tx1"/>
+            </a:solidFill>
+            <a:tailEnd type="triangle"/>
+          </a:ln>
+        </p:spPr>
+        <p:style>
+          <a:lnRef idx="1">
+            <a:schemeClr val="accent1"/>
+          </a:lnRef>
+          <a:fillRef idx="0">
+            <a:schemeClr val="accent1"/>
+          </a:fillRef>
+          <a:effectRef idx="0">
+            <a:schemeClr val="accent1"/>
+          </a:effectRef>
+          <a:fontRef idx="minor">
+            <a:schemeClr val="tx1"/>
+          </a:fontRef>
+        </p:style>
+      </p:cxnSp>
+      <p:cxnSp>
+        <p:nvCxnSpPr>
+          <p:cNvPr id="9" name="直接箭头连接符 8">
+            <a:extLst>
+              <a:ext uri="{FF2B5EF4-FFF2-40B4-BE49-F238E27FC236}">
+                <a16:creationId xmlns:a16="http://schemas.microsoft.com/office/drawing/2014/main" id="{5D3F1F94-CAE4-1736-BB71-7395B15BCCBD}"/>
+              </a:ext>
+            </a:extLst>
+          </p:cNvPr>
+          <p:cNvCxnSpPr>
+            <a:cxnSpLocks/>
+            <a:stCxn id="4" idx="6"/>
+            <a:endCxn id="6" idx="0"/>
+          </p:cNvCxnSpPr>
+          <p:nvPr/>
+        </p:nvCxnSpPr>
+        <p:spPr>
+          <a:xfrm>
+            <a:off x="6597854" y="2605607"/>
+            <a:ext cx="1313867" cy="540627"/>
+          </a:xfrm>
+          <a:prstGeom prst="straightConnector1">
+            <a:avLst/>
+          </a:prstGeom>
+          <a:ln>
+            <a:solidFill>
+              <a:schemeClr val="tx1"/>
+            </a:solidFill>
+            <a:tailEnd type="triangle"/>
+          </a:ln>
+        </p:spPr>
+        <p:style>
+          <a:lnRef idx="1">
+            <a:schemeClr val="accent1"/>
+          </a:lnRef>
+          <a:fillRef idx="0">
+            <a:schemeClr val="accent1"/>
+          </a:fillRef>
+          <a:effectRef idx="0">
+            <a:schemeClr val="accent1"/>
+          </a:effectRef>
+          <a:fontRef idx="minor">
+            <a:schemeClr val="tx1"/>
+          </a:fontRef>
+        </p:style>
+      </p:cxnSp>
+      <p:cxnSp>
+        <p:nvCxnSpPr>
+          <p:cNvPr id="10" name="直接箭头连接符 9">
+            <a:extLst>
+              <a:ext uri="{FF2B5EF4-FFF2-40B4-BE49-F238E27FC236}">
+                <a16:creationId xmlns:a16="http://schemas.microsoft.com/office/drawing/2014/main" id="{A8BE1F8A-5E25-1838-B60B-D3AD2B0B4B5B}"/>
+              </a:ext>
+            </a:extLst>
+          </p:cNvPr>
+          <p:cNvCxnSpPr>
+            <a:cxnSpLocks/>
+            <a:stCxn id="5" idx="6"/>
+            <a:endCxn id="6" idx="4"/>
+          </p:cNvCxnSpPr>
+          <p:nvPr/>
+        </p:nvCxnSpPr>
+        <p:spPr>
+          <a:xfrm flipV="1">
+            <a:off x="6597853" y="3708864"/>
+            <a:ext cx="1313868" cy="542685"/>
+          </a:xfrm>
+          <a:prstGeom prst="straightConnector1">
+            <a:avLst/>
+          </a:prstGeom>
+          <a:ln>
+            <a:solidFill>
+              <a:schemeClr val="tx1"/>
+            </a:solidFill>
+            <a:tailEnd type="triangle"/>
+          </a:ln>
+        </p:spPr>
+        <p:style>
+          <a:lnRef idx="1">
+            <a:schemeClr val="accent1"/>
+          </a:lnRef>
+          <a:fillRef idx="0">
+            <a:schemeClr val="accent1"/>
+          </a:fillRef>
+          <a:effectRef idx="0">
+            <a:schemeClr val="accent1"/>
+          </a:effectRef>
+          <a:fontRef idx="minor">
+            <a:schemeClr val="tx1"/>
+          </a:fontRef>
+        </p:style>
+      </p:cxnSp>
+      <p:sp>
+        <p:nvSpPr>
+          <p:cNvPr id="11" name="文本框 10">
+            <a:extLst>
+              <a:ext uri="{FF2B5EF4-FFF2-40B4-BE49-F238E27FC236}">
+                <a16:creationId xmlns:a16="http://schemas.microsoft.com/office/drawing/2014/main" id="{C6CCA302-6F94-E46A-EE5A-65BC06BB5DFF}"/>
+              </a:ext>
+            </a:extLst>
+          </p:cNvPr>
+          <p:cNvSpPr txBox="1"/>
+          <p:nvPr/>
+        </p:nvSpPr>
+        <p:spPr>
+          <a:xfrm>
+            <a:off x="5525589" y="1240980"/>
+            <a:ext cx="1140822" cy="400110"/>
+          </a:xfrm>
+          <a:prstGeom prst="rect">
+            <a:avLst/>
+          </a:prstGeom>
+          <a:noFill/>
+        </p:spPr>
+        <p:txBody>
+          <a:bodyPr wrap="square" rtlCol="0">
+            <a:spAutoFit/>
+          </a:bodyPr>
+          <a:lstStyle/>
+          <a:p>
+            <a:pPr algn="ctr"/>
+            <a:r>
+              <a:rPr lang="en-US" sz="2000" dirty="0">
+                <a:latin typeface="Times New Roman" panose="02020603050405020304" pitchFamily="18" charset="0"/>
+                <a:cs typeface="Times New Roman" panose="02020603050405020304" pitchFamily="18" charset="0"/>
+              </a:rPr>
+              <a:t>Study 1</a:t>
+            </a:r>
+          </a:p>
+        </p:txBody>
+      </p:sp>
+      <p:sp>
+        <p:nvSpPr>
+          <p:cNvPr id="12" name="文本框 11">
+            <a:extLst>
+              <a:ext uri="{FF2B5EF4-FFF2-40B4-BE49-F238E27FC236}">
+                <a16:creationId xmlns:a16="http://schemas.microsoft.com/office/drawing/2014/main" id="{F64078B5-9EDC-623E-C358-64F90A41F6E6}"/>
+              </a:ext>
+            </a:extLst>
+          </p:cNvPr>
+          <p:cNvSpPr txBox="1"/>
+          <p:nvPr/>
+        </p:nvSpPr>
+        <p:spPr>
+          <a:xfrm>
+            <a:off x="4329251" y="2477782"/>
+            <a:ext cx="683549" cy="400110"/>
+          </a:xfrm>
+          <a:prstGeom prst="rect">
+            <a:avLst/>
+          </a:prstGeom>
+          <a:noFill/>
+        </p:spPr>
+        <p:txBody>
+          <a:bodyPr wrap="square" rtlCol="0">
+            <a:spAutoFit/>
+          </a:bodyPr>
+          <a:lstStyle/>
+          <a:p>
+            <a:pPr algn="ctr"/>
+            <a:r>
+              <a:rPr lang="en-US" sz="2000" dirty="0">
+                <a:latin typeface="Times New Roman" panose="02020603050405020304" pitchFamily="18" charset="0"/>
+                <a:cs typeface="Times New Roman" panose="02020603050405020304" pitchFamily="18" charset="0"/>
+              </a:rPr>
+              <a:t>H1</a:t>
+            </a:r>
+          </a:p>
+        </p:txBody>
+      </p:sp>
+      <p:sp>
+        <p:nvSpPr>
+          <p:cNvPr id="13" name="文本框 12">
+            <a:extLst>
+              <a:ext uri="{FF2B5EF4-FFF2-40B4-BE49-F238E27FC236}">
+                <a16:creationId xmlns:a16="http://schemas.microsoft.com/office/drawing/2014/main" id="{161540FB-B5CE-9D40-55DD-25BDD26C78FF}"/>
+              </a:ext>
+            </a:extLst>
+          </p:cNvPr>
+          <p:cNvSpPr txBox="1"/>
+          <p:nvPr/>
+        </p:nvSpPr>
+        <p:spPr>
+          <a:xfrm>
+            <a:off x="4303260" y="3995191"/>
+            <a:ext cx="683549" cy="400110"/>
+          </a:xfrm>
+          <a:prstGeom prst="rect">
+            <a:avLst/>
+          </a:prstGeom>
+          <a:noFill/>
+        </p:spPr>
+        <p:txBody>
+          <a:bodyPr wrap="square" rtlCol="0">
+            <a:spAutoFit/>
+          </a:bodyPr>
+          <a:lstStyle/>
+          <a:p>
+            <a:pPr algn="ctr"/>
+            <a:r>
+              <a:rPr lang="en-US" sz="2000" dirty="0">
+                <a:latin typeface="Times New Roman" panose="02020603050405020304" pitchFamily="18" charset="0"/>
+                <a:cs typeface="Times New Roman" panose="02020603050405020304" pitchFamily="18" charset="0"/>
+              </a:rPr>
+              <a:t>H3</a:t>
+            </a:r>
+          </a:p>
+        </p:txBody>
+      </p:sp>
+      <p:sp>
+        <p:nvSpPr>
+          <p:cNvPr id="14" name="文本框 13">
+            <a:extLst>
+              <a:ext uri="{FF2B5EF4-FFF2-40B4-BE49-F238E27FC236}">
+                <a16:creationId xmlns:a16="http://schemas.microsoft.com/office/drawing/2014/main" id="{B789345D-3A23-D024-5A87-F1B80A1A3A41}"/>
+              </a:ext>
+            </a:extLst>
+          </p:cNvPr>
+          <p:cNvSpPr txBox="1"/>
+          <p:nvPr/>
+        </p:nvSpPr>
+        <p:spPr>
+          <a:xfrm>
+            <a:off x="6933166" y="2421495"/>
+            <a:ext cx="683549" cy="400110"/>
+          </a:xfrm>
+          <a:prstGeom prst="rect">
+            <a:avLst/>
+          </a:prstGeom>
+          <a:noFill/>
+        </p:spPr>
+        <p:txBody>
+          <a:bodyPr wrap="square" rtlCol="0">
+            <a:spAutoFit/>
+          </a:bodyPr>
+          <a:lstStyle/>
+          <a:p>
+            <a:pPr algn="ctr"/>
+            <a:r>
+              <a:rPr lang="en-US" sz="2000" dirty="0">
+                <a:latin typeface="Times New Roman" panose="02020603050405020304" pitchFamily="18" charset="0"/>
+                <a:cs typeface="Times New Roman" panose="02020603050405020304" pitchFamily="18" charset="0"/>
+              </a:rPr>
+              <a:t>H2</a:t>
+            </a:r>
+          </a:p>
+        </p:txBody>
+      </p:sp>
+      <p:sp>
+        <p:nvSpPr>
+          <p:cNvPr id="15" name="文本框 14">
+            <a:extLst>
+              <a:ext uri="{FF2B5EF4-FFF2-40B4-BE49-F238E27FC236}">
+                <a16:creationId xmlns:a16="http://schemas.microsoft.com/office/drawing/2014/main" id="{B042A96C-AC3D-D333-32EA-26048BB59239}"/>
+              </a:ext>
+            </a:extLst>
+          </p:cNvPr>
+          <p:cNvSpPr txBox="1"/>
+          <p:nvPr/>
+        </p:nvSpPr>
+        <p:spPr>
+          <a:xfrm>
+            <a:off x="6944020" y="4043924"/>
+            <a:ext cx="683549" cy="400110"/>
+          </a:xfrm>
+          <a:prstGeom prst="rect">
+            <a:avLst/>
+          </a:prstGeom>
+          <a:noFill/>
+        </p:spPr>
+        <p:txBody>
+          <a:bodyPr wrap="square" rtlCol="0">
+            <a:spAutoFit/>
+          </a:bodyPr>
+          <a:lstStyle/>
+          <a:p>
+            <a:pPr algn="ctr"/>
+            <a:r>
+              <a:rPr lang="en-US" sz="2000" dirty="0">
+                <a:latin typeface="Times New Roman" panose="02020603050405020304" pitchFamily="18" charset="0"/>
+                <a:cs typeface="Times New Roman" panose="02020603050405020304" pitchFamily="18" charset="0"/>
+              </a:rPr>
+              <a:t>H4</a:t>
+            </a:r>
+          </a:p>
+        </p:txBody>
+      </p:sp>
+      <p:sp>
+        <p:nvSpPr>
+          <p:cNvPr id="16" name="矩形: 圆角 15">
+            <a:extLst>
+              <a:ext uri="{FF2B5EF4-FFF2-40B4-BE49-F238E27FC236}">
+                <a16:creationId xmlns:a16="http://schemas.microsoft.com/office/drawing/2014/main" id="{8FBD55F6-45B0-E5B1-D81F-76D0F33349C0}"/>
+              </a:ext>
+            </a:extLst>
+          </p:cNvPr>
+          <p:cNvSpPr/>
+          <p:nvPr/>
+        </p:nvSpPr>
+        <p:spPr>
+          <a:xfrm>
+            <a:off x="3248025" y="1924182"/>
+            <a:ext cx="5734050" cy="2828793"/>
+          </a:xfrm>
+          <a:prstGeom prst="roundRect">
+            <a:avLst/>
+          </a:prstGeom>
+          <a:noFill/>
+          <a:ln>
+            <a:solidFill>
+              <a:schemeClr val="tx1"/>
+            </a:solidFill>
+            <a:prstDash val="lgDashDotDot"/>
+          </a:ln>
+        </p:spPr>
+        <p:style>
+          <a:lnRef idx="2">
+            <a:schemeClr val="accent1">
+              <a:shade val="15000"/>
+            </a:schemeClr>
+          </a:lnRef>
+          <a:fillRef idx="1">
+            <a:schemeClr val="accent1"/>
+          </a:fillRef>
+          <a:effectRef idx="0">
+            <a:schemeClr val="accent1"/>
+          </a:effectRef>
+          <a:fontRef idx="minor">
+            <a:schemeClr val="lt1"/>
+          </a:fontRef>
+        </p:style>
+        <p:txBody>
+          <a:bodyPr rtlCol="0" anchor="ctr"/>
+          <a:lstStyle/>
+          <a:p>
+            <a:pPr algn="ctr"/>
+            <a:endParaRPr lang="en-US"/>
+          </a:p>
+        </p:txBody>
+      </p:sp>
+    </p:spTree>
+    <p:extLst>
+      <p:ext uri="{BB962C8B-B14F-4D97-AF65-F5344CB8AC3E}">
+        <p14:creationId xmlns:p14="http://schemas.microsoft.com/office/powerpoint/2010/main" val="321559565"/>
+      </p:ext>
+    </p:extLst>
+  </p:cSld>
+  <p:clrMapOvr>
+    <a:masterClrMapping/>
+  </p:clrMapOvr>
+</p:sld>
+</file>
+
+<file path=ppt/slides/slide3.xml><?xml version="1.0" encoding="utf-8"?>
+<p:sld xmlns:a="http://schemas.openxmlformats.org/drawingml/2006/main" xmlns:r="http://schemas.openxmlformats.org/officeDocument/2006/relationships" xmlns:p="http://schemas.openxmlformats.org/presentationml/2006/main">
+  <p:cSld>
+    <p:spTree>
+      <p:nvGrpSpPr>
+        <p:cNvPr id="1" name="">
+          <a:extLst>
+            <a:ext uri="{FF2B5EF4-FFF2-40B4-BE49-F238E27FC236}">
+              <a16:creationId xmlns:a16="http://schemas.microsoft.com/office/drawing/2014/main" id="{84E965A4-DBD5-8D6C-29EA-E0AAAEFDAC97}"/>
+            </a:ext>
+          </a:extLst>
+        </p:cNvPr>
+        <p:cNvGrpSpPr/>
+        <p:nvPr/>
+      </p:nvGrpSpPr>
+      <p:grpSpPr>
+        <a:xfrm>
+          <a:off x="0" y="0"/>
+          <a:ext cx="0" cy="0"/>
+          <a:chOff x="0" y="0"/>
+          <a:chExt cx="0" cy="0"/>
+        </a:xfrm>
+      </p:grpSpPr>
+      <p:sp>
+        <p:nvSpPr>
+          <p:cNvPr id="3" name="文本框 2">
+            <a:extLst>
+              <a:ext uri="{FF2B5EF4-FFF2-40B4-BE49-F238E27FC236}">
+                <a16:creationId xmlns:a16="http://schemas.microsoft.com/office/drawing/2014/main" id="{510D13A3-3403-16D7-7F1F-1AAADB911713}"/>
+              </a:ext>
+            </a:extLst>
+          </p:cNvPr>
+          <p:cNvSpPr txBox="1"/>
+          <p:nvPr/>
+        </p:nvSpPr>
+        <p:spPr>
+          <a:xfrm>
+            <a:off x="5801636" y="3165483"/>
+            <a:ext cx="1003709" cy="562630"/>
+          </a:xfrm>
+          <a:prstGeom prst="ellipse">
+            <a:avLst/>
+          </a:prstGeom>
+          <a:noFill/>
+          <a:ln w="19050">
+            <a:solidFill>
+              <a:schemeClr val="tx1"/>
+            </a:solidFill>
+          </a:ln>
+        </p:spPr>
+        <p:txBody>
+          <a:bodyPr wrap="square" rtlCol="0">
+            <a:spAutoFit/>
+          </a:bodyPr>
+          <a:lstStyle/>
+          <a:p>
+            <a:pPr algn="ctr"/>
+            <a:r>
+              <a:rPr lang="en-US" sz="2000" dirty="0">
+                <a:latin typeface="Times New Roman" panose="02020603050405020304" pitchFamily="18" charset="0"/>
+                <a:cs typeface="Times New Roman" panose="02020603050405020304" pitchFamily="18" charset="0"/>
+              </a:rPr>
+              <a:t>SCO</a:t>
+            </a:r>
+          </a:p>
+        </p:txBody>
+      </p:sp>
+      <p:sp>
+        <p:nvSpPr>
+          <p:cNvPr id="4" name="文本框 3">
+            <a:extLst>
+              <a:ext uri="{FF2B5EF4-FFF2-40B4-BE49-F238E27FC236}">
+                <a16:creationId xmlns:a16="http://schemas.microsoft.com/office/drawing/2014/main" id="{8EBE8B31-6079-519D-51C3-AC8A424DC258}"/>
+              </a:ext>
+            </a:extLst>
+          </p:cNvPr>
+          <p:cNvSpPr txBox="1"/>
+          <p:nvPr/>
+        </p:nvSpPr>
+        <p:spPr>
+          <a:xfrm>
+            <a:off x="3373969" y="3004012"/>
+            <a:ext cx="1003709" cy="400110"/>
+          </a:xfrm>
+          <a:prstGeom prst="rect">
+            <a:avLst/>
+          </a:prstGeom>
+          <a:noFill/>
+          <a:ln w="19050">
+            <a:solidFill>
+              <a:schemeClr val="tx1"/>
+            </a:solidFill>
+          </a:ln>
+        </p:spPr>
+        <p:txBody>
+          <a:bodyPr wrap="square" rtlCol="0">
+            <a:spAutoFit/>
+          </a:bodyPr>
+          <a:lstStyle/>
+          <a:p>
+            <a:pPr algn="ctr"/>
+            <a:r>
+              <a:rPr lang="en-US" sz="2000" dirty="0">
+                <a:latin typeface="Times New Roman" panose="02020603050405020304" pitchFamily="18" charset="0"/>
+                <a:cs typeface="Times New Roman" panose="02020603050405020304" pitchFamily="18" charset="0"/>
+              </a:rPr>
+              <a:t>USC</a:t>
+            </a:r>
+          </a:p>
+        </p:txBody>
+      </p:sp>
+      <p:sp>
+        <p:nvSpPr>
+          <p:cNvPr id="5" name="文本框 4">
+            <a:extLst>
+              <a:ext uri="{FF2B5EF4-FFF2-40B4-BE49-F238E27FC236}">
+                <a16:creationId xmlns:a16="http://schemas.microsoft.com/office/drawing/2014/main" id="{F4945696-E86F-D68C-BF46-DB63A5F18A84}"/>
+              </a:ext>
+            </a:extLst>
+          </p:cNvPr>
+          <p:cNvSpPr txBox="1"/>
+          <p:nvPr/>
+        </p:nvSpPr>
+        <p:spPr>
+          <a:xfrm>
+            <a:off x="3373970" y="3465726"/>
+            <a:ext cx="1003709" cy="400110"/>
+          </a:xfrm>
+          <a:prstGeom prst="rect">
+            <a:avLst/>
+          </a:prstGeom>
+          <a:noFill/>
+          <a:ln w="19050">
+            <a:solidFill>
+              <a:schemeClr val="tx1"/>
+            </a:solidFill>
+          </a:ln>
+        </p:spPr>
+        <p:txBody>
+          <a:bodyPr wrap="square" rtlCol="0">
+            <a:spAutoFit/>
+          </a:bodyPr>
+          <a:lstStyle/>
+          <a:p>
+            <a:pPr algn="ctr"/>
+            <a:r>
+              <a:rPr lang="en-US" sz="2000" dirty="0">
+                <a:latin typeface="Times New Roman" panose="02020603050405020304" pitchFamily="18" charset="0"/>
+                <a:cs typeface="Times New Roman" panose="02020603050405020304" pitchFamily="18" charset="0"/>
+              </a:rPr>
+              <a:t>DSC</a:t>
+            </a:r>
+          </a:p>
+        </p:txBody>
+      </p:sp>
+      <p:sp>
+        <p:nvSpPr>
+          <p:cNvPr id="6" name="文本框 5">
+            <a:extLst>
+              <a:ext uri="{FF2B5EF4-FFF2-40B4-BE49-F238E27FC236}">
+                <a16:creationId xmlns:a16="http://schemas.microsoft.com/office/drawing/2014/main" id="{05CEC3C9-8B65-491A-AE72-D6B4D594D3A9}"/>
+              </a:ext>
+            </a:extLst>
+          </p:cNvPr>
+          <p:cNvSpPr txBox="1"/>
+          <p:nvPr/>
+        </p:nvSpPr>
+        <p:spPr>
+          <a:xfrm>
+            <a:off x="5813218" y="2315313"/>
+            <a:ext cx="1003709" cy="562630"/>
+          </a:xfrm>
+          <a:prstGeom prst="ellipse">
+            <a:avLst/>
+          </a:prstGeom>
+          <a:noFill/>
+          <a:ln w="19050">
+            <a:solidFill>
+              <a:schemeClr val="tx1"/>
+            </a:solidFill>
+          </a:ln>
+        </p:spPr>
+        <p:txBody>
+          <a:bodyPr wrap="square" rtlCol="0">
+            <a:spAutoFit/>
+          </a:bodyPr>
+          <a:lstStyle/>
+          <a:p>
+            <a:pPr algn="ctr"/>
+            <a:r>
+              <a:rPr lang="en-US" sz="2000" dirty="0">
+                <a:latin typeface="Times New Roman" panose="02020603050405020304" pitchFamily="18" charset="0"/>
+                <a:cs typeface="Times New Roman" panose="02020603050405020304" pitchFamily="18" charset="0"/>
+              </a:rPr>
+              <a:t>RD</a:t>
+            </a:r>
+          </a:p>
+        </p:txBody>
+      </p:sp>
+      <p:sp>
+        <p:nvSpPr>
+          <p:cNvPr id="7" name="文本框 6">
+            <a:extLst>
+              <a:ext uri="{FF2B5EF4-FFF2-40B4-BE49-F238E27FC236}">
+                <a16:creationId xmlns:a16="http://schemas.microsoft.com/office/drawing/2014/main" id="{D032B0DF-1866-05B8-3F4C-E76ED3647994}"/>
+              </a:ext>
+            </a:extLst>
+          </p:cNvPr>
+          <p:cNvSpPr txBox="1"/>
+          <p:nvPr/>
+        </p:nvSpPr>
+        <p:spPr>
+          <a:xfrm>
+            <a:off x="5813220" y="3969042"/>
+            <a:ext cx="1003709" cy="562630"/>
+          </a:xfrm>
+          <a:prstGeom prst="ellipse">
+            <a:avLst/>
+          </a:prstGeom>
+          <a:noFill/>
+          <a:ln w="19050">
+            <a:solidFill>
+              <a:schemeClr val="tx1"/>
+            </a:solidFill>
+          </a:ln>
+        </p:spPr>
+        <p:txBody>
+          <a:bodyPr wrap="square" rtlCol="0">
+            <a:spAutoFit/>
+          </a:bodyPr>
+          <a:lstStyle/>
+          <a:p>
+            <a:pPr algn="ctr"/>
+            <a:r>
+              <a:rPr lang="en-US" sz="2000" dirty="0">
+                <a:latin typeface="Times New Roman" panose="02020603050405020304" pitchFamily="18" charset="0"/>
+                <a:cs typeface="Times New Roman" panose="02020603050405020304" pitchFamily="18" charset="0"/>
+              </a:rPr>
+              <a:t>POS</a:t>
+            </a:r>
+          </a:p>
+        </p:txBody>
+      </p:sp>
+      <p:sp>
+        <p:nvSpPr>
+          <p:cNvPr id="8" name="文本框 7">
+            <a:extLst>
+              <a:ext uri="{FF2B5EF4-FFF2-40B4-BE49-F238E27FC236}">
+                <a16:creationId xmlns:a16="http://schemas.microsoft.com/office/drawing/2014/main" id="{10E8CC84-3D9D-EF89-BCFA-4E3C66FEE836}"/>
+              </a:ext>
+            </a:extLst>
+          </p:cNvPr>
+          <p:cNvSpPr txBox="1"/>
+          <p:nvPr/>
+        </p:nvSpPr>
+        <p:spPr>
+          <a:xfrm>
+            <a:off x="7783580" y="3144992"/>
+            <a:ext cx="1003709" cy="562630"/>
+          </a:xfrm>
+          <a:prstGeom prst="ellipse">
+            <a:avLst/>
+          </a:prstGeom>
+          <a:noFill/>
+          <a:ln w="19050">
+            <a:solidFill>
+              <a:schemeClr val="tx1"/>
+            </a:solidFill>
+          </a:ln>
+        </p:spPr>
+        <p:txBody>
+          <a:bodyPr wrap="square" rtlCol="0">
+            <a:spAutoFit/>
+          </a:bodyPr>
+          <a:lstStyle/>
+          <a:p>
+            <a:pPr algn="ctr"/>
+            <a:r>
+              <a:rPr lang="en-US" sz="2000" dirty="0">
+                <a:latin typeface="Times New Roman" panose="02020603050405020304" pitchFamily="18" charset="0"/>
+                <a:cs typeface="Times New Roman" panose="02020603050405020304" pitchFamily="18" charset="0"/>
+              </a:rPr>
+              <a:t>LS</a:t>
+            </a:r>
+          </a:p>
+        </p:txBody>
+      </p:sp>
+      <p:cxnSp>
+        <p:nvCxnSpPr>
+          <p:cNvPr id="9" name="直接箭头连接符 8">
+            <a:extLst>
+              <a:ext uri="{FF2B5EF4-FFF2-40B4-BE49-F238E27FC236}">
+                <a16:creationId xmlns:a16="http://schemas.microsoft.com/office/drawing/2014/main" id="{45159B71-B939-C910-BE09-AC804C9ED0C8}"/>
+              </a:ext>
+            </a:extLst>
+          </p:cNvPr>
+          <p:cNvCxnSpPr>
+            <a:cxnSpLocks/>
+            <a:stCxn id="4" idx="3"/>
+            <a:endCxn id="6" idx="2"/>
+          </p:cNvCxnSpPr>
+          <p:nvPr/>
+        </p:nvCxnSpPr>
+        <p:spPr>
+          <a:xfrm flipV="1">
+            <a:off x="4377678" y="2596628"/>
+            <a:ext cx="1435540" cy="607439"/>
+          </a:xfrm>
+          <a:prstGeom prst="straightConnector1">
+            <a:avLst/>
+          </a:prstGeom>
+          <a:ln>
+            <a:solidFill>
+              <a:schemeClr val="tx1"/>
+            </a:solidFill>
+            <a:tailEnd type="triangle"/>
+          </a:ln>
+        </p:spPr>
+        <p:style>
+          <a:lnRef idx="1">
+            <a:schemeClr val="accent1"/>
+          </a:lnRef>
+          <a:fillRef idx="0">
+            <a:schemeClr val="accent1"/>
+          </a:fillRef>
+          <a:effectRef idx="0">
+            <a:schemeClr val="accent1"/>
+          </a:effectRef>
+          <a:fontRef idx="minor">
+            <a:schemeClr val="tx1"/>
+          </a:fontRef>
+        </p:style>
+      </p:cxnSp>
+      <p:cxnSp>
+        <p:nvCxnSpPr>
+          <p:cNvPr id="10" name="直接箭头连接符 9">
+            <a:extLst>
+              <a:ext uri="{FF2B5EF4-FFF2-40B4-BE49-F238E27FC236}">
+                <a16:creationId xmlns:a16="http://schemas.microsoft.com/office/drawing/2014/main" id="{D07AFC0B-7255-042D-691C-8B9EDA60E9D0}"/>
+              </a:ext>
+            </a:extLst>
+          </p:cNvPr>
+          <p:cNvCxnSpPr>
+            <a:cxnSpLocks/>
+            <a:stCxn id="5" idx="3"/>
+            <a:endCxn id="7" idx="2"/>
+          </p:cNvCxnSpPr>
+          <p:nvPr/>
+        </p:nvCxnSpPr>
+        <p:spPr>
+          <a:xfrm>
+            <a:off x="4377679" y="3665781"/>
+            <a:ext cx="1435541" cy="584576"/>
+          </a:xfrm>
+          <a:prstGeom prst="straightConnector1">
+            <a:avLst/>
+          </a:prstGeom>
+          <a:ln>
+            <a:solidFill>
+              <a:schemeClr val="tx1"/>
+            </a:solidFill>
+            <a:tailEnd type="triangle"/>
+          </a:ln>
+        </p:spPr>
+        <p:style>
+          <a:lnRef idx="1">
+            <a:schemeClr val="accent1"/>
+          </a:lnRef>
+          <a:fillRef idx="0">
+            <a:schemeClr val="accent1"/>
+          </a:fillRef>
+          <a:effectRef idx="0">
+            <a:schemeClr val="accent1"/>
+          </a:effectRef>
+          <a:fontRef idx="minor">
+            <a:schemeClr val="tx1"/>
+          </a:fontRef>
+        </p:style>
+      </p:cxnSp>
+      <p:cxnSp>
+        <p:nvCxnSpPr>
+          <p:cNvPr id="11" name="直接箭头连接符 10">
+            <a:extLst>
+              <a:ext uri="{FF2B5EF4-FFF2-40B4-BE49-F238E27FC236}">
+                <a16:creationId xmlns:a16="http://schemas.microsoft.com/office/drawing/2014/main" id="{3DF2291D-F968-9DFD-E695-D4BCE7F7DEAC}"/>
+              </a:ext>
+            </a:extLst>
+          </p:cNvPr>
+          <p:cNvCxnSpPr>
+            <a:cxnSpLocks/>
+            <a:stCxn id="6" idx="6"/>
+            <a:endCxn id="8" idx="0"/>
+          </p:cNvCxnSpPr>
+          <p:nvPr/>
+        </p:nvCxnSpPr>
+        <p:spPr>
+          <a:xfrm>
+            <a:off x="6816927" y="2596628"/>
+            <a:ext cx="1468508" cy="548364"/>
+          </a:xfrm>
+          <a:prstGeom prst="straightConnector1">
+            <a:avLst/>
+          </a:prstGeom>
+          <a:ln>
+            <a:solidFill>
+              <a:schemeClr val="tx1"/>
+            </a:solidFill>
+            <a:tailEnd type="triangle"/>
+          </a:ln>
+        </p:spPr>
+        <p:style>
+          <a:lnRef idx="1">
+            <a:schemeClr val="accent1"/>
+          </a:lnRef>
+          <a:fillRef idx="0">
+            <a:schemeClr val="accent1"/>
+          </a:fillRef>
+          <a:effectRef idx="0">
+            <a:schemeClr val="accent1"/>
+          </a:effectRef>
+          <a:fontRef idx="minor">
+            <a:schemeClr val="tx1"/>
+          </a:fontRef>
+        </p:style>
+      </p:cxnSp>
+      <p:cxnSp>
+        <p:nvCxnSpPr>
+          <p:cNvPr id="12" name="直接箭头连接符 11">
+            <a:extLst>
+              <a:ext uri="{FF2B5EF4-FFF2-40B4-BE49-F238E27FC236}">
+                <a16:creationId xmlns:a16="http://schemas.microsoft.com/office/drawing/2014/main" id="{1EBD2914-3FB2-5350-B7B3-ED18105B32A1}"/>
+              </a:ext>
+            </a:extLst>
+          </p:cNvPr>
+          <p:cNvCxnSpPr>
+            <a:cxnSpLocks/>
+            <a:stCxn id="7" idx="6"/>
+            <a:endCxn id="8" idx="4"/>
+          </p:cNvCxnSpPr>
+          <p:nvPr/>
+        </p:nvCxnSpPr>
+        <p:spPr>
+          <a:xfrm flipV="1">
+            <a:off x="6816929" y="3707622"/>
+            <a:ext cx="1468506" cy="542735"/>
+          </a:xfrm>
+          <a:prstGeom prst="straightConnector1">
+            <a:avLst/>
+          </a:prstGeom>
+          <a:ln>
+            <a:solidFill>
+              <a:schemeClr val="tx1"/>
+            </a:solidFill>
+            <a:tailEnd type="triangle"/>
+          </a:ln>
+        </p:spPr>
+        <p:style>
+          <a:lnRef idx="1">
+            <a:schemeClr val="accent1"/>
+          </a:lnRef>
+          <a:fillRef idx="0">
+            <a:schemeClr val="accent1"/>
+          </a:fillRef>
+          <a:effectRef idx="0">
+            <a:schemeClr val="accent1"/>
+          </a:effectRef>
+          <a:fontRef idx="minor">
+            <a:schemeClr val="tx1"/>
+          </a:fontRef>
+        </p:style>
+      </p:cxnSp>
+      <p:cxnSp>
+        <p:nvCxnSpPr>
+          <p:cNvPr id="13" name="直接箭头连接符 12">
+            <a:extLst>
+              <a:ext uri="{FF2B5EF4-FFF2-40B4-BE49-F238E27FC236}">
+                <a16:creationId xmlns:a16="http://schemas.microsoft.com/office/drawing/2014/main" id="{2394D2B3-231C-7515-031D-DAA5A262521B}"/>
+              </a:ext>
+            </a:extLst>
+          </p:cNvPr>
+          <p:cNvCxnSpPr>
+            <a:cxnSpLocks/>
+            <a:stCxn id="3" idx="1"/>
+            <a:endCxn id="16" idx="2"/>
+          </p:cNvCxnSpPr>
+          <p:nvPr/>
+        </p:nvCxnSpPr>
+        <p:spPr>
+          <a:xfrm flipH="1" flipV="1">
+            <a:off x="5156700" y="2890906"/>
+            <a:ext cx="791926" cy="356972"/>
+          </a:xfrm>
+          <a:prstGeom prst="straightConnector1">
+            <a:avLst/>
+          </a:prstGeom>
+          <a:ln>
+            <a:solidFill>
+              <a:schemeClr val="tx1"/>
+            </a:solidFill>
+            <a:tailEnd type="triangle"/>
+          </a:ln>
+        </p:spPr>
+        <p:style>
+          <a:lnRef idx="1">
+            <a:schemeClr val="accent1"/>
+          </a:lnRef>
+          <a:fillRef idx="0">
+            <a:schemeClr val="accent1"/>
+          </a:fillRef>
+          <a:effectRef idx="0">
+            <a:schemeClr val="accent1"/>
+          </a:effectRef>
+          <a:fontRef idx="minor">
+            <a:schemeClr val="tx1"/>
+          </a:fontRef>
+        </p:style>
+      </p:cxnSp>
+      <p:cxnSp>
+        <p:nvCxnSpPr>
+          <p:cNvPr id="14" name="直接箭头连接符 13">
+            <a:extLst>
+              <a:ext uri="{FF2B5EF4-FFF2-40B4-BE49-F238E27FC236}">
+                <a16:creationId xmlns:a16="http://schemas.microsoft.com/office/drawing/2014/main" id="{FE35A379-D37E-146F-3B4D-278AD4F41E4F}"/>
+              </a:ext>
+            </a:extLst>
+          </p:cNvPr>
+          <p:cNvCxnSpPr>
+            <a:cxnSpLocks/>
+            <a:stCxn id="3" idx="3"/>
+            <a:endCxn id="18" idx="0"/>
+          </p:cNvCxnSpPr>
+          <p:nvPr/>
+        </p:nvCxnSpPr>
+        <p:spPr>
+          <a:xfrm flipH="1">
+            <a:off x="5095450" y="3645718"/>
+            <a:ext cx="853176" cy="290478"/>
+          </a:xfrm>
+          <a:prstGeom prst="straightConnector1">
+            <a:avLst/>
+          </a:prstGeom>
+          <a:ln>
+            <a:solidFill>
+              <a:schemeClr val="tx1"/>
+            </a:solidFill>
+            <a:tailEnd type="triangle"/>
+          </a:ln>
+        </p:spPr>
+        <p:style>
+          <a:lnRef idx="1">
+            <a:schemeClr val="accent1"/>
+          </a:lnRef>
+          <a:fillRef idx="0">
+            <a:schemeClr val="accent1"/>
+          </a:fillRef>
+          <a:effectRef idx="0">
+            <a:schemeClr val="accent1"/>
+          </a:effectRef>
+          <a:fontRef idx="minor">
+            <a:schemeClr val="tx1"/>
+          </a:fontRef>
+        </p:style>
+      </p:cxnSp>
+      <p:sp>
+        <p:nvSpPr>
+          <p:cNvPr id="15" name="文本框 14">
+            <a:extLst>
+              <a:ext uri="{FF2B5EF4-FFF2-40B4-BE49-F238E27FC236}">
+                <a16:creationId xmlns:a16="http://schemas.microsoft.com/office/drawing/2014/main" id="{DED24FA9-9913-0771-98CF-918DA8100408}"/>
+              </a:ext>
+            </a:extLst>
+          </p:cNvPr>
+          <p:cNvSpPr txBox="1"/>
+          <p:nvPr/>
+        </p:nvSpPr>
+        <p:spPr>
+          <a:xfrm>
+            <a:off x="5525589" y="1221509"/>
+            <a:ext cx="1140822" cy="400110"/>
+          </a:xfrm>
+          <a:prstGeom prst="rect">
+            <a:avLst/>
+          </a:prstGeom>
+          <a:noFill/>
+        </p:spPr>
+        <p:txBody>
+          <a:bodyPr wrap="square" rtlCol="0">
+            <a:spAutoFit/>
+          </a:bodyPr>
+          <a:lstStyle/>
+          <a:p>
+            <a:pPr algn="ctr"/>
+            <a:r>
+              <a:rPr lang="en-US" sz="2000" dirty="0">
+                <a:latin typeface="Times New Roman" panose="02020603050405020304" pitchFamily="18" charset="0"/>
+                <a:cs typeface="Times New Roman" panose="02020603050405020304" pitchFamily="18" charset="0"/>
+              </a:rPr>
+              <a:t>Study 2</a:t>
+            </a:r>
+          </a:p>
+        </p:txBody>
+      </p:sp>
+      <p:sp>
+        <p:nvSpPr>
+          <p:cNvPr id="16" name="文本框 15">
+            <a:extLst>
+              <a:ext uri="{FF2B5EF4-FFF2-40B4-BE49-F238E27FC236}">
+                <a16:creationId xmlns:a16="http://schemas.microsoft.com/office/drawing/2014/main" id="{B8784322-038C-3446-57DD-634EF1E38D50}"/>
+              </a:ext>
+            </a:extLst>
+          </p:cNvPr>
+          <p:cNvSpPr txBox="1"/>
+          <p:nvPr/>
+        </p:nvSpPr>
+        <p:spPr>
+          <a:xfrm>
+            <a:off x="4814925" y="2490796"/>
+            <a:ext cx="683549" cy="400110"/>
+          </a:xfrm>
+          <a:prstGeom prst="rect">
+            <a:avLst/>
+          </a:prstGeom>
+          <a:noFill/>
+        </p:spPr>
+        <p:txBody>
+          <a:bodyPr wrap="square" rtlCol="0">
+            <a:spAutoFit/>
+          </a:bodyPr>
+          <a:lstStyle/>
+          <a:p>
+            <a:pPr algn="ctr"/>
+            <a:r>
+              <a:rPr lang="en-US" sz="2000" dirty="0">
+                <a:latin typeface="Times New Roman" panose="02020603050405020304" pitchFamily="18" charset="0"/>
+                <a:cs typeface="Times New Roman" panose="02020603050405020304" pitchFamily="18" charset="0"/>
+              </a:rPr>
+              <a:t>H1</a:t>
+            </a:r>
+          </a:p>
+        </p:txBody>
+      </p:sp>
+      <p:sp>
+        <p:nvSpPr>
+          <p:cNvPr id="17" name="文本框 16">
+            <a:extLst>
+              <a:ext uri="{FF2B5EF4-FFF2-40B4-BE49-F238E27FC236}">
+                <a16:creationId xmlns:a16="http://schemas.microsoft.com/office/drawing/2014/main" id="{6F16FCAA-B0C6-A2B3-D5AC-7D471E59219E}"/>
+              </a:ext>
+            </a:extLst>
+          </p:cNvPr>
+          <p:cNvSpPr txBox="1"/>
+          <p:nvPr/>
+        </p:nvSpPr>
+        <p:spPr>
+          <a:xfrm>
+            <a:off x="7100031" y="2482700"/>
+            <a:ext cx="683549" cy="400110"/>
+          </a:xfrm>
+          <a:prstGeom prst="rect">
+            <a:avLst/>
+          </a:prstGeom>
+          <a:noFill/>
+        </p:spPr>
+        <p:txBody>
+          <a:bodyPr wrap="square" rtlCol="0">
+            <a:spAutoFit/>
+          </a:bodyPr>
+          <a:lstStyle/>
+          <a:p>
+            <a:pPr algn="ctr"/>
+            <a:r>
+              <a:rPr lang="en-US" sz="2000" dirty="0">
+                <a:latin typeface="Times New Roman" panose="02020603050405020304" pitchFamily="18" charset="0"/>
+                <a:cs typeface="Times New Roman" panose="02020603050405020304" pitchFamily="18" charset="0"/>
+              </a:rPr>
+              <a:t>H2</a:t>
+            </a:r>
+          </a:p>
+        </p:txBody>
+      </p:sp>
+      <p:sp>
+        <p:nvSpPr>
+          <p:cNvPr id="18" name="文本框 17">
+            <a:extLst>
+              <a:ext uri="{FF2B5EF4-FFF2-40B4-BE49-F238E27FC236}">
+                <a16:creationId xmlns:a16="http://schemas.microsoft.com/office/drawing/2014/main" id="{CA2252EC-3067-F92B-00D6-3F9185EDE959}"/>
+              </a:ext>
+            </a:extLst>
+          </p:cNvPr>
+          <p:cNvSpPr txBox="1"/>
+          <p:nvPr/>
+        </p:nvSpPr>
+        <p:spPr>
+          <a:xfrm>
+            <a:off x="4753675" y="3936196"/>
+            <a:ext cx="683549" cy="400110"/>
+          </a:xfrm>
+          <a:prstGeom prst="rect">
+            <a:avLst/>
+          </a:prstGeom>
+          <a:noFill/>
+        </p:spPr>
+        <p:txBody>
+          <a:bodyPr wrap="square" rtlCol="0">
+            <a:spAutoFit/>
+          </a:bodyPr>
+          <a:lstStyle/>
+          <a:p>
+            <a:pPr algn="ctr"/>
+            <a:r>
+              <a:rPr lang="en-US" sz="2000" dirty="0">
+                <a:latin typeface="Times New Roman" panose="02020603050405020304" pitchFamily="18" charset="0"/>
+                <a:cs typeface="Times New Roman" panose="02020603050405020304" pitchFamily="18" charset="0"/>
+              </a:rPr>
+              <a:t>H3</a:t>
+            </a:r>
+          </a:p>
+        </p:txBody>
+      </p:sp>
+      <p:sp>
+        <p:nvSpPr>
+          <p:cNvPr id="19" name="文本框 18">
+            <a:extLst>
+              <a:ext uri="{FF2B5EF4-FFF2-40B4-BE49-F238E27FC236}">
+                <a16:creationId xmlns:a16="http://schemas.microsoft.com/office/drawing/2014/main" id="{FEE19F61-9D59-03F2-D703-6E03830A0DA4}"/>
+              </a:ext>
+            </a:extLst>
+          </p:cNvPr>
+          <p:cNvSpPr txBox="1"/>
+          <p:nvPr/>
+        </p:nvSpPr>
+        <p:spPr>
+          <a:xfrm>
+            <a:off x="7100031" y="3940467"/>
+            <a:ext cx="683549" cy="400110"/>
+          </a:xfrm>
+          <a:prstGeom prst="rect">
+            <a:avLst/>
+          </a:prstGeom>
+          <a:noFill/>
+        </p:spPr>
+        <p:txBody>
+          <a:bodyPr wrap="square" rtlCol="0">
+            <a:spAutoFit/>
+          </a:bodyPr>
+          <a:lstStyle/>
+          <a:p>
+            <a:pPr algn="ctr"/>
+            <a:r>
+              <a:rPr lang="en-US" sz="2000" dirty="0">
+                <a:latin typeface="Times New Roman" panose="02020603050405020304" pitchFamily="18" charset="0"/>
+                <a:cs typeface="Times New Roman" panose="02020603050405020304" pitchFamily="18" charset="0"/>
+              </a:rPr>
+              <a:t>H4</a:t>
+            </a:r>
+          </a:p>
+        </p:txBody>
+      </p:sp>
+      <p:sp>
+        <p:nvSpPr>
+          <p:cNvPr id="20" name="文本框 19">
+            <a:extLst>
+              <a:ext uri="{FF2B5EF4-FFF2-40B4-BE49-F238E27FC236}">
+                <a16:creationId xmlns:a16="http://schemas.microsoft.com/office/drawing/2014/main" id="{C4001B15-5C8A-FC5E-27E9-0CDB5753647B}"/>
+              </a:ext>
+            </a:extLst>
+          </p:cNvPr>
+          <p:cNvSpPr txBox="1"/>
+          <p:nvPr/>
+        </p:nvSpPr>
+        <p:spPr>
+          <a:xfrm>
+            <a:off x="4646456" y="2963116"/>
+            <a:ext cx="765669" cy="400110"/>
+          </a:xfrm>
+          <a:prstGeom prst="rect">
+            <a:avLst/>
+          </a:prstGeom>
+          <a:noFill/>
+        </p:spPr>
+        <p:txBody>
+          <a:bodyPr wrap="square" rtlCol="0">
+            <a:spAutoFit/>
+          </a:bodyPr>
+          <a:lstStyle/>
+          <a:p>
+            <a:pPr algn="ctr"/>
+            <a:r>
+              <a:rPr lang="en-US" sz="2000" dirty="0">
+                <a:latin typeface="Times New Roman" panose="02020603050405020304" pitchFamily="18" charset="0"/>
+                <a:cs typeface="Times New Roman" panose="02020603050405020304" pitchFamily="18" charset="0"/>
+              </a:rPr>
+              <a:t>H5a</a:t>
+            </a:r>
+          </a:p>
+        </p:txBody>
+      </p:sp>
+      <p:sp>
+        <p:nvSpPr>
+          <p:cNvPr id="21" name="文本框 20">
+            <a:extLst>
+              <a:ext uri="{FF2B5EF4-FFF2-40B4-BE49-F238E27FC236}">
+                <a16:creationId xmlns:a16="http://schemas.microsoft.com/office/drawing/2014/main" id="{215E1470-EFCA-27AC-E4D1-4E10879B154A}"/>
+              </a:ext>
+            </a:extLst>
+          </p:cNvPr>
+          <p:cNvSpPr txBox="1"/>
+          <p:nvPr/>
+        </p:nvSpPr>
+        <p:spPr>
+          <a:xfrm>
+            <a:off x="4646456" y="3483798"/>
+            <a:ext cx="765669" cy="400110"/>
+          </a:xfrm>
+          <a:prstGeom prst="rect">
+            <a:avLst/>
+          </a:prstGeom>
+          <a:noFill/>
+        </p:spPr>
+        <p:txBody>
+          <a:bodyPr wrap="square" rtlCol="0">
+            <a:spAutoFit/>
+          </a:bodyPr>
+          <a:lstStyle/>
+          <a:p>
+            <a:pPr algn="ctr"/>
+            <a:r>
+              <a:rPr lang="en-US" sz="2000" dirty="0">
+                <a:latin typeface="Times New Roman" panose="02020603050405020304" pitchFamily="18" charset="0"/>
+                <a:cs typeface="Times New Roman" panose="02020603050405020304" pitchFamily="18" charset="0"/>
+              </a:rPr>
+              <a:t>H5b</a:t>
+            </a:r>
+          </a:p>
+        </p:txBody>
+      </p:sp>
+      <p:sp>
+        <p:nvSpPr>
+          <p:cNvPr id="33" name="矩形: 圆角 32">
+            <a:extLst>
+              <a:ext uri="{FF2B5EF4-FFF2-40B4-BE49-F238E27FC236}">
+                <a16:creationId xmlns:a16="http://schemas.microsoft.com/office/drawing/2014/main" id="{D413A31A-B7D7-B5F2-4E22-99DBCB511FA8}"/>
+              </a:ext>
+            </a:extLst>
+          </p:cNvPr>
+          <p:cNvSpPr/>
+          <p:nvPr/>
+        </p:nvSpPr>
+        <p:spPr>
+          <a:xfrm>
+            <a:off x="3005137" y="1928121"/>
+            <a:ext cx="6181725" cy="2828793"/>
+          </a:xfrm>
+          <a:prstGeom prst="roundRect">
+            <a:avLst/>
+          </a:prstGeom>
+          <a:noFill/>
+          <a:ln>
+            <a:solidFill>
+              <a:schemeClr val="tx1"/>
+            </a:solidFill>
+            <a:prstDash val="lgDashDotDot"/>
+          </a:ln>
+        </p:spPr>
+        <p:style>
+          <a:lnRef idx="2">
+            <a:schemeClr val="accent1">
+              <a:shade val="15000"/>
+            </a:schemeClr>
+          </a:lnRef>
+          <a:fillRef idx="1">
+            <a:schemeClr val="accent1"/>
+          </a:fillRef>
+          <a:effectRef idx="0">
+            <a:schemeClr val="accent1"/>
+          </a:effectRef>
+          <a:fontRef idx="minor">
+            <a:schemeClr val="lt1"/>
+          </a:fontRef>
+        </p:style>
+        <p:txBody>
+          <a:bodyPr rtlCol="0" anchor="ctr"/>
+          <a:lstStyle/>
+          <a:p>
+            <a:pPr algn="ctr"/>
+            <a:endParaRPr lang="en-US"/>
+          </a:p>
+        </p:txBody>
+      </p:sp>
+    </p:spTree>
+    <p:extLst>
+      <p:ext uri="{BB962C8B-B14F-4D97-AF65-F5344CB8AC3E}">
+        <p14:creationId xmlns:p14="http://schemas.microsoft.com/office/powerpoint/2010/main" val="2336468985"/>
+      </p:ext>
+    </p:extLst>
+  </p:cSld>
+  <p:clrMapOvr>
+    <a:masterClrMapping/>
+  </p:clrMapOvr>
+</p:sld>
+</file>
+
+<file path=ppt/slides/slide4.xml><?xml version="1.0" encoding="utf-8"?>
+<p:sld xmlns:a="http://schemas.openxmlformats.org/drawingml/2006/main" xmlns:r="http://schemas.openxmlformats.org/officeDocument/2006/relationships" xmlns:p="http://schemas.openxmlformats.org/presentationml/2006/main">
+  <p:cSld>
+    <p:spTree>
+      <p:nvGrpSpPr>
+        <p:cNvPr id="1" name="">
+          <a:extLst>
+            <a:ext uri="{FF2B5EF4-FFF2-40B4-BE49-F238E27FC236}">
+              <a16:creationId xmlns:a16="http://schemas.microsoft.com/office/drawing/2014/main" id="{51286D5C-333C-1375-1508-C0ED6064CEB7}"/>
+            </a:ext>
+          </a:extLst>
+        </p:cNvPr>
+        <p:cNvGrpSpPr/>
+        <p:nvPr/>
+      </p:nvGrpSpPr>
+      <p:grpSpPr>
+        <a:xfrm>
+          <a:off x="0" y="0"/>
+          <a:ext cx="0" cy="0"/>
+          <a:chOff x="0" y="0"/>
+          <a:chExt cx="0" cy="0"/>
+        </a:xfrm>
+      </p:grpSpPr>
+      <p:sp>
+        <p:nvSpPr>
+          <p:cNvPr id="19" name="文本框 18">
+            <a:extLst>
+              <a:ext uri="{FF2B5EF4-FFF2-40B4-BE49-F238E27FC236}">
+                <a16:creationId xmlns:a16="http://schemas.microsoft.com/office/drawing/2014/main" id="{BD38E0D7-3181-E82B-8FCC-577EA6D4BD66}"/>
+              </a:ext>
+            </a:extLst>
+          </p:cNvPr>
+          <p:cNvSpPr txBox="1"/>
+          <p:nvPr/>
+        </p:nvSpPr>
+        <p:spPr>
+          <a:xfrm>
+            <a:off x="5727493" y="2178818"/>
+            <a:ext cx="1003709" cy="562630"/>
+          </a:xfrm>
+          <a:prstGeom prst="ellipse">
+            <a:avLst/>
+          </a:prstGeom>
+          <a:noFill/>
+          <a:ln w="19050">
+            <a:solidFill>
+              <a:schemeClr val="tx1"/>
+            </a:solidFill>
+          </a:ln>
+        </p:spPr>
+        <p:txBody>
+          <a:bodyPr wrap="square" rtlCol="0">
+            <a:spAutoFit/>
+          </a:bodyPr>
+          <a:lstStyle/>
+          <a:p>
+            <a:pPr algn="ctr"/>
+            <a:r>
+              <a:rPr lang="en-US" sz="2000" dirty="0">
+                <a:latin typeface="Times New Roman" panose="02020603050405020304" pitchFamily="18" charset="0"/>
+                <a:cs typeface="Times New Roman" panose="02020603050405020304" pitchFamily="18" charset="0"/>
+              </a:rPr>
+              <a:t>RD</a:t>
+            </a:r>
+          </a:p>
+        </p:txBody>
+      </p:sp>
+      <p:sp>
+        <p:nvSpPr>
+          <p:cNvPr id="20" name="文本框 19">
+            <a:extLst>
+              <a:ext uri="{FF2B5EF4-FFF2-40B4-BE49-F238E27FC236}">
+                <a16:creationId xmlns:a16="http://schemas.microsoft.com/office/drawing/2014/main" id="{88D827D0-1074-0DB1-EE88-E0AAAF82F4C5}"/>
+              </a:ext>
+            </a:extLst>
+          </p:cNvPr>
+          <p:cNvSpPr txBox="1"/>
+          <p:nvPr/>
+        </p:nvSpPr>
+        <p:spPr>
+          <a:xfrm>
+            <a:off x="5727495" y="4062085"/>
+            <a:ext cx="1003709" cy="562630"/>
+          </a:xfrm>
+          <a:prstGeom prst="ellipse">
+            <a:avLst/>
+          </a:prstGeom>
+          <a:noFill/>
+          <a:ln w="19050">
+            <a:solidFill>
+              <a:schemeClr val="tx1"/>
+            </a:solidFill>
+          </a:ln>
+        </p:spPr>
+        <p:txBody>
+          <a:bodyPr wrap="square" rtlCol="0">
+            <a:spAutoFit/>
+          </a:bodyPr>
+          <a:lstStyle/>
+          <a:p>
+            <a:pPr algn="ctr"/>
+            <a:r>
+              <a:rPr lang="en-US" sz="2000" dirty="0">
+                <a:latin typeface="Times New Roman" panose="02020603050405020304" pitchFamily="18" charset="0"/>
+                <a:cs typeface="Times New Roman" panose="02020603050405020304" pitchFamily="18" charset="0"/>
+              </a:rPr>
+              <a:t>POS</a:t>
+            </a:r>
+          </a:p>
+        </p:txBody>
+      </p:sp>
+      <p:sp>
+        <p:nvSpPr>
+          <p:cNvPr id="21" name="文本框 20">
+            <a:extLst>
+              <a:ext uri="{FF2B5EF4-FFF2-40B4-BE49-F238E27FC236}">
+                <a16:creationId xmlns:a16="http://schemas.microsoft.com/office/drawing/2014/main" id="{8ECE25A5-EE15-7D7A-2772-A47755A7E267}"/>
+              </a:ext>
+            </a:extLst>
+          </p:cNvPr>
+          <p:cNvSpPr txBox="1"/>
+          <p:nvPr/>
+        </p:nvSpPr>
+        <p:spPr>
+          <a:xfrm>
+            <a:off x="8043147" y="3164898"/>
+            <a:ext cx="1003709" cy="562630"/>
+          </a:xfrm>
+          <a:prstGeom prst="ellipse">
+            <a:avLst/>
+          </a:prstGeom>
+          <a:noFill/>
+          <a:ln w="19050">
+            <a:solidFill>
+              <a:schemeClr val="tx1"/>
+            </a:solidFill>
+          </a:ln>
+        </p:spPr>
+        <p:txBody>
+          <a:bodyPr wrap="square" rtlCol="0">
+            <a:spAutoFit/>
+          </a:bodyPr>
+          <a:lstStyle/>
+          <a:p>
+            <a:pPr algn="ctr"/>
+            <a:r>
+              <a:rPr lang="en-US" sz="2000" dirty="0">
+                <a:latin typeface="Times New Roman" panose="02020603050405020304" pitchFamily="18" charset="0"/>
+                <a:cs typeface="Times New Roman" panose="02020603050405020304" pitchFamily="18" charset="0"/>
+              </a:rPr>
+              <a:t>LS</a:t>
+            </a:r>
+          </a:p>
+        </p:txBody>
+      </p:sp>
+      <p:sp>
+        <p:nvSpPr>
+          <p:cNvPr id="22" name="文本框 21">
+            <a:extLst>
+              <a:ext uri="{FF2B5EF4-FFF2-40B4-BE49-F238E27FC236}">
+                <a16:creationId xmlns:a16="http://schemas.microsoft.com/office/drawing/2014/main" id="{95005F2E-ACB1-7340-51AB-2727FAC5C723}"/>
+              </a:ext>
+            </a:extLst>
+          </p:cNvPr>
+          <p:cNvSpPr txBox="1"/>
+          <p:nvPr/>
+        </p:nvSpPr>
+        <p:spPr>
+          <a:xfrm>
+            <a:off x="3164628" y="2213400"/>
+            <a:ext cx="1003709" cy="562630"/>
+          </a:xfrm>
+          <a:prstGeom prst="ellipse">
+            <a:avLst/>
+          </a:prstGeom>
+          <a:noFill/>
+          <a:ln w="19050">
+            <a:solidFill>
+              <a:schemeClr val="tx1"/>
+            </a:solidFill>
+          </a:ln>
+        </p:spPr>
+        <p:txBody>
+          <a:bodyPr wrap="square" rtlCol="0">
+            <a:spAutoFit/>
+          </a:bodyPr>
+          <a:lstStyle/>
+          <a:p>
+            <a:pPr algn="ctr"/>
+            <a:r>
+              <a:rPr lang="en-US" sz="2000" dirty="0">
+                <a:latin typeface="Times New Roman" panose="02020603050405020304" pitchFamily="18" charset="0"/>
+                <a:cs typeface="Times New Roman" panose="02020603050405020304" pitchFamily="18" charset="0"/>
+              </a:rPr>
+              <a:t>UI</a:t>
+            </a:r>
+          </a:p>
+        </p:txBody>
+      </p:sp>
+      <p:sp>
+        <p:nvSpPr>
+          <p:cNvPr id="23" name="文本框 22">
+            <a:extLst>
+              <a:ext uri="{FF2B5EF4-FFF2-40B4-BE49-F238E27FC236}">
+                <a16:creationId xmlns:a16="http://schemas.microsoft.com/office/drawing/2014/main" id="{0499F324-9032-ADA2-7DA2-3BD71F5240C3}"/>
+              </a:ext>
+            </a:extLst>
+          </p:cNvPr>
+          <p:cNvSpPr txBox="1"/>
+          <p:nvPr/>
+        </p:nvSpPr>
+        <p:spPr>
+          <a:xfrm>
+            <a:off x="3164629" y="2844630"/>
+            <a:ext cx="1003709" cy="562630"/>
+          </a:xfrm>
+          <a:prstGeom prst="ellipse">
+            <a:avLst/>
+          </a:prstGeom>
+          <a:noFill/>
+          <a:ln w="19050">
+            <a:solidFill>
+              <a:schemeClr val="tx1"/>
+            </a:solidFill>
+          </a:ln>
+        </p:spPr>
+        <p:txBody>
+          <a:bodyPr wrap="square" rtlCol="0">
+            <a:spAutoFit/>
+          </a:bodyPr>
+          <a:lstStyle/>
+          <a:p>
+            <a:pPr algn="ctr"/>
+            <a:r>
+              <a:rPr lang="en-US" sz="2000" dirty="0">
+                <a:latin typeface="Times New Roman" panose="02020603050405020304" pitchFamily="18" charset="0"/>
+                <a:cs typeface="Times New Roman" panose="02020603050405020304" pitchFamily="18" charset="0"/>
+              </a:rPr>
+              <a:t>UC</a:t>
+            </a:r>
+          </a:p>
+        </p:txBody>
+      </p:sp>
+      <p:sp>
+        <p:nvSpPr>
+          <p:cNvPr id="24" name="文本框 23">
+            <a:extLst>
+              <a:ext uri="{FF2B5EF4-FFF2-40B4-BE49-F238E27FC236}">
+                <a16:creationId xmlns:a16="http://schemas.microsoft.com/office/drawing/2014/main" id="{9655D2D3-DAE3-52B1-7715-E73B8680544F}"/>
+              </a:ext>
+            </a:extLst>
+          </p:cNvPr>
+          <p:cNvSpPr txBox="1"/>
+          <p:nvPr/>
+        </p:nvSpPr>
+        <p:spPr>
+          <a:xfrm>
+            <a:off x="3164623" y="4054834"/>
+            <a:ext cx="1003709" cy="562630"/>
+          </a:xfrm>
+          <a:prstGeom prst="ellipse">
+            <a:avLst/>
+          </a:prstGeom>
+          <a:noFill/>
+          <a:ln w="19050">
+            <a:solidFill>
+              <a:schemeClr val="tx1"/>
+            </a:solidFill>
+          </a:ln>
+        </p:spPr>
+        <p:txBody>
+          <a:bodyPr wrap="square" rtlCol="0">
+            <a:spAutoFit/>
+          </a:bodyPr>
+          <a:lstStyle/>
+          <a:p>
+            <a:pPr algn="ctr"/>
+            <a:r>
+              <a:rPr lang="en-US" sz="2000" dirty="0">
+                <a:latin typeface="Times New Roman" panose="02020603050405020304" pitchFamily="18" charset="0"/>
+                <a:cs typeface="Times New Roman" panose="02020603050405020304" pitchFamily="18" charset="0"/>
+              </a:rPr>
+              <a:t>DI</a:t>
+            </a:r>
+          </a:p>
+        </p:txBody>
+      </p:sp>
+      <p:sp>
+        <p:nvSpPr>
+          <p:cNvPr id="25" name="文本框 24">
+            <a:extLst>
+              <a:ext uri="{FF2B5EF4-FFF2-40B4-BE49-F238E27FC236}">
+                <a16:creationId xmlns:a16="http://schemas.microsoft.com/office/drawing/2014/main" id="{CCC22BAF-C5AB-031B-9CA6-F3559945F93F}"/>
+              </a:ext>
+            </a:extLst>
+          </p:cNvPr>
+          <p:cNvSpPr txBox="1"/>
+          <p:nvPr/>
+        </p:nvSpPr>
+        <p:spPr>
+          <a:xfrm>
+            <a:off x="3164624" y="3446213"/>
+            <a:ext cx="1003709" cy="562630"/>
+          </a:xfrm>
+          <a:prstGeom prst="ellipse">
+            <a:avLst/>
+          </a:prstGeom>
+          <a:noFill/>
+          <a:ln w="19050">
+            <a:solidFill>
+              <a:schemeClr val="tx1"/>
+            </a:solidFill>
+          </a:ln>
+        </p:spPr>
+        <p:txBody>
+          <a:bodyPr wrap="square" rtlCol="0">
+            <a:spAutoFit/>
+          </a:bodyPr>
+          <a:lstStyle/>
+          <a:p>
+            <a:pPr algn="ctr"/>
+            <a:r>
+              <a:rPr lang="en-US" sz="2000" dirty="0">
+                <a:latin typeface="Times New Roman" panose="02020603050405020304" pitchFamily="18" charset="0"/>
+                <a:cs typeface="Times New Roman" panose="02020603050405020304" pitchFamily="18" charset="0"/>
+              </a:rPr>
+              <a:t>DC</a:t>
+            </a:r>
+          </a:p>
+        </p:txBody>
+      </p:sp>
+      <p:cxnSp>
+        <p:nvCxnSpPr>
+          <p:cNvPr id="26" name="直接箭头连接符 25">
+            <a:extLst>
+              <a:ext uri="{FF2B5EF4-FFF2-40B4-BE49-F238E27FC236}">
+                <a16:creationId xmlns:a16="http://schemas.microsoft.com/office/drawing/2014/main" id="{AD308A1A-2C75-4ADA-F3A7-96B197C9809A}"/>
+              </a:ext>
+            </a:extLst>
+          </p:cNvPr>
+          <p:cNvCxnSpPr>
+            <a:cxnSpLocks/>
+            <a:stCxn id="19" idx="6"/>
+            <a:endCxn id="21" idx="0"/>
+          </p:cNvCxnSpPr>
+          <p:nvPr/>
+        </p:nvCxnSpPr>
+        <p:spPr>
+          <a:xfrm>
+            <a:off x="6731202" y="2460133"/>
+            <a:ext cx="1813800" cy="704765"/>
+          </a:xfrm>
+          <a:prstGeom prst="straightConnector1">
+            <a:avLst/>
+          </a:prstGeom>
+          <a:ln>
+            <a:solidFill>
+              <a:schemeClr val="tx1"/>
+            </a:solidFill>
+            <a:tailEnd type="triangle"/>
+          </a:ln>
+        </p:spPr>
+        <p:style>
+          <a:lnRef idx="1">
+            <a:schemeClr val="accent1"/>
+          </a:lnRef>
+          <a:fillRef idx="0">
+            <a:schemeClr val="accent1"/>
+          </a:fillRef>
+          <a:effectRef idx="0">
+            <a:schemeClr val="accent1"/>
+          </a:effectRef>
+          <a:fontRef idx="minor">
+            <a:schemeClr val="tx1"/>
+          </a:fontRef>
+        </p:style>
+      </p:cxnSp>
+      <p:cxnSp>
+        <p:nvCxnSpPr>
+          <p:cNvPr id="27" name="直接箭头连接符 26">
+            <a:extLst>
+              <a:ext uri="{FF2B5EF4-FFF2-40B4-BE49-F238E27FC236}">
+                <a16:creationId xmlns:a16="http://schemas.microsoft.com/office/drawing/2014/main" id="{58B882CF-5C09-F99F-F178-21D09FF8FF12}"/>
+              </a:ext>
+            </a:extLst>
+          </p:cNvPr>
+          <p:cNvCxnSpPr>
+            <a:cxnSpLocks/>
+            <a:stCxn id="20" idx="6"/>
+            <a:endCxn id="21" idx="4"/>
+          </p:cNvCxnSpPr>
+          <p:nvPr/>
+        </p:nvCxnSpPr>
+        <p:spPr>
+          <a:xfrm flipV="1">
+            <a:off x="6731204" y="3727528"/>
+            <a:ext cx="1813798" cy="615872"/>
+          </a:xfrm>
+          <a:prstGeom prst="straightConnector1">
+            <a:avLst/>
+          </a:prstGeom>
+          <a:ln>
+            <a:solidFill>
+              <a:schemeClr val="tx1"/>
+            </a:solidFill>
+            <a:tailEnd type="triangle"/>
+          </a:ln>
+        </p:spPr>
+        <p:style>
+          <a:lnRef idx="1">
+            <a:schemeClr val="accent1"/>
+          </a:lnRef>
+          <a:fillRef idx="0">
+            <a:schemeClr val="accent1"/>
+          </a:fillRef>
+          <a:effectRef idx="0">
+            <a:schemeClr val="accent1"/>
+          </a:effectRef>
+          <a:fontRef idx="minor">
+            <a:schemeClr val="tx1"/>
+          </a:fontRef>
+        </p:style>
+      </p:cxnSp>
+      <p:cxnSp>
+        <p:nvCxnSpPr>
+          <p:cNvPr id="28" name="直接箭头连接符 27">
+            <a:extLst>
+              <a:ext uri="{FF2B5EF4-FFF2-40B4-BE49-F238E27FC236}">
+                <a16:creationId xmlns:a16="http://schemas.microsoft.com/office/drawing/2014/main" id="{3002260A-93D9-A7D2-4415-284E7AB13E85}"/>
+              </a:ext>
+            </a:extLst>
+          </p:cNvPr>
+          <p:cNvCxnSpPr>
+            <a:cxnSpLocks/>
+            <a:stCxn id="23" idx="6"/>
+            <a:endCxn id="19" idx="2"/>
+          </p:cNvCxnSpPr>
+          <p:nvPr/>
+        </p:nvCxnSpPr>
+        <p:spPr>
+          <a:xfrm flipV="1">
+            <a:off x="4168338" y="2460133"/>
+            <a:ext cx="1559155" cy="665812"/>
+          </a:xfrm>
+          <a:prstGeom prst="straightConnector1">
+            <a:avLst/>
+          </a:prstGeom>
+          <a:ln>
+            <a:solidFill>
+              <a:schemeClr val="tx1"/>
+            </a:solidFill>
+            <a:tailEnd type="triangle"/>
+          </a:ln>
+        </p:spPr>
+        <p:style>
+          <a:lnRef idx="1">
+            <a:schemeClr val="accent1"/>
+          </a:lnRef>
+          <a:fillRef idx="0">
+            <a:schemeClr val="accent1"/>
+          </a:fillRef>
+          <a:effectRef idx="0">
+            <a:schemeClr val="accent1"/>
+          </a:effectRef>
+          <a:fontRef idx="minor">
+            <a:schemeClr val="tx1"/>
+          </a:fontRef>
+        </p:style>
+      </p:cxnSp>
+      <p:cxnSp>
+        <p:nvCxnSpPr>
+          <p:cNvPr id="29" name="直接箭头连接符 28">
+            <a:extLst>
+              <a:ext uri="{FF2B5EF4-FFF2-40B4-BE49-F238E27FC236}">
+                <a16:creationId xmlns:a16="http://schemas.microsoft.com/office/drawing/2014/main" id="{6D109601-0AC8-8A6F-4FD0-66E922F5FC9C}"/>
+              </a:ext>
+            </a:extLst>
+          </p:cNvPr>
+          <p:cNvCxnSpPr>
+            <a:cxnSpLocks/>
+            <a:stCxn id="25" idx="6"/>
+            <a:endCxn id="20" idx="2"/>
+          </p:cNvCxnSpPr>
+          <p:nvPr/>
+        </p:nvCxnSpPr>
+        <p:spPr>
+          <a:xfrm>
+            <a:off x="4168333" y="3727528"/>
+            <a:ext cx="1559162" cy="615872"/>
+          </a:xfrm>
+          <a:prstGeom prst="straightConnector1">
+            <a:avLst/>
+          </a:prstGeom>
+          <a:ln>
+            <a:solidFill>
+              <a:schemeClr val="tx1"/>
+            </a:solidFill>
+            <a:tailEnd type="triangle"/>
+          </a:ln>
+        </p:spPr>
+        <p:style>
+          <a:lnRef idx="1">
+            <a:schemeClr val="accent1"/>
+          </a:lnRef>
+          <a:fillRef idx="0">
+            <a:schemeClr val="accent1"/>
+          </a:fillRef>
+          <a:effectRef idx="0">
+            <a:schemeClr val="accent1"/>
+          </a:effectRef>
+          <a:fontRef idx="minor">
+            <a:schemeClr val="tx1"/>
+          </a:fontRef>
+        </p:style>
+      </p:cxnSp>
+      <p:cxnSp>
+        <p:nvCxnSpPr>
+          <p:cNvPr id="30" name="直接箭头连接符 29">
+            <a:extLst>
+              <a:ext uri="{FF2B5EF4-FFF2-40B4-BE49-F238E27FC236}">
+                <a16:creationId xmlns:a16="http://schemas.microsoft.com/office/drawing/2014/main" id="{2F446EBE-0C12-437D-E0CE-0ACB7F99DE78}"/>
+              </a:ext>
+            </a:extLst>
+          </p:cNvPr>
+          <p:cNvCxnSpPr>
+            <a:cxnSpLocks/>
+            <a:stCxn id="22" idx="6"/>
+            <a:endCxn id="19" idx="2"/>
+          </p:cNvCxnSpPr>
+          <p:nvPr/>
+        </p:nvCxnSpPr>
+        <p:spPr>
+          <a:xfrm flipV="1">
+            <a:off x="4168337" y="2460133"/>
+            <a:ext cx="1559156" cy="34582"/>
+          </a:xfrm>
+          <a:prstGeom prst="straightConnector1">
+            <a:avLst/>
+          </a:prstGeom>
+          <a:ln>
+            <a:solidFill>
+              <a:schemeClr val="tx1"/>
+            </a:solidFill>
+            <a:prstDash val="dashDot"/>
+            <a:tailEnd type="triangle"/>
+          </a:ln>
+        </p:spPr>
+        <p:style>
+          <a:lnRef idx="1">
+            <a:schemeClr val="accent1"/>
+          </a:lnRef>
+          <a:fillRef idx="0">
+            <a:schemeClr val="accent1"/>
+          </a:fillRef>
+          <a:effectRef idx="0">
+            <a:schemeClr val="accent1"/>
+          </a:effectRef>
+          <a:fontRef idx="minor">
+            <a:schemeClr val="tx1"/>
+          </a:fontRef>
+        </p:style>
+      </p:cxnSp>
+      <p:cxnSp>
+        <p:nvCxnSpPr>
+          <p:cNvPr id="31" name="直接箭头连接符 30">
+            <a:extLst>
+              <a:ext uri="{FF2B5EF4-FFF2-40B4-BE49-F238E27FC236}">
+                <a16:creationId xmlns:a16="http://schemas.microsoft.com/office/drawing/2014/main" id="{5B06728E-A5A5-C529-6917-6295578B8BDD}"/>
+              </a:ext>
+            </a:extLst>
+          </p:cNvPr>
+          <p:cNvCxnSpPr>
+            <a:cxnSpLocks/>
+            <a:stCxn id="24" idx="6"/>
+            <a:endCxn id="20" idx="2"/>
+          </p:cNvCxnSpPr>
+          <p:nvPr/>
+        </p:nvCxnSpPr>
+        <p:spPr>
+          <a:xfrm>
+            <a:off x="4168332" y="4336149"/>
+            <a:ext cx="1559163" cy="7251"/>
+          </a:xfrm>
+          <a:prstGeom prst="straightConnector1">
+            <a:avLst/>
+          </a:prstGeom>
+          <a:ln>
+            <a:solidFill>
+              <a:schemeClr val="tx1"/>
+            </a:solidFill>
+            <a:prstDash val="dashDot"/>
+            <a:tailEnd type="triangle"/>
+          </a:ln>
+        </p:spPr>
+        <p:style>
+          <a:lnRef idx="1">
+            <a:schemeClr val="accent1"/>
+          </a:lnRef>
+          <a:fillRef idx="0">
+            <a:schemeClr val="accent1"/>
+          </a:fillRef>
+          <a:effectRef idx="0">
+            <a:schemeClr val="accent1"/>
+          </a:effectRef>
+          <a:fontRef idx="minor">
+            <a:schemeClr val="tx1"/>
+          </a:fontRef>
+        </p:style>
+      </p:cxnSp>
+      <p:sp>
+        <p:nvSpPr>
+          <p:cNvPr id="32" name="文本框 31">
+            <a:extLst>
+              <a:ext uri="{FF2B5EF4-FFF2-40B4-BE49-F238E27FC236}">
+                <a16:creationId xmlns:a16="http://schemas.microsoft.com/office/drawing/2014/main" id="{84E049D7-BD97-4E0B-F78E-64E3A6F45577}"/>
+              </a:ext>
+            </a:extLst>
+          </p:cNvPr>
+          <p:cNvSpPr txBox="1"/>
+          <p:nvPr/>
+        </p:nvSpPr>
+        <p:spPr>
+          <a:xfrm>
+            <a:off x="5525589" y="1292195"/>
+            <a:ext cx="1140822" cy="400110"/>
+          </a:xfrm>
+          <a:prstGeom prst="rect">
+            <a:avLst/>
+          </a:prstGeom>
+          <a:noFill/>
+        </p:spPr>
+        <p:txBody>
+          <a:bodyPr wrap="square" rtlCol="0">
+            <a:spAutoFit/>
+          </a:bodyPr>
+          <a:lstStyle/>
+          <a:p>
+            <a:pPr algn="ctr"/>
+            <a:r>
+              <a:rPr lang="en-US" sz="2000" dirty="0">
+                <a:latin typeface="Times New Roman" panose="02020603050405020304" pitchFamily="18" charset="0"/>
+                <a:cs typeface="Times New Roman" panose="02020603050405020304" pitchFamily="18" charset="0"/>
+              </a:rPr>
+              <a:t>Study 3</a:t>
+            </a:r>
+          </a:p>
+        </p:txBody>
+      </p:sp>
+      <p:sp>
+        <p:nvSpPr>
+          <p:cNvPr id="33" name="文本框 32">
+            <a:extLst>
+              <a:ext uri="{FF2B5EF4-FFF2-40B4-BE49-F238E27FC236}">
+                <a16:creationId xmlns:a16="http://schemas.microsoft.com/office/drawing/2014/main" id="{0DB16C57-7E56-6581-B614-F8628C1CA323}"/>
+              </a:ext>
+            </a:extLst>
+          </p:cNvPr>
+          <p:cNvSpPr txBox="1"/>
+          <p:nvPr/>
+        </p:nvSpPr>
+        <p:spPr>
+          <a:xfrm>
+            <a:off x="4684099" y="2768779"/>
+            <a:ext cx="765669" cy="400110"/>
+          </a:xfrm>
+          <a:prstGeom prst="rect">
+            <a:avLst/>
+          </a:prstGeom>
+          <a:noFill/>
+        </p:spPr>
+        <p:txBody>
+          <a:bodyPr wrap="square" rtlCol="0">
+            <a:spAutoFit/>
+          </a:bodyPr>
+          <a:lstStyle/>
+          <a:p>
+            <a:pPr algn="ctr"/>
+            <a:r>
+              <a:rPr lang="en-US" sz="2000" dirty="0">
+                <a:latin typeface="Times New Roman" panose="02020603050405020304" pitchFamily="18" charset="0"/>
+                <a:cs typeface="Times New Roman" panose="02020603050405020304" pitchFamily="18" charset="0"/>
+              </a:rPr>
+              <a:t>H6a</a:t>
+            </a:r>
+          </a:p>
+        </p:txBody>
+      </p:sp>
+      <p:sp>
+        <p:nvSpPr>
+          <p:cNvPr id="34" name="文本框 33">
+            <a:extLst>
+              <a:ext uri="{FF2B5EF4-FFF2-40B4-BE49-F238E27FC236}">
+                <a16:creationId xmlns:a16="http://schemas.microsoft.com/office/drawing/2014/main" id="{2BC868A1-92B1-C3F6-7C7A-0E74780716EF}"/>
+              </a:ext>
+            </a:extLst>
+          </p:cNvPr>
+          <p:cNvSpPr txBox="1"/>
+          <p:nvPr/>
+        </p:nvSpPr>
+        <p:spPr>
+          <a:xfrm>
+            <a:off x="4684099" y="3684584"/>
+            <a:ext cx="765669" cy="400110"/>
+          </a:xfrm>
+          <a:prstGeom prst="rect">
+            <a:avLst/>
+          </a:prstGeom>
+          <a:noFill/>
+        </p:spPr>
+        <p:txBody>
+          <a:bodyPr wrap="square" rtlCol="0">
+            <a:spAutoFit/>
+          </a:bodyPr>
+          <a:lstStyle/>
+          <a:p>
+            <a:pPr algn="ctr"/>
+            <a:r>
+              <a:rPr lang="en-US" sz="2000" dirty="0">
+                <a:latin typeface="Times New Roman" panose="02020603050405020304" pitchFamily="18" charset="0"/>
+                <a:cs typeface="Times New Roman" panose="02020603050405020304" pitchFamily="18" charset="0"/>
+              </a:rPr>
+              <a:t>H6b</a:t>
+            </a:r>
+          </a:p>
+        </p:txBody>
+      </p:sp>
+      <p:sp>
+        <p:nvSpPr>
+          <p:cNvPr id="52" name="矩形: 圆角 51">
+            <a:extLst>
+              <a:ext uri="{FF2B5EF4-FFF2-40B4-BE49-F238E27FC236}">
+                <a16:creationId xmlns:a16="http://schemas.microsoft.com/office/drawing/2014/main" id="{B7287B62-9992-66E8-90D4-FC6ADB5D08E7}"/>
+              </a:ext>
+            </a:extLst>
+          </p:cNvPr>
+          <p:cNvSpPr/>
+          <p:nvPr/>
+        </p:nvSpPr>
+        <p:spPr>
+          <a:xfrm>
+            <a:off x="2843213" y="1942332"/>
+            <a:ext cx="6505574" cy="3007762"/>
+          </a:xfrm>
+          <a:prstGeom prst="roundRect">
+            <a:avLst/>
+          </a:prstGeom>
+          <a:noFill/>
+          <a:ln>
+            <a:solidFill>
+              <a:schemeClr val="tx1"/>
+            </a:solidFill>
+            <a:prstDash val="lgDashDotDot"/>
+          </a:ln>
+        </p:spPr>
+        <p:style>
+          <a:lnRef idx="2">
+            <a:schemeClr val="accent1">
+              <a:shade val="15000"/>
+            </a:schemeClr>
+          </a:lnRef>
+          <a:fillRef idx="1">
+            <a:schemeClr val="accent1"/>
+          </a:fillRef>
+          <a:effectRef idx="0">
+            <a:schemeClr val="accent1"/>
+          </a:effectRef>
+          <a:fontRef idx="minor">
+            <a:schemeClr val="lt1"/>
+          </a:fontRef>
+        </p:style>
+        <p:txBody>
+          <a:bodyPr rtlCol="0" anchor="ctr"/>
+          <a:lstStyle/>
+          <a:p>
+            <a:pPr algn="ctr"/>
+            <a:endParaRPr lang="en-US"/>
+          </a:p>
+        </p:txBody>
+      </p:sp>
+    </p:spTree>
+    <p:extLst>
+      <p:ext uri="{BB962C8B-B14F-4D97-AF65-F5344CB8AC3E}">
+        <p14:creationId xmlns:p14="http://schemas.microsoft.com/office/powerpoint/2010/main" val="1468753750"/>
       </p:ext>
     </p:extLst>
   </p:cSld>

--- a/1_Protocol/1_2_Paper/H.pptx
+++ b/1_Protocol/1_2_Paper/H.pptx
@@ -285,7 +285,7 @@
           <a:p>
             <a:fld id="{85F5B49F-324A-4162-A93D-080DD7343C6F}" type="datetimeFigureOut">
               <a:rPr lang="en-US" smtClean="0"/>
-              <a:t>2/20/2024</a:t>
+              <a:t>2/28/2024</a:t>
             </a:fld>
             <a:endParaRPr lang="en-US"/>
           </a:p>
@@ -485,7 +485,7 @@
           <a:p>
             <a:fld id="{85F5B49F-324A-4162-A93D-080DD7343C6F}" type="datetimeFigureOut">
               <a:rPr lang="en-US" smtClean="0"/>
-              <a:t>2/20/2024</a:t>
+              <a:t>2/28/2024</a:t>
             </a:fld>
             <a:endParaRPr lang="en-US"/>
           </a:p>
@@ -695,7 +695,7 @@
           <a:p>
             <a:fld id="{85F5B49F-324A-4162-A93D-080DD7343C6F}" type="datetimeFigureOut">
               <a:rPr lang="en-US" smtClean="0"/>
-              <a:t>2/20/2024</a:t>
+              <a:t>2/28/2024</a:t>
             </a:fld>
             <a:endParaRPr lang="en-US"/>
           </a:p>
@@ -895,7 +895,7 @@
           <a:p>
             <a:fld id="{85F5B49F-324A-4162-A93D-080DD7343C6F}" type="datetimeFigureOut">
               <a:rPr lang="en-US" smtClean="0"/>
-              <a:t>2/20/2024</a:t>
+              <a:t>2/28/2024</a:t>
             </a:fld>
             <a:endParaRPr lang="en-US"/>
           </a:p>
@@ -1171,7 +1171,7 @@
           <a:p>
             <a:fld id="{85F5B49F-324A-4162-A93D-080DD7343C6F}" type="datetimeFigureOut">
               <a:rPr lang="en-US" smtClean="0"/>
-              <a:t>2/20/2024</a:t>
+              <a:t>2/28/2024</a:t>
             </a:fld>
             <a:endParaRPr lang="en-US"/>
           </a:p>
@@ -1439,7 +1439,7 @@
           <a:p>
             <a:fld id="{85F5B49F-324A-4162-A93D-080DD7343C6F}" type="datetimeFigureOut">
               <a:rPr lang="en-US" smtClean="0"/>
-              <a:t>2/20/2024</a:t>
+              <a:t>2/28/2024</a:t>
             </a:fld>
             <a:endParaRPr lang="en-US"/>
           </a:p>
@@ -1854,7 +1854,7 @@
           <a:p>
             <a:fld id="{85F5B49F-324A-4162-A93D-080DD7343C6F}" type="datetimeFigureOut">
               <a:rPr lang="en-US" smtClean="0"/>
-              <a:t>2/20/2024</a:t>
+              <a:t>2/28/2024</a:t>
             </a:fld>
             <a:endParaRPr lang="en-US"/>
           </a:p>
@@ -1996,7 +1996,7 @@
           <a:p>
             <a:fld id="{85F5B49F-324A-4162-A93D-080DD7343C6F}" type="datetimeFigureOut">
               <a:rPr lang="en-US" smtClean="0"/>
-              <a:t>2/20/2024</a:t>
+              <a:t>2/28/2024</a:t>
             </a:fld>
             <a:endParaRPr lang="en-US"/>
           </a:p>
@@ -2109,7 +2109,7 @@
           <a:p>
             <a:fld id="{85F5B49F-324A-4162-A93D-080DD7343C6F}" type="datetimeFigureOut">
               <a:rPr lang="en-US" smtClean="0"/>
-              <a:t>2/20/2024</a:t>
+              <a:t>2/28/2024</a:t>
             </a:fld>
             <a:endParaRPr lang="en-US"/>
           </a:p>
@@ -2422,7 +2422,7 @@
           <a:p>
             <a:fld id="{85F5B49F-324A-4162-A93D-080DD7343C6F}" type="datetimeFigureOut">
               <a:rPr lang="en-US" smtClean="0"/>
-              <a:t>2/20/2024</a:t>
+              <a:t>2/28/2024</a:t>
             </a:fld>
             <a:endParaRPr lang="en-US"/>
           </a:p>
@@ -2711,7 +2711,7 @@
           <a:p>
             <a:fld id="{85F5B49F-324A-4162-A93D-080DD7343C6F}" type="datetimeFigureOut">
               <a:rPr lang="en-US" smtClean="0"/>
-              <a:t>2/20/2024</a:t>
+              <a:t>2/28/2024</a:t>
             </a:fld>
             <a:endParaRPr lang="en-US"/>
           </a:p>
@@ -2954,7 +2954,7 @@
           <a:p>
             <a:fld id="{85F5B49F-324A-4162-A93D-080DD7343C6F}" type="datetimeFigureOut">
               <a:rPr lang="en-US" smtClean="0"/>
-              <a:t>2/20/2024</a:t>
+              <a:t>2/28/2024</a:t>
             </a:fld>
             <a:endParaRPr lang="en-US"/>
           </a:p>
@@ -5967,7 +5967,7 @@
         </p:nvSpPr>
         <p:spPr>
           <a:xfrm>
-            <a:off x="4329251" y="2477782"/>
+            <a:off x="4302029" y="2478576"/>
             <a:ext cx="683549" cy="400110"/>
           </a:xfrm>
           <a:prstGeom prst="rect">
@@ -6006,7 +6006,7 @@
         </p:nvSpPr>
         <p:spPr>
           <a:xfrm>
-            <a:off x="4303260" y="3995191"/>
+            <a:off x="4302029" y="3992097"/>
             <a:ext cx="683549" cy="400110"/>
           </a:xfrm>
           <a:prstGeom prst="rect">
@@ -6045,7 +6045,7 @@
         </p:nvSpPr>
         <p:spPr>
           <a:xfrm>
-            <a:off x="6933166" y="2421495"/>
+            <a:off x="5754225" y="1745233"/>
             <a:ext cx="683549" cy="400110"/>
           </a:xfrm>
           <a:prstGeom prst="rect">
@@ -6084,7 +6084,7 @@
         </p:nvSpPr>
         <p:spPr>
           <a:xfrm>
-            <a:off x="6944020" y="4043924"/>
+            <a:off x="5754223" y="4654658"/>
             <a:ext cx="683549" cy="400110"/>
           </a:xfrm>
           <a:prstGeom prst="rect">
@@ -6123,8 +6123,8 @@
         </p:nvSpPr>
         <p:spPr>
           <a:xfrm>
-            <a:off x="3248025" y="1924182"/>
-            <a:ext cx="5734050" cy="2828793"/>
+            <a:off x="3230607" y="1724297"/>
+            <a:ext cx="5734050" cy="3326674"/>
           </a:xfrm>
           <a:prstGeom prst="roundRect">
             <a:avLst/>
@@ -6151,6 +6151,104 @@
           </a:effectRef>
           <a:fontRef idx="minor">
             <a:schemeClr val="lt1"/>
+          </a:fontRef>
+        </p:style>
+        <p:txBody>
+          <a:bodyPr rtlCol="0" anchor="ctr"/>
+          <a:lstStyle/>
+          <a:p>
+            <a:pPr algn="ctr"/>
+            <a:endParaRPr lang="en-US"/>
+          </a:p>
+        </p:txBody>
+      </p:sp>
+      <p:sp>
+        <p:nvSpPr>
+          <p:cNvPr id="2" name="左大括号 1">
+            <a:extLst>
+              <a:ext uri="{FF2B5EF4-FFF2-40B4-BE49-F238E27FC236}">
+                <a16:creationId xmlns:a16="http://schemas.microsoft.com/office/drawing/2014/main" id="{B8966B75-4557-635B-ECE6-FB21C0D1904D}"/>
+              </a:ext>
+            </a:extLst>
+          </p:cNvPr>
+          <p:cNvSpPr/>
+          <p:nvPr/>
+        </p:nvSpPr>
+        <p:spPr>
+          <a:xfrm rot="5400000">
+            <a:off x="5959092" y="-53234"/>
+            <a:ext cx="295563" cy="4613400"/>
+          </a:xfrm>
+          <a:prstGeom prst="leftBrace">
+            <a:avLst/>
+          </a:prstGeom>
+          <a:ln>
+            <a:solidFill>
+              <a:schemeClr val="tx1"/>
+            </a:solidFill>
+          </a:ln>
+        </p:spPr>
+        <p:style>
+          <a:lnRef idx="1">
+            <a:schemeClr val="accent1"/>
+          </a:lnRef>
+          <a:fillRef idx="0">
+            <a:schemeClr val="accent1"/>
+          </a:fillRef>
+          <a:effectRef idx="0">
+            <a:schemeClr val="accent1"/>
+          </a:effectRef>
+          <a:fontRef idx="minor">
+            <a:schemeClr val="tx1"/>
+          </a:fontRef>
+        </p:style>
+        <p:txBody>
+          <a:bodyPr rtlCol="0" anchor="ctr"/>
+          <a:lstStyle/>
+          <a:p>
+            <a:pPr algn="ctr"/>
+            <a:endParaRPr lang="en-US"/>
+          </a:p>
+        </p:txBody>
+      </p:sp>
+      <p:sp>
+        <p:nvSpPr>
+          <p:cNvPr id="17" name="左大括号 16">
+            <a:extLst>
+              <a:ext uri="{FF2B5EF4-FFF2-40B4-BE49-F238E27FC236}">
+                <a16:creationId xmlns:a16="http://schemas.microsoft.com/office/drawing/2014/main" id="{E94A4976-5CDF-66A1-5775-13F0D9A31355}"/>
+              </a:ext>
+            </a:extLst>
+          </p:cNvPr>
+          <p:cNvSpPr/>
+          <p:nvPr/>
+        </p:nvSpPr>
+        <p:spPr>
+          <a:xfrm rot="16200000">
+            <a:off x="5946028" y="2291073"/>
+            <a:ext cx="295563" cy="4613400"/>
+          </a:xfrm>
+          <a:prstGeom prst="leftBrace">
+            <a:avLst/>
+          </a:prstGeom>
+          <a:ln>
+            <a:solidFill>
+              <a:schemeClr val="tx1"/>
+            </a:solidFill>
+          </a:ln>
+        </p:spPr>
+        <p:style>
+          <a:lnRef idx="1">
+            <a:schemeClr val="accent1"/>
+          </a:lnRef>
+          <a:fillRef idx="0">
+            <a:schemeClr val="accent1"/>
+          </a:fillRef>
+          <a:effectRef idx="0">
+            <a:schemeClr val="accent1"/>
+          </a:effectRef>
+          <a:fontRef idx="minor">
+            <a:schemeClr val="tx1"/>
           </a:fontRef>
         </p:style>
         <p:txBody>
@@ -6818,45 +6916,6 @@
       </p:sp>
       <p:sp>
         <p:nvSpPr>
-          <p:cNvPr id="17" name="文本框 16">
-            <a:extLst>
-              <a:ext uri="{FF2B5EF4-FFF2-40B4-BE49-F238E27FC236}">
-                <a16:creationId xmlns:a16="http://schemas.microsoft.com/office/drawing/2014/main" id="{6F16FCAA-B0C6-A2B3-D5AC-7D471E59219E}"/>
-              </a:ext>
-            </a:extLst>
-          </p:cNvPr>
-          <p:cNvSpPr txBox="1"/>
-          <p:nvPr/>
-        </p:nvSpPr>
-        <p:spPr>
-          <a:xfrm>
-            <a:off x="7100031" y="2482700"/>
-            <a:ext cx="683549" cy="400110"/>
-          </a:xfrm>
-          <a:prstGeom prst="rect">
-            <a:avLst/>
-          </a:prstGeom>
-          <a:noFill/>
-        </p:spPr>
-        <p:txBody>
-          <a:bodyPr wrap="square" rtlCol="0">
-            <a:spAutoFit/>
-          </a:bodyPr>
-          <a:lstStyle/>
-          <a:p>
-            <a:pPr algn="ctr"/>
-            <a:r>
-              <a:rPr lang="en-US" sz="2000" dirty="0">
-                <a:latin typeface="Times New Roman" panose="02020603050405020304" pitchFamily="18" charset="0"/>
-                <a:cs typeface="Times New Roman" panose="02020603050405020304" pitchFamily="18" charset="0"/>
-              </a:rPr>
-              <a:t>H2</a:t>
-            </a:r>
-          </a:p>
-        </p:txBody>
-      </p:sp>
-      <p:sp>
-        <p:nvSpPr>
           <p:cNvPr id="18" name="文本框 17">
             <a:extLst>
               <a:ext uri="{FF2B5EF4-FFF2-40B4-BE49-F238E27FC236}">
@@ -6896,45 +6955,6 @@
       </p:sp>
       <p:sp>
         <p:nvSpPr>
-          <p:cNvPr id="19" name="文本框 18">
-            <a:extLst>
-              <a:ext uri="{FF2B5EF4-FFF2-40B4-BE49-F238E27FC236}">
-                <a16:creationId xmlns:a16="http://schemas.microsoft.com/office/drawing/2014/main" id="{FEE19F61-9D59-03F2-D703-6E03830A0DA4}"/>
-              </a:ext>
-            </a:extLst>
-          </p:cNvPr>
-          <p:cNvSpPr txBox="1"/>
-          <p:nvPr/>
-        </p:nvSpPr>
-        <p:spPr>
-          <a:xfrm>
-            <a:off x="7100031" y="3940467"/>
-            <a:ext cx="683549" cy="400110"/>
-          </a:xfrm>
-          <a:prstGeom prst="rect">
-            <a:avLst/>
-          </a:prstGeom>
-          <a:noFill/>
-        </p:spPr>
-        <p:txBody>
-          <a:bodyPr wrap="square" rtlCol="0">
-            <a:spAutoFit/>
-          </a:bodyPr>
-          <a:lstStyle/>
-          <a:p>
-            <a:pPr algn="ctr"/>
-            <a:r>
-              <a:rPr lang="en-US" sz="2000" dirty="0">
-                <a:latin typeface="Times New Roman" panose="02020603050405020304" pitchFamily="18" charset="0"/>
-                <a:cs typeface="Times New Roman" panose="02020603050405020304" pitchFamily="18" charset="0"/>
-              </a:rPr>
-              <a:t>H4</a:t>
-            </a:r>
-          </a:p>
-        </p:txBody>
-      </p:sp>
-      <p:sp>
-        <p:nvSpPr>
           <p:cNvPr id="20" name="文本框 19">
             <a:extLst>
               <a:ext uri="{FF2B5EF4-FFF2-40B4-BE49-F238E27FC236}">
@@ -7025,8 +7045,8 @@
         </p:nvSpPr>
         <p:spPr>
           <a:xfrm>
-            <a:off x="3005137" y="1928121"/>
-            <a:ext cx="6181725" cy="2828793"/>
+            <a:off x="3005137" y="1736525"/>
+            <a:ext cx="6181725" cy="3318244"/>
           </a:xfrm>
           <a:prstGeom prst="roundRect">
             <a:avLst/>
@@ -7053,6 +7073,182 @@
           </a:effectRef>
           <a:fontRef idx="minor">
             <a:schemeClr val="lt1"/>
+          </a:fontRef>
+        </p:style>
+        <p:txBody>
+          <a:bodyPr rtlCol="0" anchor="ctr"/>
+          <a:lstStyle/>
+          <a:p>
+            <a:pPr algn="ctr"/>
+            <a:endParaRPr lang="en-US"/>
+          </a:p>
+        </p:txBody>
+      </p:sp>
+      <p:sp>
+        <p:nvSpPr>
+          <p:cNvPr id="2" name="文本框 1">
+            <a:extLst>
+              <a:ext uri="{FF2B5EF4-FFF2-40B4-BE49-F238E27FC236}">
+                <a16:creationId xmlns:a16="http://schemas.microsoft.com/office/drawing/2014/main" id="{ADB4C480-F56B-2D02-689C-EC937DB25C95}"/>
+              </a:ext>
+            </a:extLst>
+          </p:cNvPr>
+          <p:cNvSpPr txBox="1"/>
+          <p:nvPr/>
+        </p:nvSpPr>
+        <p:spPr>
+          <a:xfrm>
+            <a:off x="5691077" y="1736524"/>
+            <a:ext cx="802070" cy="400110"/>
+          </a:xfrm>
+          <a:prstGeom prst="rect">
+            <a:avLst/>
+          </a:prstGeom>
+          <a:noFill/>
+        </p:spPr>
+        <p:txBody>
+          <a:bodyPr wrap="square" rtlCol="0">
+            <a:spAutoFit/>
+          </a:bodyPr>
+          <a:lstStyle/>
+          <a:p>
+            <a:pPr algn="ctr"/>
+            <a:r>
+              <a:rPr lang="en-US" sz="2000" dirty="0">
+                <a:latin typeface="Times New Roman" panose="02020603050405020304" pitchFamily="18" charset="0"/>
+                <a:cs typeface="Times New Roman" panose="02020603050405020304" pitchFamily="18" charset="0"/>
+              </a:rPr>
+              <a:t>H2</a:t>
+            </a:r>
+          </a:p>
+        </p:txBody>
+      </p:sp>
+      <p:sp>
+        <p:nvSpPr>
+          <p:cNvPr id="22" name="左大括号 21">
+            <a:extLst>
+              <a:ext uri="{FF2B5EF4-FFF2-40B4-BE49-F238E27FC236}">
+                <a16:creationId xmlns:a16="http://schemas.microsoft.com/office/drawing/2014/main" id="{789F29E1-4291-6DDE-4AD9-EEBBDE634E54}"/>
+              </a:ext>
+            </a:extLst>
+          </p:cNvPr>
+          <p:cNvSpPr/>
+          <p:nvPr/>
+        </p:nvSpPr>
+        <p:spPr>
+          <a:xfrm rot="5400000">
+            <a:off x="5932846" y="-461902"/>
+            <a:ext cx="295563" cy="5413320"/>
+          </a:xfrm>
+          <a:prstGeom prst="leftBrace">
+            <a:avLst/>
+          </a:prstGeom>
+          <a:ln>
+            <a:solidFill>
+              <a:schemeClr val="tx1"/>
+            </a:solidFill>
+          </a:ln>
+        </p:spPr>
+        <p:style>
+          <a:lnRef idx="1">
+            <a:schemeClr val="accent1"/>
+          </a:lnRef>
+          <a:fillRef idx="0">
+            <a:schemeClr val="accent1"/>
+          </a:fillRef>
+          <a:effectRef idx="0">
+            <a:schemeClr val="accent1"/>
+          </a:effectRef>
+          <a:fontRef idx="minor">
+            <a:schemeClr val="tx1"/>
+          </a:fontRef>
+        </p:style>
+        <p:txBody>
+          <a:bodyPr rtlCol="0" anchor="ctr"/>
+          <a:lstStyle/>
+          <a:p>
+            <a:pPr algn="ctr"/>
+            <a:endParaRPr lang="en-US"/>
+          </a:p>
+        </p:txBody>
+      </p:sp>
+      <p:sp>
+        <p:nvSpPr>
+          <p:cNvPr id="23" name="文本框 22">
+            <a:extLst>
+              <a:ext uri="{FF2B5EF4-FFF2-40B4-BE49-F238E27FC236}">
+                <a16:creationId xmlns:a16="http://schemas.microsoft.com/office/drawing/2014/main" id="{B83E0CB4-C731-2BFA-5E24-7C0BAA48E3BC}"/>
+              </a:ext>
+            </a:extLst>
+          </p:cNvPr>
+          <p:cNvSpPr txBox="1"/>
+          <p:nvPr/>
+        </p:nvSpPr>
+        <p:spPr>
+          <a:xfrm>
+            <a:off x="5754223" y="4654658"/>
+            <a:ext cx="683549" cy="400110"/>
+          </a:xfrm>
+          <a:prstGeom prst="rect">
+            <a:avLst/>
+          </a:prstGeom>
+          <a:noFill/>
+        </p:spPr>
+        <p:txBody>
+          <a:bodyPr wrap="square" rtlCol="0">
+            <a:spAutoFit/>
+          </a:bodyPr>
+          <a:lstStyle/>
+          <a:p>
+            <a:pPr algn="ctr"/>
+            <a:r>
+              <a:rPr lang="en-US" sz="2000" dirty="0">
+                <a:latin typeface="Times New Roman" panose="02020603050405020304" pitchFamily="18" charset="0"/>
+                <a:cs typeface="Times New Roman" panose="02020603050405020304" pitchFamily="18" charset="0"/>
+              </a:rPr>
+              <a:t>H4</a:t>
+            </a:r>
+          </a:p>
+        </p:txBody>
+      </p:sp>
+      <p:sp>
+        <p:nvSpPr>
+          <p:cNvPr id="24" name="左大括号 23">
+            <a:extLst>
+              <a:ext uri="{FF2B5EF4-FFF2-40B4-BE49-F238E27FC236}">
+                <a16:creationId xmlns:a16="http://schemas.microsoft.com/office/drawing/2014/main" id="{4051370F-B752-3F06-2D93-73F1139D85BA}"/>
+              </a:ext>
+            </a:extLst>
+          </p:cNvPr>
+          <p:cNvSpPr/>
+          <p:nvPr/>
+        </p:nvSpPr>
+        <p:spPr>
+          <a:xfrm rot="16200000">
+            <a:off x="5932847" y="1891112"/>
+            <a:ext cx="295563" cy="5413319"/>
+          </a:xfrm>
+          <a:prstGeom prst="leftBrace">
+            <a:avLst/>
+          </a:prstGeom>
+          <a:ln>
+            <a:solidFill>
+              <a:schemeClr val="tx1"/>
+            </a:solidFill>
+          </a:ln>
+        </p:spPr>
+        <p:style>
+          <a:lnRef idx="1">
+            <a:schemeClr val="accent1"/>
+          </a:lnRef>
+          <a:fillRef idx="0">
+            <a:schemeClr val="accent1"/>
+          </a:fillRef>
+          <a:effectRef idx="0">
+            <a:schemeClr val="accent1"/>
+          </a:effectRef>
+          <a:fontRef idx="minor">
+            <a:schemeClr val="tx1"/>
           </a:fontRef>
         </p:style>
         <p:txBody>

--- a/1_Protocol/1_2_Paper/H.pptx
+++ b/1_Protocol/1_2_Paper/H.pptx
@@ -7,8 +7,11 @@
   <p:sldIdLst>
     <p:sldId id="256" r:id="rId2"/>
     <p:sldId id="257" r:id="rId3"/>
-    <p:sldId id="258" r:id="rId4"/>
-    <p:sldId id="259" r:id="rId5"/>
+    <p:sldId id="260" r:id="rId4"/>
+    <p:sldId id="258" r:id="rId5"/>
+    <p:sldId id="261" r:id="rId6"/>
+    <p:sldId id="259" r:id="rId7"/>
+    <p:sldId id="262" r:id="rId8"/>
   </p:sldIdLst>
   <p:sldSz cx="12192000" cy="6858000"/>
   <p:notesSz cx="6858000" cy="9144000"/>
@@ -120,7 +123,7 @@
             <a:srgbClr val="A4A3A4"/>
           </p15:clr>
         </p15:guide>
-        <p15:guide id="3" orient="horz" pos="2736" userDrawn="1">
+        <p15:guide id="3" orient="horz" pos="2760" userDrawn="1">
           <p15:clr>
             <a:srgbClr val="A4A3A4"/>
           </p15:clr>
@@ -285,7 +288,7 @@
           <a:p>
             <a:fld id="{85F5B49F-324A-4162-A93D-080DD7343C6F}" type="datetimeFigureOut">
               <a:rPr lang="en-US" smtClean="0"/>
-              <a:t>2/28/2024</a:t>
+              <a:t>3/8/2024</a:t>
             </a:fld>
             <a:endParaRPr lang="en-US"/>
           </a:p>
@@ -485,7 +488,7 @@
           <a:p>
             <a:fld id="{85F5B49F-324A-4162-A93D-080DD7343C6F}" type="datetimeFigureOut">
               <a:rPr lang="en-US" smtClean="0"/>
-              <a:t>2/28/2024</a:t>
+              <a:t>3/8/2024</a:t>
             </a:fld>
             <a:endParaRPr lang="en-US"/>
           </a:p>
@@ -695,7 +698,7 @@
           <a:p>
             <a:fld id="{85F5B49F-324A-4162-A93D-080DD7343C6F}" type="datetimeFigureOut">
               <a:rPr lang="en-US" smtClean="0"/>
-              <a:t>2/28/2024</a:t>
+              <a:t>3/8/2024</a:t>
             </a:fld>
             <a:endParaRPr lang="en-US"/>
           </a:p>
@@ -895,7 +898,7 @@
           <a:p>
             <a:fld id="{85F5B49F-324A-4162-A93D-080DD7343C6F}" type="datetimeFigureOut">
               <a:rPr lang="en-US" smtClean="0"/>
-              <a:t>2/28/2024</a:t>
+              <a:t>3/8/2024</a:t>
             </a:fld>
             <a:endParaRPr lang="en-US"/>
           </a:p>
@@ -1171,7 +1174,7 @@
           <a:p>
             <a:fld id="{85F5B49F-324A-4162-A93D-080DD7343C6F}" type="datetimeFigureOut">
               <a:rPr lang="en-US" smtClean="0"/>
-              <a:t>2/28/2024</a:t>
+              <a:t>3/8/2024</a:t>
             </a:fld>
             <a:endParaRPr lang="en-US"/>
           </a:p>
@@ -1439,7 +1442,7 @@
           <a:p>
             <a:fld id="{85F5B49F-324A-4162-A93D-080DD7343C6F}" type="datetimeFigureOut">
               <a:rPr lang="en-US" smtClean="0"/>
-              <a:t>2/28/2024</a:t>
+              <a:t>3/8/2024</a:t>
             </a:fld>
             <a:endParaRPr lang="en-US"/>
           </a:p>
@@ -1854,7 +1857,7 @@
           <a:p>
             <a:fld id="{85F5B49F-324A-4162-A93D-080DD7343C6F}" type="datetimeFigureOut">
               <a:rPr lang="en-US" smtClean="0"/>
-              <a:t>2/28/2024</a:t>
+              <a:t>3/8/2024</a:t>
             </a:fld>
             <a:endParaRPr lang="en-US"/>
           </a:p>
@@ -1996,7 +1999,7 @@
           <a:p>
             <a:fld id="{85F5B49F-324A-4162-A93D-080DD7343C6F}" type="datetimeFigureOut">
               <a:rPr lang="en-US" smtClean="0"/>
-              <a:t>2/28/2024</a:t>
+              <a:t>3/8/2024</a:t>
             </a:fld>
             <a:endParaRPr lang="en-US"/>
           </a:p>
@@ -2109,7 +2112,7 @@
           <a:p>
             <a:fld id="{85F5B49F-324A-4162-A93D-080DD7343C6F}" type="datetimeFigureOut">
               <a:rPr lang="en-US" smtClean="0"/>
-              <a:t>2/28/2024</a:t>
+              <a:t>3/8/2024</a:t>
             </a:fld>
             <a:endParaRPr lang="en-US"/>
           </a:p>
@@ -2422,7 +2425,7 @@
           <a:p>
             <a:fld id="{85F5B49F-324A-4162-A93D-080DD7343C6F}" type="datetimeFigureOut">
               <a:rPr lang="en-US" smtClean="0"/>
-              <a:t>2/28/2024</a:t>
+              <a:t>3/8/2024</a:t>
             </a:fld>
             <a:endParaRPr lang="en-US"/>
           </a:p>
@@ -2711,7 +2714,7 @@
           <a:p>
             <a:fld id="{85F5B49F-324A-4162-A93D-080DD7343C6F}" type="datetimeFigureOut">
               <a:rPr lang="en-US" smtClean="0"/>
-              <a:t>2/28/2024</a:t>
+              <a:t>3/8/2024</a:t>
             </a:fld>
             <a:endParaRPr lang="en-US"/>
           </a:p>
@@ -2954,7 +2957,7 @@
           <a:p>
             <a:fld id="{85F5B49F-324A-4162-A93D-080DD7343C6F}" type="datetimeFigureOut">
               <a:rPr lang="en-US" smtClean="0"/>
-              <a:t>2/28/2024</a:t>
+              <a:t>3/8/2024</a:t>
             </a:fld>
             <a:endParaRPr lang="en-US"/>
           </a:p>
@@ -6278,6 +6281,825 @@
   <p:cSld>
     <p:spTree>
       <p:nvGrpSpPr>
+        <p:cNvPr id="1" name=""/>
+        <p:cNvGrpSpPr/>
+        <p:nvPr/>
+      </p:nvGrpSpPr>
+      <p:grpSpPr>
+        <a:xfrm>
+          <a:off x="0" y="0"/>
+          <a:ext cx="0" cy="0"/>
+          <a:chOff x="0" y="0"/>
+          <a:chExt cx="0" cy="0"/>
+        </a:xfrm>
+      </p:grpSpPr>
+      <p:sp>
+        <p:nvSpPr>
+          <p:cNvPr id="3" name="文本框 2">
+            <a:extLst>
+              <a:ext uri="{FF2B5EF4-FFF2-40B4-BE49-F238E27FC236}">
+                <a16:creationId xmlns:a16="http://schemas.microsoft.com/office/drawing/2014/main" id="{6D213AD3-035E-DDDF-5AC3-239DAF64AA4E}"/>
+              </a:ext>
+            </a:extLst>
+          </p:cNvPr>
+          <p:cNvSpPr txBox="1"/>
+          <p:nvPr/>
+        </p:nvSpPr>
+        <p:spPr>
+          <a:xfrm>
+            <a:off x="2447110" y="3221424"/>
+            <a:ext cx="1755884" cy="400110"/>
+          </a:xfrm>
+          <a:prstGeom prst="rect">
+            <a:avLst/>
+          </a:prstGeom>
+          <a:noFill/>
+          <a:ln w="19050">
+            <a:solidFill>
+              <a:schemeClr val="tx1"/>
+            </a:solidFill>
+          </a:ln>
+        </p:spPr>
+        <p:txBody>
+          <a:bodyPr wrap="square" rtlCol="0">
+            <a:spAutoFit/>
+          </a:bodyPr>
+          <a:lstStyle/>
+          <a:p>
+            <a:pPr algn="ctr"/>
+            <a:r>
+              <a:rPr lang="zh-CN" altLang="en-US" sz="2000" dirty="0">
+                <a:latin typeface="宋体" panose="02010600030101010101" pitchFamily="2" charset="-122"/>
+                <a:ea typeface="宋体" panose="02010600030101010101" pitchFamily="2" charset="-122"/>
+                <a:cs typeface="Times New Roman" panose="02020603050405020304" pitchFamily="18" charset="0"/>
+              </a:rPr>
+              <a:t>社会比较方向</a:t>
+            </a:r>
+            <a:endParaRPr lang="en-US" sz="2000" dirty="0">
+              <a:latin typeface="宋体" panose="02010600030101010101" pitchFamily="2" charset="-122"/>
+              <a:ea typeface="宋体" panose="02010600030101010101" pitchFamily="2" charset="-122"/>
+              <a:cs typeface="Times New Roman" panose="02020603050405020304" pitchFamily="18" charset="0"/>
+            </a:endParaRPr>
+          </a:p>
+        </p:txBody>
+      </p:sp>
+      <p:sp>
+        <p:nvSpPr>
+          <p:cNvPr id="4" name="文本框 3">
+            <a:extLst>
+              <a:ext uri="{FF2B5EF4-FFF2-40B4-BE49-F238E27FC236}">
+                <a16:creationId xmlns:a16="http://schemas.microsoft.com/office/drawing/2014/main" id="{2E05F8EE-DE72-7085-EA23-CC62117A8048}"/>
+              </a:ext>
+            </a:extLst>
+          </p:cNvPr>
+          <p:cNvSpPr txBox="1"/>
+          <p:nvPr/>
+        </p:nvSpPr>
+        <p:spPr>
+          <a:xfrm>
+            <a:off x="4746170" y="2316056"/>
+            <a:ext cx="2734492" cy="562630"/>
+          </a:xfrm>
+          <a:prstGeom prst="ellipse">
+            <a:avLst/>
+          </a:prstGeom>
+          <a:noFill/>
+          <a:ln w="19050">
+            <a:solidFill>
+              <a:schemeClr val="tx1"/>
+            </a:solidFill>
+          </a:ln>
+        </p:spPr>
+        <p:txBody>
+          <a:bodyPr wrap="square" rtlCol="0">
+            <a:spAutoFit/>
+          </a:bodyPr>
+          <a:lstStyle/>
+          <a:p>
+            <a:pPr algn="ctr"/>
+            <a:r>
+              <a:rPr lang="zh-CN" altLang="en-US" sz="2000" dirty="0">
+                <a:latin typeface="宋体" panose="02010600030101010101" pitchFamily="2" charset="-122"/>
+                <a:ea typeface="宋体" panose="02010600030101010101" pitchFamily="2" charset="-122"/>
+                <a:cs typeface="Times New Roman" panose="02020603050405020304" pitchFamily="18" charset="0"/>
+              </a:rPr>
+              <a:t>相对剥夺感</a:t>
+            </a:r>
+            <a:endParaRPr lang="en-US" sz="2000" dirty="0">
+              <a:latin typeface="宋体" panose="02010600030101010101" pitchFamily="2" charset="-122"/>
+              <a:ea typeface="宋体" panose="02010600030101010101" pitchFamily="2" charset="-122"/>
+              <a:cs typeface="Times New Roman" panose="02020603050405020304" pitchFamily="18" charset="0"/>
+            </a:endParaRPr>
+          </a:p>
+        </p:txBody>
+      </p:sp>
+      <p:sp>
+        <p:nvSpPr>
+          <p:cNvPr id="5" name="文本框 4">
+            <a:extLst>
+              <a:ext uri="{FF2B5EF4-FFF2-40B4-BE49-F238E27FC236}">
+                <a16:creationId xmlns:a16="http://schemas.microsoft.com/office/drawing/2014/main" id="{409B5701-A16C-6F97-AA88-E161321895DC}"/>
+              </a:ext>
+            </a:extLst>
+          </p:cNvPr>
+          <p:cNvSpPr txBox="1"/>
+          <p:nvPr/>
+        </p:nvSpPr>
+        <p:spPr>
+          <a:xfrm>
+            <a:off x="4746170" y="3970234"/>
+            <a:ext cx="2773113" cy="562630"/>
+          </a:xfrm>
+          <a:prstGeom prst="ellipse">
+            <a:avLst/>
+          </a:prstGeom>
+          <a:noFill/>
+          <a:ln w="19050">
+            <a:solidFill>
+              <a:schemeClr val="tx1"/>
+            </a:solidFill>
+          </a:ln>
+        </p:spPr>
+        <p:txBody>
+          <a:bodyPr wrap="square" rtlCol="0">
+            <a:spAutoFit/>
+          </a:bodyPr>
+          <a:lstStyle/>
+          <a:p>
+            <a:pPr algn="ctr"/>
+            <a:r>
+              <a:rPr lang="zh-CN" altLang="en-US" sz="2000" dirty="0">
+                <a:latin typeface="宋体" panose="02010600030101010101" pitchFamily="2" charset="-122"/>
+                <a:ea typeface="宋体" panose="02010600030101010101" pitchFamily="2" charset="-122"/>
+                <a:cs typeface="Times New Roman" panose="02020603050405020304" pitchFamily="18" charset="0"/>
+              </a:rPr>
+              <a:t>感知到的优越感</a:t>
+            </a:r>
+            <a:endParaRPr lang="en-US" sz="2000" dirty="0">
+              <a:latin typeface="宋体" panose="02010600030101010101" pitchFamily="2" charset="-122"/>
+              <a:ea typeface="宋体" panose="02010600030101010101" pitchFamily="2" charset="-122"/>
+              <a:cs typeface="Times New Roman" panose="02020603050405020304" pitchFamily="18" charset="0"/>
+            </a:endParaRPr>
+          </a:p>
+        </p:txBody>
+      </p:sp>
+      <p:sp>
+        <p:nvSpPr>
+          <p:cNvPr id="6" name="文本框 5">
+            <a:extLst>
+              <a:ext uri="{FF2B5EF4-FFF2-40B4-BE49-F238E27FC236}">
+                <a16:creationId xmlns:a16="http://schemas.microsoft.com/office/drawing/2014/main" id="{55344356-CAFC-2227-7C51-51479AAF5242}"/>
+              </a:ext>
+            </a:extLst>
+          </p:cNvPr>
+          <p:cNvSpPr txBox="1"/>
+          <p:nvPr/>
+        </p:nvSpPr>
+        <p:spPr>
+          <a:xfrm>
+            <a:off x="7628708" y="3147685"/>
+            <a:ext cx="2185851" cy="562630"/>
+          </a:xfrm>
+          <a:prstGeom prst="ellipse">
+            <a:avLst/>
+          </a:prstGeom>
+          <a:noFill/>
+          <a:ln w="19050">
+            <a:solidFill>
+              <a:schemeClr val="tx1"/>
+            </a:solidFill>
+          </a:ln>
+        </p:spPr>
+        <p:txBody>
+          <a:bodyPr wrap="square" rtlCol="0">
+            <a:spAutoFit/>
+          </a:bodyPr>
+          <a:lstStyle/>
+          <a:p>
+            <a:pPr algn="ctr"/>
+            <a:r>
+              <a:rPr lang="zh-CN" altLang="en-US" sz="2000" dirty="0">
+                <a:latin typeface="宋体" panose="02010600030101010101" pitchFamily="2" charset="-122"/>
+                <a:ea typeface="宋体" panose="02010600030101010101" pitchFamily="2" charset="-122"/>
+                <a:cs typeface="Times New Roman" panose="02020603050405020304" pitchFamily="18" charset="0"/>
+              </a:rPr>
+              <a:t>生活满意度</a:t>
+            </a:r>
+            <a:endParaRPr lang="en-US" sz="2000" dirty="0">
+              <a:latin typeface="宋体" panose="02010600030101010101" pitchFamily="2" charset="-122"/>
+              <a:ea typeface="宋体" panose="02010600030101010101" pitchFamily="2" charset="-122"/>
+              <a:cs typeface="Times New Roman" panose="02020603050405020304" pitchFamily="18" charset="0"/>
+            </a:endParaRPr>
+          </a:p>
+        </p:txBody>
+      </p:sp>
+      <p:cxnSp>
+        <p:nvCxnSpPr>
+          <p:cNvPr id="7" name="直接箭头连接符 6">
+            <a:extLst>
+              <a:ext uri="{FF2B5EF4-FFF2-40B4-BE49-F238E27FC236}">
+                <a16:creationId xmlns:a16="http://schemas.microsoft.com/office/drawing/2014/main" id="{97D4BC06-5100-0DC0-D6E1-A4DF5BDD6EC7}"/>
+              </a:ext>
+            </a:extLst>
+          </p:cNvPr>
+          <p:cNvCxnSpPr>
+            <a:cxnSpLocks/>
+            <a:stCxn id="3" idx="0"/>
+            <a:endCxn id="4" idx="2"/>
+          </p:cNvCxnSpPr>
+          <p:nvPr/>
+        </p:nvCxnSpPr>
+        <p:spPr>
+          <a:xfrm flipV="1">
+            <a:off x="3325052" y="2597371"/>
+            <a:ext cx="1421118" cy="624053"/>
+          </a:xfrm>
+          <a:prstGeom prst="straightConnector1">
+            <a:avLst/>
+          </a:prstGeom>
+          <a:ln>
+            <a:solidFill>
+              <a:schemeClr val="tx1"/>
+            </a:solidFill>
+            <a:tailEnd type="triangle"/>
+          </a:ln>
+        </p:spPr>
+        <p:style>
+          <a:lnRef idx="1">
+            <a:schemeClr val="accent1"/>
+          </a:lnRef>
+          <a:fillRef idx="0">
+            <a:schemeClr val="accent1"/>
+          </a:fillRef>
+          <a:effectRef idx="0">
+            <a:schemeClr val="accent1"/>
+          </a:effectRef>
+          <a:fontRef idx="minor">
+            <a:schemeClr val="tx1"/>
+          </a:fontRef>
+        </p:style>
+      </p:cxnSp>
+      <p:cxnSp>
+        <p:nvCxnSpPr>
+          <p:cNvPr id="8" name="直接箭头连接符 7">
+            <a:extLst>
+              <a:ext uri="{FF2B5EF4-FFF2-40B4-BE49-F238E27FC236}">
+                <a16:creationId xmlns:a16="http://schemas.microsoft.com/office/drawing/2014/main" id="{1FF23BF2-96A0-FE2B-629D-2962AFB9DE0F}"/>
+              </a:ext>
+            </a:extLst>
+          </p:cNvPr>
+          <p:cNvCxnSpPr>
+            <a:cxnSpLocks/>
+            <a:stCxn id="3" idx="2"/>
+            <a:endCxn id="5" idx="2"/>
+          </p:cNvCxnSpPr>
+          <p:nvPr/>
+        </p:nvCxnSpPr>
+        <p:spPr>
+          <a:xfrm>
+            <a:off x="3325052" y="3621534"/>
+            <a:ext cx="1421118" cy="630015"/>
+          </a:xfrm>
+          <a:prstGeom prst="straightConnector1">
+            <a:avLst/>
+          </a:prstGeom>
+          <a:ln>
+            <a:solidFill>
+              <a:schemeClr val="tx1"/>
+            </a:solidFill>
+            <a:tailEnd type="triangle"/>
+          </a:ln>
+        </p:spPr>
+        <p:style>
+          <a:lnRef idx="1">
+            <a:schemeClr val="accent1"/>
+          </a:lnRef>
+          <a:fillRef idx="0">
+            <a:schemeClr val="accent1"/>
+          </a:fillRef>
+          <a:effectRef idx="0">
+            <a:schemeClr val="accent1"/>
+          </a:effectRef>
+          <a:fontRef idx="minor">
+            <a:schemeClr val="tx1"/>
+          </a:fontRef>
+        </p:style>
+      </p:cxnSp>
+      <p:cxnSp>
+        <p:nvCxnSpPr>
+          <p:cNvPr id="9" name="直接箭头连接符 8">
+            <a:extLst>
+              <a:ext uri="{FF2B5EF4-FFF2-40B4-BE49-F238E27FC236}">
+                <a16:creationId xmlns:a16="http://schemas.microsoft.com/office/drawing/2014/main" id="{5D3F1F94-CAE4-1736-BB71-7395B15BCCBD}"/>
+              </a:ext>
+            </a:extLst>
+          </p:cNvPr>
+          <p:cNvCxnSpPr>
+            <a:cxnSpLocks/>
+            <a:stCxn id="4" idx="6"/>
+            <a:endCxn id="6" idx="0"/>
+          </p:cNvCxnSpPr>
+          <p:nvPr/>
+        </p:nvCxnSpPr>
+        <p:spPr>
+          <a:xfrm>
+            <a:off x="7480662" y="2597371"/>
+            <a:ext cx="1240972" cy="550314"/>
+          </a:xfrm>
+          <a:prstGeom prst="straightConnector1">
+            <a:avLst/>
+          </a:prstGeom>
+          <a:ln>
+            <a:solidFill>
+              <a:schemeClr val="tx1"/>
+            </a:solidFill>
+            <a:tailEnd type="triangle"/>
+          </a:ln>
+        </p:spPr>
+        <p:style>
+          <a:lnRef idx="1">
+            <a:schemeClr val="accent1"/>
+          </a:lnRef>
+          <a:fillRef idx="0">
+            <a:schemeClr val="accent1"/>
+          </a:fillRef>
+          <a:effectRef idx="0">
+            <a:schemeClr val="accent1"/>
+          </a:effectRef>
+          <a:fontRef idx="minor">
+            <a:schemeClr val="tx1"/>
+          </a:fontRef>
+        </p:style>
+      </p:cxnSp>
+      <p:cxnSp>
+        <p:nvCxnSpPr>
+          <p:cNvPr id="10" name="直接箭头连接符 9">
+            <a:extLst>
+              <a:ext uri="{FF2B5EF4-FFF2-40B4-BE49-F238E27FC236}">
+                <a16:creationId xmlns:a16="http://schemas.microsoft.com/office/drawing/2014/main" id="{A8BE1F8A-5E25-1838-B60B-D3AD2B0B4B5B}"/>
+              </a:ext>
+            </a:extLst>
+          </p:cNvPr>
+          <p:cNvCxnSpPr>
+            <a:cxnSpLocks/>
+            <a:stCxn id="5" idx="6"/>
+            <a:endCxn id="6" idx="4"/>
+          </p:cNvCxnSpPr>
+          <p:nvPr/>
+        </p:nvCxnSpPr>
+        <p:spPr>
+          <a:xfrm flipV="1">
+            <a:off x="7519283" y="3710315"/>
+            <a:ext cx="1202351" cy="541234"/>
+          </a:xfrm>
+          <a:prstGeom prst="straightConnector1">
+            <a:avLst/>
+          </a:prstGeom>
+          <a:ln>
+            <a:solidFill>
+              <a:schemeClr val="tx1"/>
+            </a:solidFill>
+            <a:tailEnd type="triangle"/>
+          </a:ln>
+        </p:spPr>
+        <p:style>
+          <a:lnRef idx="1">
+            <a:schemeClr val="accent1"/>
+          </a:lnRef>
+          <a:fillRef idx="0">
+            <a:schemeClr val="accent1"/>
+          </a:fillRef>
+          <a:effectRef idx="0">
+            <a:schemeClr val="accent1"/>
+          </a:effectRef>
+          <a:fontRef idx="minor">
+            <a:schemeClr val="tx1"/>
+          </a:fontRef>
+        </p:style>
+      </p:cxnSp>
+      <p:sp>
+        <p:nvSpPr>
+          <p:cNvPr id="11" name="文本框 10">
+            <a:extLst>
+              <a:ext uri="{FF2B5EF4-FFF2-40B4-BE49-F238E27FC236}">
+                <a16:creationId xmlns:a16="http://schemas.microsoft.com/office/drawing/2014/main" id="{C6CCA302-6F94-E46A-EE5A-65BC06BB5DFF}"/>
+              </a:ext>
+            </a:extLst>
+          </p:cNvPr>
+          <p:cNvSpPr txBox="1"/>
+          <p:nvPr/>
+        </p:nvSpPr>
+        <p:spPr>
+          <a:xfrm>
+            <a:off x="5525589" y="1240980"/>
+            <a:ext cx="1140822" cy="400110"/>
+          </a:xfrm>
+          <a:prstGeom prst="rect">
+            <a:avLst/>
+          </a:prstGeom>
+          <a:noFill/>
+        </p:spPr>
+        <p:txBody>
+          <a:bodyPr wrap="square" rtlCol="0">
+            <a:spAutoFit/>
+          </a:bodyPr>
+          <a:lstStyle/>
+          <a:p>
+            <a:pPr algn="ctr"/>
+            <a:r>
+              <a:rPr lang="zh-CN" altLang="en-US" sz="2000" dirty="0">
+                <a:latin typeface="宋体" panose="02010600030101010101" pitchFamily="2" charset="-122"/>
+                <a:ea typeface="宋体" panose="02010600030101010101" pitchFamily="2" charset="-122"/>
+                <a:cs typeface="Times New Roman" panose="02020603050405020304" pitchFamily="18" charset="0"/>
+              </a:rPr>
+              <a:t>实验</a:t>
+            </a:r>
+            <a:r>
+              <a:rPr lang="en-US" sz="2000" dirty="0">
+                <a:latin typeface="宋体" panose="02010600030101010101" pitchFamily="2" charset="-122"/>
+                <a:ea typeface="宋体" panose="02010600030101010101" pitchFamily="2" charset="-122"/>
+                <a:cs typeface="Times New Roman" panose="02020603050405020304" pitchFamily="18" charset="0"/>
+              </a:rPr>
+              <a:t> 1</a:t>
+            </a:r>
+          </a:p>
+        </p:txBody>
+      </p:sp>
+      <p:sp>
+        <p:nvSpPr>
+          <p:cNvPr id="13" name="文本框 12">
+            <a:extLst>
+              <a:ext uri="{FF2B5EF4-FFF2-40B4-BE49-F238E27FC236}">
+                <a16:creationId xmlns:a16="http://schemas.microsoft.com/office/drawing/2014/main" id="{161540FB-B5CE-9D40-55DD-25BDD26C78FF}"/>
+              </a:ext>
+            </a:extLst>
+          </p:cNvPr>
+          <p:cNvSpPr txBox="1"/>
+          <p:nvPr/>
+        </p:nvSpPr>
+        <p:spPr>
+          <a:xfrm>
+            <a:off x="3593689" y="3980206"/>
+            <a:ext cx="883841" cy="400110"/>
+          </a:xfrm>
+          <a:prstGeom prst="rect">
+            <a:avLst/>
+          </a:prstGeom>
+          <a:noFill/>
+        </p:spPr>
+        <p:txBody>
+          <a:bodyPr wrap="square" rtlCol="0">
+            <a:spAutoFit/>
+          </a:bodyPr>
+          <a:lstStyle/>
+          <a:p>
+            <a:pPr algn="ctr"/>
+            <a:r>
+              <a:rPr lang="zh-CN" altLang="en-US" sz="2000" dirty="0">
+                <a:latin typeface="宋体" panose="02010600030101010101" pitchFamily="2" charset="-122"/>
+                <a:ea typeface="宋体" panose="02010600030101010101" pitchFamily="2" charset="-122"/>
+                <a:cs typeface="Times New Roman" panose="02020603050405020304" pitchFamily="18" charset="0"/>
+              </a:rPr>
+              <a:t>假设</a:t>
+            </a:r>
+            <a:r>
+              <a:rPr lang="en-US" altLang="zh-CN" sz="2000" dirty="0">
+                <a:latin typeface="宋体" panose="02010600030101010101" pitchFamily="2" charset="-122"/>
+                <a:ea typeface="宋体" panose="02010600030101010101" pitchFamily="2" charset="-122"/>
+                <a:cs typeface="Times New Roman" panose="02020603050405020304" pitchFamily="18" charset="0"/>
+              </a:rPr>
+              <a:t>3</a:t>
+            </a:r>
+            <a:endParaRPr lang="en-US" sz="2000" dirty="0">
+              <a:latin typeface="宋体" panose="02010600030101010101" pitchFamily="2" charset="-122"/>
+              <a:ea typeface="宋体" panose="02010600030101010101" pitchFamily="2" charset="-122"/>
+              <a:cs typeface="Times New Roman" panose="02020603050405020304" pitchFamily="18" charset="0"/>
+            </a:endParaRPr>
+          </a:p>
+        </p:txBody>
+      </p:sp>
+      <p:sp>
+        <p:nvSpPr>
+          <p:cNvPr id="14" name="文本框 13">
+            <a:extLst>
+              <a:ext uri="{FF2B5EF4-FFF2-40B4-BE49-F238E27FC236}">
+                <a16:creationId xmlns:a16="http://schemas.microsoft.com/office/drawing/2014/main" id="{B789345D-3A23-D024-5A87-F1B80A1A3A41}"/>
+              </a:ext>
+            </a:extLst>
+          </p:cNvPr>
+          <p:cNvSpPr txBox="1"/>
+          <p:nvPr/>
+        </p:nvSpPr>
+        <p:spPr>
+          <a:xfrm>
+            <a:off x="5650780" y="1733489"/>
+            <a:ext cx="912185" cy="400110"/>
+          </a:xfrm>
+          <a:prstGeom prst="rect">
+            <a:avLst/>
+          </a:prstGeom>
+          <a:noFill/>
+        </p:spPr>
+        <p:txBody>
+          <a:bodyPr wrap="square" rtlCol="0">
+            <a:spAutoFit/>
+          </a:bodyPr>
+          <a:lstStyle/>
+          <a:p>
+            <a:pPr algn="ctr"/>
+            <a:r>
+              <a:rPr lang="zh-CN" altLang="en-US" sz="2000" dirty="0">
+                <a:latin typeface="宋体" panose="02010600030101010101" pitchFamily="2" charset="-122"/>
+                <a:ea typeface="宋体" panose="02010600030101010101" pitchFamily="2" charset="-122"/>
+                <a:cs typeface="Times New Roman" panose="02020603050405020304" pitchFamily="18" charset="0"/>
+              </a:rPr>
+              <a:t>假设</a:t>
+            </a:r>
+            <a:r>
+              <a:rPr lang="en-US" sz="2000" dirty="0">
+                <a:latin typeface="宋体" panose="02010600030101010101" pitchFamily="2" charset="-122"/>
+                <a:ea typeface="宋体" panose="02010600030101010101" pitchFamily="2" charset="-122"/>
+                <a:cs typeface="Times New Roman" panose="02020603050405020304" pitchFamily="18" charset="0"/>
+              </a:rPr>
+              <a:t>2</a:t>
+            </a:r>
+          </a:p>
+        </p:txBody>
+      </p:sp>
+      <p:sp>
+        <p:nvSpPr>
+          <p:cNvPr id="15" name="文本框 14">
+            <a:extLst>
+              <a:ext uri="{FF2B5EF4-FFF2-40B4-BE49-F238E27FC236}">
+                <a16:creationId xmlns:a16="http://schemas.microsoft.com/office/drawing/2014/main" id="{B042A96C-AC3D-D333-32EA-26048BB59239}"/>
+              </a:ext>
+            </a:extLst>
+          </p:cNvPr>
+          <p:cNvSpPr txBox="1"/>
+          <p:nvPr/>
+        </p:nvSpPr>
+        <p:spPr>
+          <a:xfrm>
+            <a:off x="5635552" y="4650861"/>
+            <a:ext cx="912183" cy="400110"/>
+          </a:xfrm>
+          <a:prstGeom prst="rect">
+            <a:avLst/>
+          </a:prstGeom>
+          <a:noFill/>
+        </p:spPr>
+        <p:txBody>
+          <a:bodyPr wrap="square" rtlCol="0">
+            <a:spAutoFit/>
+          </a:bodyPr>
+          <a:lstStyle/>
+          <a:p>
+            <a:pPr algn="ctr"/>
+            <a:r>
+              <a:rPr lang="zh-CN" altLang="en-US" sz="2000" dirty="0">
+                <a:latin typeface="宋体" panose="02010600030101010101" pitchFamily="2" charset="-122"/>
+                <a:ea typeface="宋体" panose="02010600030101010101" pitchFamily="2" charset="-122"/>
+                <a:cs typeface="Times New Roman" panose="02020603050405020304" pitchFamily="18" charset="0"/>
+              </a:rPr>
+              <a:t>假设</a:t>
+            </a:r>
+            <a:r>
+              <a:rPr lang="en-US" sz="2000" dirty="0">
+                <a:latin typeface="宋体" panose="02010600030101010101" pitchFamily="2" charset="-122"/>
+                <a:ea typeface="宋体" panose="02010600030101010101" pitchFamily="2" charset="-122"/>
+                <a:cs typeface="Times New Roman" panose="02020603050405020304" pitchFamily="18" charset="0"/>
+              </a:rPr>
+              <a:t>4</a:t>
+            </a:r>
+          </a:p>
+        </p:txBody>
+      </p:sp>
+      <p:sp>
+        <p:nvSpPr>
+          <p:cNvPr id="16" name="矩形: 圆角 15">
+            <a:extLst>
+              <a:ext uri="{FF2B5EF4-FFF2-40B4-BE49-F238E27FC236}">
+                <a16:creationId xmlns:a16="http://schemas.microsoft.com/office/drawing/2014/main" id="{8FBD55F6-45B0-E5B1-D81F-76D0F33349C0}"/>
+              </a:ext>
+            </a:extLst>
+          </p:cNvPr>
+          <p:cNvSpPr/>
+          <p:nvPr/>
+        </p:nvSpPr>
+        <p:spPr>
+          <a:xfrm>
+            <a:off x="2229394" y="1724297"/>
+            <a:ext cx="7768045" cy="3326674"/>
+          </a:xfrm>
+          <a:prstGeom prst="roundRect">
+            <a:avLst/>
+          </a:prstGeom>
+          <a:noFill/>
+          <a:ln>
+            <a:solidFill>
+              <a:schemeClr val="tx1"/>
+            </a:solidFill>
+            <a:prstDash val="lgDashDotDot"/>
+          </a:ln>
+        </p:spPr>
+        <p:style>
+          <a:lnRef idx="2">
+            <a:schemeClr val="accent1">
+              <a:shade val="15000"/>
+            </a:schemeClr>
+          </a:lnRef>
+          <a:fillRef idx="1">
+            <a:schemeClr val="accent1"/>
+          </a:fillRef>
+          <a:effectRef idx="0">
+            <a:schemeClr val="accent1"/>
+          </a:effectRef>
+          <a:fontRef idx="minor">
+            <a:schemeClr val="lt1"/>
+          </a:fontRef>
+        </p:style>
+        <p:txBody>
+          <a:bodyPr rtlCol="0" anchor="ctr"/>
+          <a:lstStyle/>
+          <a:p>
+            <a:pPr algn="ctr"/>
+            <a:endParaRPr lang="en-US" sz="2000">
+              <a:latin typeface="宋体" panose="02010600030101010101" pitchFamily="2" charset="-122"/>
+              <a:ea typeface="宋体" panose="02010600030101010101" pitchFamily="2" charset="-122"/>
+            </a:endParaRPr>
+          </a:p>
+        </p:txBody>
+      </p:sp>
+      <p:sp>
+        <p:nvSpPr>
+          <p:cNvPr id="2" name="左大括号 1">
+            <a:extLst>
+              <a:ext uri="{FF2B5EF4-FFF2-40B4-BE49-F238E27FC236}">
+                <a16:creationId xmlns:a16="http://schemas.microsoft.com/office/drawing/2014/main" id="{B8966B75-4557-635B-ECE6-FB21C0D1904D}"/>
+              </a:ext>
+            </a:extLst>
+          </p:cNvPr>
+          <p:cNvSpPr/>
+          <p:nvPr/>
+        </p:nvSpPr>
+        <p:spPr>
+          <a:xfrm rot="5400000">
+            <a:off x="6012769" y="-106092"/>
+            <a:ext cx="170792" cy="4613400"/>
+          </a:xfrm>
+          <a:prstGeom prst="leftBrace">
+            <a:avLst/>
+          </a:prstGeom>
+          <a:ln>
+            <a:solidFill>
+              <a:schemeClr val="tx1"/>
+            </a:solidFill>
+          </a:ln>
+        </p:spPr>
+        <p:style>
+          <a:lnRef idx="1">
+            <a:schemeClr val="accent1"/>
+          </a:lnRef>
+          <a:fillRef idx="0">
+            <a:schemeClr val="accent1"/>
+          </a:fillRef>
+          <a:effectRef idx="0">
+            <a:schemeClr val="accent1"/>
+          </a:effectRef>
+          <a:fontRef idx="minor">
+            <a:schemeClr val="tx1"/>
+          </a:fontRef>
+        </p:style>
+        <p:txBody>
+          <a:bodyPr rtlCol="0" anchor="ctr"/>
+          <a:lstStyle/>
+          <a:p>
+            <a:pPr algn="ctr"/>
+            <a:endParaRPr lang="en-US" sz="2000">
+              <a:latin typeface="宋体" panose="02010600030101010101" pitchFamily="2" charset="-122"/>
+              <a:ea typeface="宋体" panose="02010600030101010101" pitchFamily="2" charset="-122"/>
+            </a:endParaRPr>
+          </a:p>
+        </p:txBody>
+      </p:sp>
+      <p:sp>
+        <p:nvSpPr>
+          <p:cNvPr id="50" name="文本框 49">
+            <a:extLst>
+              <a:ext uri="{FF2B5EF4-FFF2-40B4-BE49-F238E27FC236}">
+                <a16:creationId xmlns:a16="http://schemas.microsoft.com/office/drawing/2014/main" id="{6349524A-0269-EABE-9D4D-74CA9B347FA0}"/>
+              </a:ext>
+            </a:extLst>
+          </p:cNvPr>
+          <p:cNvSpPr txBox="1"/>
+          <p:nvPr/>
+        </p:nvSpPr>
+        <p:spPr>
+          <a:xfrm>
+            <a:off x="3579518" y="2510004"/>
+            <a:ext cx="912185" cy="400110"/>
+          </a:xfrm>
+          <a:prstGeom prst="rect">
+            <a:avLst/>
+          </a:prstGeom>
+          <a:noFill/>
+        </p:spPr>
+        <p:txBody>
+          <a:bodyPr wrap="square" rtlCol="0">
+            <a:spAutoFit/>
+          </a:bodyPr>
+          <a:lstStyle/>
+          <a:p>
+            <a:pPr algn="ctr"/>
+            <a:r>
+              <a:rPr lang="zh-CN" altLang="en-US" sz="2000" dirty="0">
+                <a:latin typeface="宋体" panose="02010600030101010101" pitchFamily="2" charset="-122"/>
+                <a:ea typeface="宋体" panose="02010600030101010101" pitchFamily="2" charset="-122"/>
+                <a:cs typeface="Times New Roman" panose="02020603050405020304" pitchFamily="18" charset="0"/>
+              </a:rPr>
+              <a:t>假设</a:t>
+            </a:r>
+            <a:r>
+              <a:rPr lang="en-US" sz="2000" dirty="0">
+                <a:latin typeface="宋体" panose="02010600030101010101" pitchFamily="2" charset="-122"/>
+                <a:ea typeface="宋体" panose="02010600030101010101" pitchFamily="2" charset="-122"/>
+                <a:cs typeface="Times New Roman" panose="02020603050405020304" pitchFamily="18" charset="0"/>
+              </a:rPr>
+              <a:t>1</a:t>
+            </a:r>
+          </a:p>
+        </p:txBody>
+      </p:sp>
+      <p:sp>
+        <p:nvSpPr>
+          <p:cNvPr id="61" name="左大括号 60">
+            <a:extLst>
+              <a:ext uri="{FF2B5EF4-FFF2-40B4-BE49-F238E27FC236}">
+                <a16:creationId xmlns:a16="http://schemas.microsoft.com/office/drawing/2014/main" id="{94484634-5E36-C144-C5C1-0269E8F05EDB}"/>
+              </a:ext>
+            </a:extLst>
+          </p:cNvPr>
+          <p:cNvSpPr/>
+          <p:nvPr/>
+        </p:nvSpPr>
+        <p:spPr>
+          <a:xfrm rot="16200000">
+            <a:off x="6012597" y="2335060"/>
+            <a:ext cx="170792" cy="4613400"/>
+          </a:xfrm>
+          <a:prstGeom prst="leftBrace">
+            <a:avLst/>
+          </a:prstGeom>
+          <a:ln>
+            <a:solidFill>
+              <a:schemeClr val="tx1"/>
+            </a:solidFill>
+          </a:ln>
+        </p:spPr>
+        <p:style>
+          <a:lnRef idx="1">
+            <a:schemeClr val="accent1"/>
+          </a:lnRef>
+          <a:fillRef idx="0">
+            <a:schemeClr val="accent1"/>
+          </a:fillRef>
+          <a:effectRef idx="0">
+            <a:schemeClr val="accent1"/>
+          </a:effectRef>
+          <a:fontRef idx="minor">
+            <a:schemeClr val="tx1"/>
+          </a:fontRef>
+        </p:style>
+        <p:txBody>
+          <a:bodyPr rtlCol="0" anchor="ctr"/>
+          <a:lstStyle/>
+          <a:p>
+            <a:pPr algn="ctr"/>
+            <a:endParaRPr lang="en-US" sz="2000">
+              <a:latin typeface="宋体" panose="02010600030101010101" pitchFamily="2" charset="-122"/>
+              <a:ea typeface="宋体" panose="02010600030101010101" pitchFamily="2" charset="-122"/>
+            </a:endParaRPr>
+          </a:p>
+        </p:txBody>
+      </p:sp>
+    </p:spTree>
+    <p:extLst>
+      <p:ext uri="{BB962C8B-B14F-4D97-AF65-F5344CB8AC3E}">
+        <p14:creationId xmlns:p14="http://schemas.microsoft.com/office/powerpoint/2010/main" val="4021872205"/>
+      </p:ext>
+    </p:extLst>
+  </p:cSld>
+  <p:clrMapOvr>
+    <a:masterClrMapping/>
+  </p:clrMapOvr>
+</p:sld>
+</file>
+
+<file path=ppt/slides/slide4.xml><?xml version="1.0" encoding="utf-8"?>
+<p:sld xmlns:a="http://schemas.openxmlformats.org/drawingml/2006/main" xmlns:r="http://schemas.openxmlformats.org/officeDocument/2006/relationships" xmlns:p="http://schemas.openxmlformats.org/presentationml/2006/main">
+  <p:cSld>
+    <p:spTree>
+      <p:nvGrpSpPr>
         <p:cNvPr id="1" name="">
           <a:extLst>
             <a:ext uri="{FF2B5EF4-FFF2-40B4-BE49-F238E27FC236}">
@@ -7273,7 +8095,1125 @@
 </p:sld>
 </file>
 
-<file path=ppt/slides/slide4.xml><?xml version="1.0" encoding="utf-8"?>
+<file path=ppt/slides/slide5.xml><?xml version="1.0" encoding="utf-8"?>
+<p:sld xmlns:a="http://schemas.openxmlformats.org/drawingml/2006/main" xmlns:r="http://schemas.openxmlformats.org/officeDocument/2006/relationships" xmlns:p="http://schemas.openxmlformats.org/presentationml/2006/main">
+  <p:cSld>
+    <p:spTree>
+      <p:nvGrpSpPr>
+        <p:cNvPr id="1" name="">
+          <a:extLst>
+            <a:ext uri="{FF2B5EF4-FFF2-40B4-BE49-F238E27FC236}">
+              <a16:creationId xmlns:a16="http://schemas.microsoft.com/office/drawing/2014/main" id="{84E965A4-DBD5-8D6C-29EA-E0AAAEFDAC97}"/>
+            </a:ext>
+          </a:extLst>
+        </p:cNvPr>
+        <p:cNvGrpSpPr/>
+        <p:nvPr/>
+      </p:nvGrpSpPr>
+      <p:grpSpPr>
+        <a:xfrm>
+          <a:off x="0" y="0"/>
+          <a:ext cx="0" cy="0"/>
+          <a:chOff x="0" y="0"/>
+          <a:chExt cx="0" cy="0"/>
+        </a:xfrm>
+      </p:grpSpPr>
+      <p:sp>
+        <p:nvSpPr>
+          <p:cNvPr id="3" name="文本框 2">
+            <a:extLst>
+              <a:ext uri="{FF2B5EF4-FFF2-40B4-BE49-F238E27FC236}">
+                <a16:creationId xmlns:a16="http://schemas.microsoft.com/office/drawing/2014/main" id="{510D13A3-3403-16D7-7F1F-1AAADB911713}"/>
+              </a:ext>
+            </a:extLst>
+          </p:cNvPr>
+          <p:cNvSpPr txBox="1"/>
+          <p:nvPr/>
+        </p:nvSpPr>
+        <p:spPr>
+          <a:xfrm>
+            <a:off x="4731883" y="3161613"/>
+            <a:ext cx="2734492" cy="562630"/>
+          </a:xfrm>
+          <a:prstGeom prst="ellipse">
+            <a:avLst/>
+          </a:prstGeom>
+          <a:noFill/>
+          <a:ln w="19050">
+            <a:solidFill>
+              <a:schemeClr val="tx1"/>
+            </a:solidFill>
+          </a:ln>
+        </p:spPr>
+        <p:txBody>
+          <a:bodyPr wrap="square" rtlCol="0">
+            <a:spAutoFit/>
+          </a:bodyPr>
+          <a:lstStyle/>
+          <a:p>
+            <a:pPr algn="ctr"/>
+            <a:r>
+              <a:rPr lang="zh-CN" altLang="en-US" sz="2000" dirty="0">
+                <a:latin typeface="宋体" panose="02010600030101010101" pitchFamily="2" charset="-122"/>
+                <a:ea typeface="宋体" panose="02010600030101010101" pitchFamily="2" charset="-122"/>
+                <a:cs typeface="Times New Roman" panose="02020603050405020304" pitchFamily="18" charset="0"/>
+              </a:rPr>
+              <a:t>社会比较倾向</a:t>
+            </a:r>
+            <a:endParaRPr lang="en-US" sz="2000" dirty="0">
+              <a:latin typeface="宋体" panose="02010600030101010101" pitchFamily="2" charset="-122"/>
+              <a:ea typeface="宋体" panose="02010600030101010101" pitchFamily="2" charset="-122"/>
+              <a:cs typeface="Times New Roman" panose="02020603050405020304" pitchFamily="18" charset="0"/>
+            </a:endParaRPr>
+          </a:p>
+        </p:txBody>
+      </p:sp>
+      <p:sp>
+        <p:nvSpPr>
+          <p:cNvPr id="4" name="文本框 3">
+            <a:extLst>
+              <a:ext uri="{FF2B5EF4-FFF2-40B4-BE49-F238E27FC236}">
+                <a16:creationId xmlns:a16="http://schemas.microsoft.com/office/drawing/2014/main" id="{8EBE8B31-6079-519D-51C3-AC8A424DC258}"/>
+              </a:ext>
+            </a:extLst>
+          </p:cNvPr>
+          <p:cNvSpPr txBox="1"/>
+          <p:nvPr/>
+        </p:nvSpPr>
+        <p:spPr>
+          <a:xfrm>
+            <a:off x="1816246" y="3003518"/>
+            <a:ext cx="1834953" cy="400110"/>
+          </a:xfrm>
+          <a:prstGeom prst="rect">
+            <a:avLst/>
+          </a:prstGeom>
+          <a:noFill/>
+          <a:ln w="19050">
+            <a:solidFill>
+              <a:schemeClr val="tx1"/>
+            </a:solidFill>
+          </a:ln>
+        </p:spPr>
+        <p:txBody>
+          <a:bodyPr wrap="square" rtlCol="0">
+            <a:spAutoFit/>
+          </a:bodyPr>
+          <a:lstStyle/>
+          <a:p>
+            <a:pPr algn="ctr"/>
+            <a:r>
+              <a:rPr lang="zh-CN" altLang="en-US" sz="2000" dirty="0">
+                <a:latin typeface="宋体" panose="02010600030101010101" pitchFamily="2" charset="-122"/>
+                <a:ea typeface="宋体" panose="02010600030101010101" pitchFamily="2" charset="-122"/>
+                <a:cs typeface="Times New Roman" panose="02020603050405020304" pitchFamily="18" charset="0"/>
+              </a:rPr>
+              <a:t>向上比较频率</a:t>
+            </a:r>
+            <a:endParaRPr lang="en-US" sz="2000" dirty="0">
+              <a:latin typeface="宋体" panose="02010600030101010101" pitchFamily="2" charset="-122"/>
+              <a:ea typeface="宋体" panose="02010600030101010101" pitchFamily="2" charset="-122"/>
+              <a:cs typeface="Times New Roman" panose="02020603050405020304" pitchFamily="18" charset="0"/>
+            </a:endParaRPr>
+          </a:p>
+        </p:txBody>
+      </p:sp>
+      <p:sp>
+        <p:nvSpPr>
+          <p:cNvPr id="5" name="文本框 4">
+            <a:extLst>
+              <a:ext uri="{FF2B5EF4-FFF2-40B4-BE49-F238E27FC236}">
+                <a16:creationId xmlns:a16="http://schemas.microsoft.com/office/drawing/2014/main" id="{F4945696-E86F-D68C-BF46-DB63A5F18A84}"/>
+              </a:ext>
+            </a:extLst>
+          </p:cNvPr>
+          <p:cNvSpPr txBox="1"/>
+          <p:nvPr/>
+        </p:nvSpPr>
+        <p:spPr>
+          <a:xfrm>
+            <a:off x="1816247" y="3465232"/>
+            <a:ext cx="1834954" cy="400110"/>
+          </a:xfrm>
+          <a:prstGeom prst="rect">
+            <a:avLst/>
+          </a:prstGeom>
+          <a:noFill/>
+          <a:ln w="19050">
+            <a:solidFill>
+              <a:schemeClr val="tx1"/>
+            </a:solidFill>
+          </a:ln>
+        </p:spPr>
+        <p:txBody>
+          <a:bodyPr wrap="square" rtlCol="0">
+            <a:spAutoFit/>
+          </a:bodyPr>
+          <a:lstStyle/>
+          <a:p>
+            <a:pPr algn="ctr"/>
+            <a:r>
+              <a:rPr lang="zh-CN" altLang="en-US" sz="2000" dirty="0">
+                <a:latin typeface="宋体" panose="02010600030101010101" pitchFamily="2" charset="-122"/>
+                <a:ea typeface="宋体" panose="02010600030101010101" pitchFamily="2" charset="-122"/>
+                <a:cs typeface="Times New Roman" panose="02020603050405020304" pitchFamily="18" charset="0"/>
+              </a:rPr>
+              <a:t>向下比较频率</a:t>
+            </a:r>
+            <a:endParaRPr lang="en-US" sz="2000" dirty="0">
+              <a:latin typeface="宋体" panose="02010600030101010101" pitchFamily="2" charset="-122"/>
+              <a:ea typeface="宋体" panose="02010600030101010101" pitchFamily="2" charset="-122"/>
+              <a:cs typeface="Times New Roman" panose="02020603050405020304" pitchFamily="18" charset="0"/>
+            </a:endParaRPr>
+          </a:p>
+        </p:txBody>
+      </p:sp>
+      <p:sp>
+        <p:nvSpPr>
+          <p:cNvPr id="8" name="文本框 7">
+            <a:extLst>
+              <a:ext uri="{FF2B5EF4-FFF2-40B4-BE49-F238E27FC236}">
+                <a16:creationId xmlns:a16="http://schemas.microsoft.com/office/drawing/2014/main" id="{10E8CC84-3D9D-EF89-BCFA-4E3C66FEE836}"/>
+              </a:ext>
+            </a:extLst>
+          </p:cNvPr>
+          <p:cNvSpPr txBox="1"/>
+          <p:nvPr/>
+        </p:nvSpPr>
+        <p:spPr>
+          <a:xfrm>
+            <a:off x="8038294" y="3157877"/>
+            <a:ext cx="2057786" cy="562630"/>
+          </a:xfrm>
+          <a:prstGeom prst="ellipse">
+            <a:avLst/>
+          </a:prstGeom>
+          <a:noFill/>
+          <a:ln w="19050">
+            <a:solidFill>
+              <a:schemeClr val="tx1"/>
+            </a:solidFill>
+          </a:ln>
+        </p:spPr>
+        <p:txBody>
+          <a:bodyPr wrap="square" rtlCol="0">
+            <a:spAutoFit/>
+          </a:bodyPr>
+          <a:lstStyle/>
+          <a:p>
+            <a:pPr algn="ctr"/>
+            <a:r>
+              <a:rPr lang="zh-CN" altLang="en-US" sz="2000" dirty="0">
+                <a:latin typeface="宋体" panose="02010600030101010101" pitchFamily="2" charset="-122"/>
+                <a:ea typeface="宋体" panose="02010600030101010101" pitchFamily="2" charset="-122"/>
+                <a:cs typeface="Times New Roman" panose="02020603050405020304" pitchFamily="18" charset="0"/>
+              </a:rPr>
+              <a:t>生活满意度</a:t>
+            </a:r>
+            <a:endParaRPr lang="en-US" sz="2000" dirty="0">
+              <a:latin typeface="宋体" panose="02010600030101010101" pitchFamily="2" charset="-122"/>
+              <a:ea typeface="宋体" panose="02010600030101010101" pitchFamily="2" charset="-122"/>
+              <a:cs typeface="Times New Roman" panose="02020603050405020304" pitchFamily="18" charset="0"/>
+            </a:endParaRPr>
+          </a:p>
+        </p:txBody>
+      </p:sp>
+      <p:cxnSp>
+        <p:nvCxnSpPr>
+          <p:cNvPr id="9" name="直接箭头连接符 8">
+            <a:extLst>
+              <a:ext uri="{FF2B5EF4-FFF2-40B4-BE49-F238E27FC236}">
+                <a16:creationId xmlns:a16="http://schemas.microsoft.com/office/drawing/2014/main" id="{45159B71-B939-C910-BE09-AC804C9ED0C8}"/>
+              </a:ext>
+            </a:extLst>
+          </p:cNvPr>
+          <p:cNvCxnSpPr>
+            <a:cxnSpLocks/>
+            <a:stCxn id="4" idx="3"/>
+            <a:endCxn id="37" idx="2"/>
+          </p:cNvCxnSpPr>
+          <p:nvPr/>
+        </p:nvCxnSpPr>
+        <p:spPr>
+          <a:xfrm flipV="1">
+            <a:off x="3651199" y="2597371"/>
+            <a:ext cx="1094971" cy="606202"/>
+          </a:xfrm>
+          <a:prstGeom prst="straightConnector1">
+            <a:avLst/>
+          </a:prstGeom>
+          <a:ln>
+            <a:solidFill>
+              <a:schemeClr val="tx1"/>
+            </a:solidFill>
+            <a:tailEnd type="triangle"/>
+          </a:ln>
+        </p:spPr>
+        <p:style>
+          <a:lnRef idx="1">
+            <a:schemeClr val="accent1"/>
+          </a:lnRef>
+          <a:fillRef idx="0">
+            <a:schemeClr val="accent1"/>
+          </a:fillRef>
+          <a:effectRef idx="0">
+            <a:schemeClr val="accent1"/>
+          </a:effectRef>
+          <a:fontRef idx="minor">
+            <a:schemeClr val="tx1"/>
+          </a:fontRef>
+        </p:style>
+      </p:cxnSp>
+      <p:cxnSp>
+        <p:nvCxnSpPr>
+          <p:cNvPr id="10" name="直接箭头连接符 9">
+            <a:extLst>
+              <a:ext uri="{FF2B5EF4-FFF2-40B4-BE49-F238E27FC236}">
+                <a16:creationId xmlns:a16="http://schemas.microsoft.com/office/drawing/2014/main" id="{D07AFC0B-7255-042D-691C-8B9EDA60E9D0}"/>
+              </a:ext>
+            </a:extLst>
+          </p:cNvPr>
+          <p:cNvCxnSpPr>
+            <a:cxnSpLocks/>
+            <a:stCxn id="5" idx="3"/>
+            <a:endCxn id="41" idx="2"/>
+          </p:cNvCxnSpPr>
+          <p:nvPr/>
+        </p:nvCxnSpPr>
+        <p:spPr>
+          <a:xfrm>
+            <a:off x="3651201" y="3665287"/>
+            <a:ext cx="1094969" cy="586262"/>
+          </a:xfrm>
+          <a:prstGeom prst="straightConnector1">
+            <a:avLst/>
+          </a:prstGeom>
+          <a:ln>
+            <a:solidFill>
+              <a:schemeClr val="tx1"/>
+            </a:solidFill>
+            <a:tailEnd type="triangle"/>
+          </a:ln>
+        </p:spPr>
+        <p:style>
+          <a:lnRef idx="1">
+            <a:schemeClr val="accent1"/>
+          </a:lnRef>
+          <a:fillRef idx="0">
+            <a:schemeClr val="accent1"/>
+          </a:fillRef>
+          <a:effectRef idx="0">
+            <a:schemeClr val="accent1"/>
+          </a:effectRef>
+          <a:fontRef idx="minor">
+            <a:schemeClr val="tx1"/>
+          </a:fontRef>
+        </p:style>
+      </p:cxnSp>
+      <p:cxnSp>
+        <p:nvCxnSpPr>
+          <p:cNvPr id="11" name="直接箭头连接符 10">
+            <a:extLst>
+              <a:ext uri="{FF2B5EF4-FFF2-40B4-BE49-F238E27FC236}">
+                <a16:creationId xmlns:a16="http://schemas.microsoft.com/office/drawing/2014/main" id="{3DF2291D-F968-9DFD-E695-D4BCE7F7DEAC}"/>
+              </a:ext>
+            </a:extLst>
+          </p:cNvPr>
+          <p:cNvCxnSpPr>
+            <a:cxnSpLocks/>
+            <a:stCxn id="37" idx="6"/>
+            <a:endCxn id="8" idx="0"/>
+          </p:cNvCxnSpPr>
+          <p:nvPr/>
+        </p:nvCxnSpPr>
+        <p:spPr>
+          <a:xfrm>
+            <a:off x="7480662" y="2597371"/>
+            <a:ext cx="1586525" cy="560506"/>
+          </a:xfrm>
+          <a:prstGeom prst="straightConnector1">
+            <a:avLst/>
+          </a:prstGeom>
+          <a:ln>
+            <a:solidFill>
+              <a:schemeClr val="tx1"/>
+            </a:solidFill>
+            <a:tailEnd type="triangle"/>
+          </a:ln>
+        </p:spPr>
+        <p:style>
+          <a:lnRef idx="1">
+            <a:schemeClr val="accent1"/>
+          </a:lnRef>
+          <a:fillRef idx="0">
+            <a:schemeClr val="accent1"/>
+          </a:fillRef>
+          <a:effectRef idx="0">
+            <a:schemeClr val="accent1"/>
+          </a:effectRef>
+          <a:fontRef idx="minor">
+            <a:schemeClr val="tx1"/>
+          </a:fontRef>
+        </p:style>
+      </p:cxnSp>
+      <p:cxnSp>
+        <p:nvCxnSpPr>
+          <p:cNvPr id="12" name="直接箭头连接符 11">
+            <a:extLst>
+              <a:ext uri="{FF2B5EF4-FFF2-40B4-BE49-F238E27FC236}">
+                <a16:creationId xmlns:a16="http://schemas.microsoft.com/office/drawing/2014/main" id="{1EBD2914-3FB2-5350-B7B3-ED18105B32A1}"/>
+              </a:ext>
+            </a:extLst>
+          </p:cNvPr>
+          <p:cNvCxnSpPr>
+            <a:cxnSpLocks/>
+            <a:stCxn id="41" idx="6"/>
+            <a:endCxn id="8" idx="4"/>
+          </p:cNvCxnSpPr>
+          <p:nvPr/>
+        </p:nvCxnSpPr>
+        <p:spPr>
+          <a:xfrm flipV="1">
+            <a:off x="7519283" y="3720507"/>
+            <a:ext cx="1547904" cy="531042"/>
+          </a:xfrm>
+          <a:prstGeom prst="straightConnector1">
+            <a:avLst/>
+          </a:prstGeom>
+          <a:ln>
+            <a:solidFill>
+              <a:schemeClr val="tx1"/>
+            </a:solidFill>
+            <a:tailEnd type="triangle"/>
+          </a:ln>
+        </p:spPr>
+        <p:style>
+          <a:lnRef idx="1">
+            <a:schemeClr val="accent1"/>
+          </a:lnRef>
+          <a:fillRef idx="0">
+            <a:schemeClr val="accent1"/>
+          </a:fillRef>
+          <a:effectRef idx="0">
+            <a:schemeClr val="accent1"/>
+          </a:effectRef>
+          <a:fontRef idx="minor">
+            <a:schemeClr val="tx1"/>
+          </a:fontRef>
+        </p:style>
+      </p:cxnSp>
+      <p:cxnSp>
+        <p:nvCxnSpPr>
+          <p:cNvPr id="13" name="直接箭头连接符 12">
+            <a:extLst>
+              <a:ext uri="{FF2B5EF4-FFF2-40B4-BE49-F238E27FC236}">
+                <a16:creationId xmlns:a16="http://schemas.microsoft.com/office/drawing/2014/main" id="{2394D2B3-231C-7515-031D-DAA5A262521B}"/>
+              </a:ext>
+            </a:extLst>
+          </p:cNvPr>
+          <p:cNvCxnSpPr>
+            <a:cxnSpLocks/>
+            <a:stCxn id="3" idx="1"/>
+            <a:endCxn id="36" idx="2"/>
+          </p:cNvCxnSpPr>
+          <p:nvPr/>
+        </p:nvCxnSpPr>
+        <p:spPr>
+          <a:xfrm flipH="1" flipV="1">
+            <a:off x="4198684" y="2906288"/>
+            <a:ext cx="933656" cy="337720"/>
+          </a:xfrm>
+          <a:prstGeom prst="straightConnector1">
+            <a:avLst/>
+          </a:prstGeom>
+          <a:ln>
+            <a:solidFill>
+              <a:schemeClr val="tx1"/>
+            </a:solidFill>
+            <a:tailEnd type="triangle"/>
+          </a:ln>
+        </p:spPr>
+        <p:style>
+          <a:lnRef idx="1">
+            <a:schemeClr val="accent1"/>
+          </a:lnRef>
+          <a:fillRef idx="0">
+            <a:schemeClr val="accent1"/>
+          </a:fillRef>
+          <a:effectRef idx="0">
+            <a:schemeClr val="accent1"/>
+          </a:effectRef>
+          <a:fontRef idx="minor">
+            <a:schemeClr val="tx1"/>
+          </a:fontRef>
+        </p:style>
+      </p:cxnSp>
+      <p:cxnSp>
+        <p:nvCxnSpPr>
+          <p:cNvPr id="14" name="直接箭头连接符 13">
+            <a:extLst>
+              <a:ext uri="{FF2B5EF4-FFF2-40B4-BE49-F238E27FC236}">
+                <a16:creationId xmlns:a16="http://schemas.microsoft.com/office/drawing/2014/main" id="{FE35A379-D37E-146F-3B4D-278AD4F41E4F}"/>
+              </a:ext>
+            </a:extLst>
+          </p:cNvPr>
+          <p:cNvCxnSpPr>
+            <a:cxnSpLocks/>
+            <a:stCxn id="3" idx="3"/>
+            <a:endCxn id="32" idx="0"/>
+          </p:cNvCxnSpPr>
+          <p:nvPr/>
+        </p:nvCxnSpPr>
+        <p:spPr>
+          <a:xfrm flipH="1">
+            <a:off x="4217685" y="3641848"/>
+            <a:ext cx="914655" cy="333946"/>
+          </a:xfrm>
+          <a:prstGeom prst="straightConnector1">
+            <a:avLst/>
+          </a:prstGeom>
+          <a:ln>
+            <a:solidFill>
+              <a:schemeClr val="tx1"/>
+            </a:solidFill>
+            <a:tailEnd type="triangle"/>
+          </a:ln>
+        </p:spPr>
+        <p:style>
+          <a:lnRef idx="1">
+            <a:schemeClr val="accent1"/>
+          </a:lnRef>
+          <a:fillRef idx="0">
+            <a:schemeClr val="accent1"/>
+          </a:fillRef>
+          <a:effectRef idx="0">
+            <a:schemeClr val="accent1"/>
+          </a:effectRef>
+          <a:fontRef idx="minor">
+            <a:schemeClr val="tx1"/>
+          </a:fontRef>
+        </p:style>
+      </p:cxnSp>
+      <p:sp>
+        <p:nvSpPr>
+          <p:cNvPr id="15" name="文本框 14">
+            <a:extLst>
+              <a:ext uri="{FF2B5EF4-FFF2-40B4-BE49-F238E27FC236}">
+                <a16:creationId xmlns:a16="http://schemas.microsoft.com/office/drawing/2014/main" id="{DED24FA9-9913-0771-98CF-918DA8100408}"/>
+              </a:ext>
+            </a:extLst>
+          </p:cNvPr>
+          <p:cNvSpPr txBox="1"/>
+          <p:nvPr/>
+        </p:nvSpPr>
+        <p:spPr>
+          <a:xfrm>
+            <a:off x="5525589" y="1221509"/>
+            <a:ext cx="1140822" cy="400110"/>
+          </a:xfrm>
+          <a:prstGeom prst="rect">
+            <a:avLst/>
+          </a:prstGeom>
+          <a:noFill/>
+        </p:spPr>
+        <p:txBody>
+          <a:bodyPr wrap="square" rtlCol="0">
+            <a:spAutoFit/>
+          </a:bodyPr>
+          <a:lstStyle/>
+          <a:p>
+            <a:pPr algn="ctr"/>
+            <a:r>
+              <a:rPr lang="zh-CN" altLang="en-US" sz="2000" dirty="0">
+                <a:latin typeface="宋体" panose="02010600030101010101" pitchFamily="2" charset="-122"/>
+                <a:ea typeface="宋体" panose="02010600030101010101" pitchFamily="2" charset="-122"/>
+                <a:cs typeface="Times New Roman" panose="02020603050405020304" pitchFamily="18" charset="0"/>
+              </a:rPr>
+              <a:t>实验</a:t>
+            </a:r>
+            <a:r>
+              <a:rPr lang="en-US" sz="2000" dirty="0">
+                <a:latin typeface="宋体" panose="02010600030101010101" pitchFamily="2" charset="-122"/>
+                <a:ea typeface="宋体" panose="02010600030101010101" pitchFamily="2" charset="-122"/>
+                <a:cs typeface="Times New Roman" panose="02020603050405020304" pitchFamily="18" charset="0"/>
+              </a:rPr>
+              <a:t> 2</a:t>
+            </a:r>
+          </a:p>
+        </p:txBody>
+      </p:sp>
+      <p:sp>
+        <p:nvSpPr>
+          <p:cNvPr id="20" name="文本框 19">
+            <a:extLst>
+              <a:ext uri="{FF2B5EF4-FFF2-40B4-BE49-F238E27FC236}">
+                <a16:creationId xmlns:a16="http://schemas.microsoft.com/office/drawing/2014/main" id="{C4001B15-5C8A-FC5E-27E9-0CDB5753647B}"/>
+              </a:ext>
+            </a:extLst>
+          </p:cNvPr>
+          <p:cNvSpPr txBox="1"/>
+          <p:nvPr/>
+        </p:nvSpPr>
+        <p:spPr>
+          <a:xfrm>
+            <a:off x="3807270" y="2964483"/>
+            <a:ext cx="1094970" cy="400110"/>
+          </a:xfrm>
+          <a:prstGeom prst="rect">
+            <a:avLst/>
+          </a:prstGeom>
+          <a:noFill/>
+        </p:spPr>
+        <p:txBody>
+          <a:bodyPr wrap="square" rtlCol="0">
+            <a:spAutoFit/>
+          </a:bodyPr>
+          <a:lstStyle/>
+          <a:p>
+            <a:pPr algn="ctr"/>
+            <a:r>
+              <a:rPr lang="zh-CN" altLang="en-US" sz="2000" dirty="0">
+                <a:latin typeface="宋体" panose="02010600030101010101" pitchFamily="2" charset="-122"/>
+                <a:ea typeface="宋体" panose="02010600030101010101" pitchFamily="2" charset="-122"/>
+                <a:cs typeface="Times New Roman" panose="02020603050405020304" pitchFamily="18" charset="0"/>
+              </a:rPr>
+              <a:t>假设</a:t>
+            </a:r>
+            <a:r>
+              <a:rPr lang="en-US" sz="2000" dirty="0">
+                <a:latin typeface="宋体" panose="02010600030101010101" pitchFamily="2" charset="-122"/>
+                <a:ea typeface="宋体" panose="02010600030101010101" pitchFamily="2" charset="-122"/>
+                <a:cs typeface="Times New Roman" panose="02020603050405020304" pitchFamily="18" charset="0"/>
+              </a:rPr>
+              <a:t>5a</a:t>
+            </a:r>
+          </a:p>
+        </p:txBody>
+      </p:sp>
+      <p:sp>
+        <p:nvSpPr>
+          <p:cNvPr id="21" name="文本框 20">
+            <a:extLst>
+              <a:ext uri="{FF2B5EF4-FFF2-40B4-BE49-F238E27FC236}">
+                <a16:creationId xmlns:a16="http://schemas.microsoft.com/office/drawing/2014/main" id="{215E1470-EFCA-27AC-E4D1-4E10879B154A}"/>
+              </a:ext>
+            </a:extLst>
+          </p:cNvPr>
+          <p:cNvSpPr txBox="1"/>
+          <p:nvPr/>
+        </p:nvSpPr>
+        <p:spPr>
+          <a:xfrm>
+            <a:off x="3871427" y="3406659"/>
+            <a:ext cx="970435" cy="400110"/>
+          </a:xfrm>
+          <a:prstGeom prst="rect">
+            <a:avLst/>
+          </a:prstGeom>
+          <a:noFill/>
+        </p:spPr>
+        <p:txBody>
+          <a:bodyPr wrap="square" rtlCol="0">
+            <a:spAutoFit/>
+          </a:bodyPr>
+          <a:lstStyle/>
+          <a:p>
+            <a:pPr algn="ctr"/>
+            <a:r>
+              <a:rPr lang="zh-CN" altLang="en-US" sz="2000" dirty="0">
+                <a:latin typeface="宋体" panose="02010600030101010101" pitchFamily="2" charset="-122"/>
+                <a:ea typeface="宋体" panose="02010600030101010101" pitchFamily="2" charset="-122"/>
+                <a:cs typeface="Times New Roman" panose="02020603050405020304" pitchFamily="18" charset="0"/>
+              </a:rPr>
+              <a:t>假设</a:t>
+            </a:r>
+            <a:r>
+              <a:rPr lang="en-US" altLang="zh-CN" sz="2000" dirty="0">
+                <a:latin typeface="宋体" panose="02010600030101010101" pitchFamily="2" charset="-122"/>
+                <a:ea typeface="宋体" panose="02010600030101010101" pitchFamily="2" charset="-122"/>
+                <a:cs typeface="Times New Roman" panose="02020603050405020304" pitchFamily="18" charset="0"/>
+              </a:rPr>
+              <a:t>5b</a:t>
+            </a:r>
+            <a:endParaRPr lang="en-US" sz="2000" dirty="0">
+              <a:latin typeface="宋体" panose="02010600030101010101" pitchFamily="2" charset="-122"/>
+              <a:ea typeface="宋体" panose="02010600030101010101" pitchFamily="2" charset="-122"/>
+              <a:cs typeface="Times New Roman" panose="02020603050405020304" pitchFamily="18" charset="0"/>
+            </a:endParaRPr>
+          </a:p>
+        </p:txBody>
+      </p:sp>
+      <p:sp>
+        <p:nvSpPr>
+          <p:cNvPr id="33" name="矩形: 圆角 32">
+            <a:extLst>
+              <a:ext uri="{FF2B5EF4-FFF2-40B4-BE49-F238E27FC236}">
+                <a16:creationId xmlns:a16="http://schemas.microsoft.com/office/drawing/2014/main" id="{D413A31A-B7D7-B5F2-4E22-99DBCB511FA8}"/>
+              </a:ext>
+            </a:extLst>
+          </p:cNvPr>
+          <p:cNvSpPr/>
+          <p:nvPr/>
+        </p:nvSpPr>
+        <p:spPr>
+          <a:xfrm>
+            <a:off x="1532710" y="1780070"/>
+            <a:ext cx="9135290" cy="3318244"/>
+          </a:xfrm>
+          <a:prstGeom prst="roundRect">
+            <a:avLst/>
+          </a:prstGeom>
+          <a:noFill/>
+          <a:ln>
+            <a:solidFill>
+              <a:schemeClr val="tx1"/>
+            </a:solidFill>
+            <a:prstDash val="lgDashDotDot"/>
+          </a:ln>
+        </p:spPr>
+        <p:style>
+          <a:lnRef idx="2">
+            <a:schemeClr val="accent1">
+              <a:shade val="15000"/>
+            </a:schemeClr>
+          </a:lnRef>
+          <a:fillRef idx="1">
+            <a:schemeClr val="accent1"/>
+          </a:fillRef>
+          <a:effectRef idx="0">
+            <a:schemeClr val="accent1"/>
+          </a:effectRef>
+          <a:fontRef idx="minor">
+            <a:schemeClr val="lt1"/>
+          </a:fontRef>
+        </p:style>
+        <p:txBody>
+          <a:bodyPr rtlCol="0" anchor="ctr"/>
+          <a:lstStyle/>
+          <a:p>
+            <a:pPr algn="ctr"/>
+            <a:endParaRPr lang="en-US" sz="2000">
+              <a:latin typeface="宋体" panose="02010600030101010101" pitchFamily="2" charset="-122"/>
+              <a:ea typeface="宋体" panose="02010600030101010101" pitchFamily="2" charset="-122"/>
+            </a:endParaRPr>
+          </a:p>
+        </p:txBody>
+      </p:sp>
+      <p:sp>
+        <p:nvSpPr>
+          <p:cNvPr id="32" name="文本框 31">
+            <a:extLst>
+              <a:ext uri="{FF2B5EF4-FFF2-40B4-BE49-F238E27FC236}">
+                <a16:creationId xmlns:a16="http://schemas.microsoft.com/office/drawing/2014/main" id="{19889531-47CA-5ED6-33BA-647ADFCBAD8A}"/>
+              </a:ext>
+            </a:extLst>
+          </p:cNvPr>
+          <p:cNvSpPr txBox="1"/>
+          <p:nvPr/>
+        </p:nvSpPr>
+        <p:spPr>
+          <a:xfrm>
+            <a:off x="3775764" y="3975794"/>
+            <a:ext cx="883841" cy="400110"/>
+          </a:xfrm>
+          <a:prstGeom prst="rect">
+            <a:avLst/>
+          </a:prstGeom>
+          <a:noFill/>
+        </p:spPr>
+        <p:txBody>
+          <a:bodyPr wrap="square" rtlCol="0">
+            <a:spAutoFit/>
+          </a:bodyPr>
+          <a:lstStyle/>
+          <a:p>
+            <a:pPr algn="ctr"/>
+            <a:r>
+              <a:rPr lang="zh-CN" altLang="en-US" sz="2000" dirty="0">
+                <a:latin typeface="宋体" panose="02010600030101010101" pitchFamily="2" charset="-122"/>
+                <a:ea typeface="宋体" panose="02010600030101010101" pitchFamily="2" charset="-122"/>
+                <a:cs typeface="Times New Roman" panose="02020603050405020304" pitchFamily="18" charset="0"/>
+              </a:rPr>
+              <a:t>假设</a:t>
+            </a:r>
+            <a:r>
+              <a:rPr lang="en-US" altLang="zh-CN" sz="2000" dirty="0">
+                <a:latin typeface="宋体" panose="02010600030101010101" pitchFamily="2" charset="-122"/>
+                <a:ea typeface="宋体" panose="02010600030101010101" pitchFamily="2" charset="-122"/>
+                <a:cs typeface="Times New Roman" panose="02020603050405020304" pitchFamily="18" charset="0"/>
+              </a:rPr>
+              <a:t>3</a:t>
+            </a:r>
+            <a:endParaRPr lang="en-US" sz="2000" dirty="0">
+              <a:latin typeface="宋体" panose="02010600030101010101" pitchFamily="2" charset="-122"/>
+              <a:ea typeface="宋体" panose="02010600030101010101" pitchFamily="2" charset="-122"/>
+              <a:cs typeface="Times New Roman" panose="02020603050405020304" pitchFamily="18" charset="0"/>
+            </a:endParaRPr>
+          </a:p>
+        </p:txBody>
+      </p:sp>
+      <p:sp>
+        <p:nvSpPr>
+          <p:cNvPr id="34" name="文本框 33">
+            <a:extLst>
+              <a:ext uri="{FF2B5EF4-FFF2-40B4-BE49-F238E27FC236}">
+                <a16:creationId xmlns:a16="http://schemas.microsoft.com/office/drawing/2014/main" id="{29C0A10E-1D43-5B2A-005B-7153A32203EB}"/>
+              </a:ext>
+            </a:extLst>
+          </p:cNvPr>
+          <p:cNvSpPr txBox="1"/>
+          <p:nvPr/>
+        </p:nvSpPr>
+        <p:spPr>
+          <a:xfrm>
+            <a:off x="5650780" y="1733489"/>
+            <a:ext cx="912185" cy="400110"/>
+          </a:xfrm>
+          <a:prstGeom prst="rect">
+            <a:avLst/>
+          </a:prstGeom>
+          <a:noFill/>
+        </p:spPr>
+        <p:txBody>
+          <a:bodyPr wrap="square" rtlCol="0">
+            <a:spAutoFit/>
+          </a:bodyPr>
+          <a:lstStyle/>
+          <a:p>
+            <a:pPr algn="ctr"/>
+            <a:r>
+              <a:rPr lang="zh-CN" altLang="en-US" sz="2000" dirty="0">
+                <a:latin typeface="宋体" panose="02010600030101010101" pitchFamily="2" charset="-122"/>
+                <a:ea typeface="宋体" panose="02010600030101010101" pitchFamily="2" charset="-122"/>
+                <a:cs typeface="Times New Roman" panose="02020603050405020304" pitchFamily="18" charset="0"/>
+              </a:rPr>
+              <a:t>假设</a:t>
+            </a:r>
+            <a:r>
+              <a:rPr lang="en-US" sz="2000" dirty="0">
+                <a:latin typeface="宋体" panose="02010600030101010101" pitchFamily="2" charset="-122"/>
+                <a:ea typeface="宋体" panose="02010600030101010101" pitchFamily="2" charset="-122"/>
+                <a:cs typeface="Times New Roman" panose="02020603050405020304" pitchFamily="18" charset="0"/>
+              </a:rPr>
+              <a:t>2</a:t>
+            </a:r>
+          </a:p>
+        </p:txBody>
+      </p:sp>
+      <p:sp>
+        <p:nvSpPr>
+          <p:cNvPr id="35" name="文本框 34">
+            <a:extLst>
+              <a:ext uri="{FF2B5EF4-FFF2-40B4-BE49-F238E27FC236}">
+                <a16:creationId xmlns:a16="http://schemas.microsoft.com/office/drawing/2014/main" id="{1D48F143-F7CF-8932-358F-1C24EAC87374}"/>
+              </a:ext>
+            </a:extLst>
+          </p:cNvPr>
+          <p:cNvSpPr txBox="1"/>
+          <p:nvPr/>
+        </p:nvSpPr>
+        <p:spPr>
+          <a:xfrm>
+            <a:off x="5635552" y="4650861"/>
+            <a:ext cx="912183" cy="400110"/>
+          </a:xfrm>
+          <a:prstGeom prst="rect">
+            <a:avLst/>
+          </a:prstGeom>
+          <a:noFill/>
+        </p:spPr>
+        <p:txBody>
+          <a:bodyPr wrap="square" rtlCol="0">
+            <a:spAutoFit/>
+          </a:bodyPr>
+          <a:lstStyle/>
+          <a:p>
+            <a:pPr algn="ctr"/>
+            <a:r>
+              <a:rPr lang="zh-CN" altLang="en-US" sz="2000" dirty="0">
+                <a:latin typeface="宋体" panose="02010600030101010101" pitchFamily="2" charset="-122"/>
+                <a:ea typeface="宋体" panose="02010600030101010101" pitchFamily="2" charset="-122"/>
+                <a:cs typeface="Times New Roman" panose="02020603050405020304" pitchFamily="18" charset="0"/>
+              </a:rPr>
+              <a:t>假设</a:t>
+            </a:r>
+            <a:r>
+              <a:rPr lang="en-US" sz="2000" dirty="0">
+                <a:latin typeface="宋体" panose="02010600030101010101" pitchFamily="2" charset="-122"/>
+                <a:ea typeface="宋体" panose="02010600030101010101" pitchFamily="2" charset="-122"/>
+                <a:cs typeface="Times New Roman" panose="02020603050405020304" pitchFamily="18" charset="0"/>
+              </a:rPr>
+              <a:t>4</a:t>
+            </a:r>
+          </a:p>
+        </p:txBody>
+      </p:sp>
+      <p:sp>
+        <p:nvSpPr>
+          <p:cNvPr id="36" name="文本框 35">
+            <a:extLst>
+              <a:ext uri="{FF2B5EF4-FFF2-40B4-BE49-F238E27FC236}">
+                <a16:creationId xmlns:a16="http://schemas.microsoft.com/office/drawing/2014/main" id="{A4DE2410-40FC-0CE5-CA6A-380AC0B0DFCC}"/>
+              </a:ext>
+            </a:extLst>
+          </p:cNvPr>
+          <p:cNvSpPr txBox="1"/>
+          <p:nvPr/>
+        </p:nvSpPr>
+        <p:spPr>
+          <a:xfrm>
+            <a:off x="3742591" y="2506178"/>
+            <a:ext cx="912185" cy="400110"/>
+          </a:xfrm>
+          <a:prstGeom prst="rect">
+            <a:avLst/>
+          </a:prstGeom>
+          <a:noFill/>
+        </p:spPr>
+        <p:txBody>
+          <a:bodyPr wrap="square" rtlCol="0">
+            <a:spAutoFit/>
+          </a:bodyPr>
+          <a:lstStyle/>
+          <a:p>
+            <a:pPr algn="ctr"/>
+            <a:r>
+              <a:rPr lang="zh-CN" altLang="en-US" sz="2000" dirty="0">
+                <a:latin typeface="宋体" panose="02010600030101010101" pitchFamily="2" charset="-122"/>
+                <a:ea typeface="宋体" panose="02010600030101010101" pitchFamily="2" charset="-122"/>
+                <a:cs typeface="Times New Roman" panose="02020603050405020304" pitchFamily="18" charset="0"/>
+              </a:rPr>
+              <a:t>假设</a:t>
+            </a:r>
+            <a:r>
+              <a:rPr lang="en-US" sz="2000" dirty="0">
+                <a:latin typeface="宋体" panose="02010600030101010101" pitchFamily="2" charset="-122"/>
+                <a:ea typeface="宋体" panose="02010600030101010101" pitchFamily="2" charset="-122"/>
+                <a:cs typeface="Times New Roman" panose="02020603050405020304" pitchFamily="18" charset="0"/>
+              </a:rPr>
+              <a:t>1</a:t>
+            </a:r>
+          </a:p>
+        </p:txBody>
+      </p:sp>
+      <p:sp>
+        <p:nvSpPr>
+          <p:cNvPr id="37" name="文本框 36">
+            <a:extLst>
+              <a:ext uri="{FF2B5EF4-FFF2-40B4-BE49-F238E27FC236}">
+                <a16:creationId xmlns:a16="http://schemas.microsoft.com/office/drawing/2014/main" id="{7E7C28F1-E3E1-12FF-B8A8-00656335D32D}"/>
+              </a:ext>
+            </a:extLst>
+          </p:cNvPr>
+          <p:cNvSpPr txBox="1"/>
+          <p:nvPr/>
+        </p:nvSpPr>
+        <p:spPr>
+          <a:xfrm>
+            <a:off x="4746170" y="2316056"/>
+            <a:ext cx="2734492" cy="562630"/>
+          </a:xfrm>
+          <a:prstGeom prst="ellipse">
+            <a:avLst/>
+          </a:prstGeom>
+          <a:noFill/>
+          <a:ln w="19050">
+            <a:solidFill>
+              <a:schemeClr val="tx1"/>
+            </a:solidFill>
+          </a:ln>
+        </p:spPr>
+        <p:txBody>
+          <a:bodyPr wrap="square" rtlCol="0">
+            <a:spAutoFit/>
+          </a:bodyPr>
+          <a:lstStyle/>
+          <a:p>
+            <a:pPr algn="ctr"/>
+            <a:r>
+              <a:rPr lang="zh-CN" altLang="en-US" sz="2000" dirty="0">
+                <a:latin typeface="宋体" panose="02010600030101010101" pitchFamily="2" charset="-122"/>
+                <a:ea typeface="宋体" panose="02010600030101010101" pitchFamily="2" charset="-122"/>
+                <a:cs typeface="Times New Roman" panose="02020603050405020304" pitchFamily="18" charset="0"/>
+              </a:rPr>
+              <a:t>相对剥夺感</a:t>
+            </a:r>
+            <a:endParaRPr lang="en-US" sz="2000" dirty="0">
+              <a:latin typeface="宋体" panose="02010600030101010101" pitchFamily="2" charset="-122"/>
+              <a:ea typeface="宋体" panose="02010600030101010101" pitchFamily="2" charset="-122"/>
+              <a:cs typeface="Times New Roman" panose="02020603050405020304" pitchFamily="18" charset="0"/>
+            </a:endParaRPr>
+          </a:p>
+        </p:txBody>
+      </p:sp>
+      <p:sp>
+        <p:nvSpPr>
+          <p:cNvPr id="41" name="文本框 40">
+            <a:extLst>
+              <a:ext uri="{FF2B5EF4-FFF2-40B4-BE49-F238E27FC236}">
+                <a16:creationId xmlns:a16="http://schemas.microsoft.com/office/drawing/2014/main" id="{2692A946-3704-13D1-DF4A-FD76248FD440}"/>
+              </a:ext>
+            </a:extLst>
+          </p:cNvPr>
+          <p:cNvSpPr txBox="1"/>
+          <p:nvPr/>
+        </p:nvSpPr>
+        <p:spPr>
+          <a:xfrm>
+            <a:off x="4746170" y="3970234"/>
+            <a:ext cx="2773113" cy="562630"/>
+          </a:xfrm>
+          <a:prstGeom prst="ellipse">
+            <a:avLst/>
+          </a:prstGeom>
+          <a:noFill/>
+          <a:ln w="19050">
+            <a:solidFill>
+              <a:schemeClr val="tx1"/>
+            </a:solidFill>
+          </a:ln>
+        </p:spPr>
+        <p:txBody>
+          <a:bodyPr wrap="square" rtlCol="0">
+            <a:spAutoFit/>
+          </a:bodyPr>
+          <a:lstStyle/>
+          <a:p>
+            <a:pPr algn="ctr"/>
+            <a:r>
+              <a:rPr lang="zh-CN" altLang="en-US" sz="2000" dirty="0">
+                <a:latin typeface="宋体" panose="02010600030101010101" pitchFamily="2" charset="-122"/>
+                <a:ea typeface="宋体" panose="02010600030101010101" pitchFamily="2" charset="-122"/>
+                <a:cs typeface="Times New Roman" panose="02020603050405020304" pitchFamily="18" charset="0"/>
+              </a:rPr>
+              <a:t>感知到的优越感</a:t>
+            </a:r>
+            <a:endParaRPr lang="en-US" sz="2000" dirty="0">
+              <a:latin typeface="宋体" panose="02010600030101010101" pitchFamily="2" charset="-122"/>
+              <a:ea typeface="宋体" panose="02010600030101010101" pitchFamily="2" charset="-122"/>
+              <a:cs typeface="Times New Roman" panose="02020603050405020304" pitchFamily="18" charset="0"/>
+            </a:endParaRPr>
+          </a:p>
+        </p:txBody>
+      </p:sp>
+      <p:sp>
+        <p:nvSpPr>
+          <p:cNvPr id="47" name="左大括号 46">
+            <a:extLst>
+              <a:ext uri="{FF2B5EF4-FFF2-40B4-BE49-F238E27FC236}">
+                <a16:creationId xmlns:a16="http://schemas.microsoft.com/office/drawing/2014/main" id="{64D0ACD9-CDAE-7419-A99A-DDA2759A2206}"/>
+              </a:ext>
+            </a:extLst>
+          </p:cNvPr>
+          <p:cNvSpPr/>
+          <p:nvPr/>
+        </p:nvSpPr>
+        <p:spPr>
+          <a:xfrm rot="5400000">
+            <a:off x="6012769" y="-106092"/>
+            <a:ext cx="170792" cy="4613400"/>
+          </a:xfrm>
+          <a:prstGeom prst="leftBrace">
+            <a:avLst/>
+          </a:prstGeom>
+          <a:ln>
+            <a:solidFill>
+              <a:schemeClr val="tx1"/>
+            </a:solidFill>
+          </a:ln>
+        </p:spPr>
+        <p:style>
+          <a:lnRef idx="1">
+            <a:schemeClr val="accent1"/>
+          </a:lnRef>
+          <a:fillRef idx="0">
+            <a:schemeClr val="accent1"/>
+          </a:fillRef>
+          <a:effectRef idx="0">
+            <a:schemeClr val="accent1"/>
+          </a:effectRef>
+          <a:fontRef idx="minor">
+            <a:schemeClr val="tx1"/>
+          </a:fontRef>
+        </p:style>
+        <p:txBody>
+          <a:bodyPr rtlCol="0" anchor="ctr"/>
+          <a:lstStyle/>
+          <a:p>
+            <a:pPr algn="ctr"/>
+            <a:endParaRPr lang="en-US" sz="2000">
+              <a:latin typeface="宋体" panose="02010600030101010101" pitchFamily="2" charset="-122"/>
+              <a:ea typeface="宋体" panose="02010600030101010101" pitchFamily="2" charset="-122"/>
+            </a:endParaRPr>
+          </a:p>
+        </p:txBody>
+      </p:sp>
+      <p:sp>
+        <p:nvSpPr>
+          <p:cNvPr id="48" name="左大括号 47">
+            <a:extLst>
+              <a:ext uri="{FF2B5EF4-FFF2-40B4-BE49-F238E27FC236}">
+                <a16:creationId xmlns:a16="http://schemas.microsoft.com/office/drawing/2014/main" id="{2D0C185F-6F37-35AA-3BE0-09275AF59475}"/>
+              </a:ext>
+            </a:extLst>
+          </p:cNvPr>
+          <p:cNvSpPr/>
+          <p:nvPr/>
+        </p:nvSpPr>
+        <p:spPr>
+          <a:xfrm rot="16200000">
+            <a:off x="6012597" y="2335060"/>
+            <a:ext cx="170792" cy="4613400"/>
+          </a:xfrm>
+          <a:prstGeom prst="leftBrace">
+            <a:avLst/>
+          </a:prstGeom>
+          <a:ln>
+            <a:solidFill>
+              <a:schemeClr val="tx1"/>
+            </a:solidFill>
+          </a:ln>
+        </p:spPr>
+        <p:style>
+          <a:lnRef idx="1">
+            <a:schemeClr val="accent1"/>
+          </a:lnRef>
+          <a:fillRef idx="0">
+            <a:schemeClr val="accent1"/>
+          </a:fillRef>
+          <a:effectRef idx="0">
+            <a:schemeClr val="accent1"/>
+          </a:effectRef>
+          <a:fontRef idx="minor">
+            <a:schemeClr val="tx1"/>
+          </a:fontRef>
+        </p:style>
+        <p:txBody>
+          <a:bodyPr rtlCol="0" anchor="ctr"/>
+          <a:lstStyle/>
+          <a:p>
+            <a:pPr algn="ctr"/>
+            <a:endParaRPr lang="en-US" sz="2000">
+              <a:latin typeface="宋体" panose="02010600030101010101" pitchFamily="2" charset="-122"/>
+              <a:ea typeface="宋体" panose="02010600030101010101" pitchFamily="2" charset="-122"/>
+            </a:endParaRPr>
+          </a:p>
+        </p:txBody>
+      </p:sp>
+    </p:spTree>
+    <p:extLst>
+      <p:ext uri="{BB962C8B-B14F-4D97-AF65-F5344CB8AC3E}">
+        <p14:creationId xmlns:p14="http://schemas.microsoft.com/office/powerpoint/2010/main" val="3585874821"/>
+      </p:ext>
+    </p:extLst>
+  </p:cSld>
+  <p:clrMapOvr>
+    <a:masterClrMapping/>
+  </p:clrMapOvr>
+</p:sld>
+</file>
+
+<file path=ppt/slides/slide6.xml><?xml version="1.0" encoding="utf-8"?>
 <p:sld xmlns:a="http://schemas.openxmlformats.org/drawingml/2006/main" xmlns:r="http://schemas.openxmlformats.org/officeDocument/2006/relationships" xmlns:p="http://schemas.openxmlformats.org/presentationml/2006/main">
   <p:cSld>
     <p:spTree>
@@ -8056,6 +9996,875 @@
     <p:extLst>
       <p:ext uri="{BB962C8B-B14F-4D97-AF65-F5344CB8AC3E}">
         <p14:creationId xmlns:p14="http://schemas.microsoft.com/office/powerpoint/2010/main" val="1468753750"/>
+      </p:ext>
+    </p:extLst>
+  </p:cSld>
+  <p:clrMapOvr>
+    <a:masterClrMapping/>
+  </p:clrMapOvr>
+</p:sld>
+</file>
+
+<file path=ppt/slides/slide7.xml><?xml version="1.0" encoding="utf-8"?>
+<p:sld xmlns:a="http://schemas.openxmlformats.org/drawingml/2006/main" xmlns:r="http://schemas.openxmlformats.org/officeDocument/2006/relationships" xmlns:p="http://schemas.openxmlformats.org/presentationml/2006/main">
+  <p:cSld>
+    <p:spTree>
+      <p:nvGrpSpPr>
+        <p:cNvPr id="1" name="">
+          <a:extLst>
+            <a:ext uri="{FF2B5EF4-FFF2-40B4-BE49-F238E27FC236}">
+              <a16:creationId xmlns:a16="http://schemas.microsoft.com/office/drawing/2014/main" id="{51286D5C-333C-1375-1508-C0ED6064CEB7}"/>
+            </a:ext>
+          </a:extLst>
+        </p:cNvPr>
+        <p:cNvGrpSpPr/>
+        <p:nvPr/>
+      </p:nvGrpSpPr>
+      <p:grpSpPr>
+        <a:xfrm>
+          <a:off x="0" y="0"/>
+          <a:ext cx="0" cy="0"/>
+          <a:chOff x="0" y="0"/>
+          <a:chExt cx="0" cy="0"/>
+        </a:xfrm>
+      </p:grpSpPr>
+      <p:sp>
+        <p:nvSpPr>
+          <p:cNvPr id="22" name="文本框 21">
+            <a:extLst>
+              <a:ext uri="{FF2B5EF4-FFF2-40B4-BE49-F238E27FC236}">
+                <a16:creationId xmlns:a16="http://schemas.microsoft.com/office/drawing/2014/main" id="{95005F2E-ACB1-7340-51AB-2727FAC5C723}"/>
+              </a:ext>
+            </a:extLst>
+          </p:cNvPr>
+          <p:cNvSpPr txBox="1"/>
+          <p:nvPr/>
+        </p:nvSpPr>
+        <p:spPr>
+          <a:xfrm>
+            <a:off x="2154972" y="2217722"/>
+            <a:ext cx="1720342" cy="562630"/>
+          </a:xfrm>
+          <a:prstGeom prst="ellipse">
+            <a:avLst/>
+          </a:prstGeom>
+          <a:noFill/>
+          <a:ln w="19050">
+            <a:solidFill>
+              <a:schemeClr val="tx1"/>
+            </a:solidFill>
+          </a:ln>
+        </p:spPr>
+        <p:txBody>
+          <a:bodyPr wrap="square" rtlCol="0">
+            <a:spAutoFit/>
+          </a:bodyPr>
+          <a:lstStyle/>
+          <a:p>
+            <a:pPr algn="ctr"/>
+            <a:r>
+              <a:rPr lang="zh-CN" altLang="en-US" sz="2000" dirty="0">
+                <a:latin typeface="宋体" panose="02010600030101010101" pitchFamily="2" charset="-122"/>
+                <a:ea typeface="宋体" panose="02010600030101010101" pitchFamily="2" charset="-122"/>
+                <a:cs typeface="Times New Roman" panose="02020603050405020304" pitchFamily="18" charset="0"/>
+              </a:rPr>
+              <a:t>向上认同</a:t>
+            </a:r>
+            <a:endParaRPr lang="en-US" sz="2000" dirty="0">
+              <a:latin typeface="宋体" panose="02010600030101010101" pitchFamily="2" charset="-122"/>
+              <a:ea typeface="宋体" panose="02010600030101010101" pitchFamily="2" charset="-122"/>
+              <a:cs typeface="Times New Roman" panose="02020603050405020304" pitchFamily="18" charset="0"/>
+            </a:endParaRPr>
+          </a:p>
+        </p:txBody>
+      </p:sp>
+      <p:sp>
+        <p:nvSpPr>
+          <p:cNvPr id="23" name="文本框 22">
+            <a:extLst>
+              <a:ext uri="{FF2B5EF4-FFF2-40B4-BE49-F238E27FC236}">
+                <a16:creationId xmlns:a16="http://schemas.microsoft.com/office/drawing/2014/main" id="{0499F324-9032-ADA2-7DA2-3BD71F5240C3}"/>
+              </a:ext>
+            </a:extLst>
+          </p:cNvPr>
+          <p:cNvSpPr txBox="1"/>
+          <p:nvPr/>
+        </p:nvSpPr>
+        <p:spPr>
+          <a:xfrm>
+            <a:off x="2154973" y="2848952"/>
+            <a:ext cx="1720341" cy="562630"/>
+          </a:xfrm>
+          <a:prstGeom prst="ellipse">
+            <a:avLst/>
+          </a:prstGeom>
+          <a:noFill/>
+          <a:ln w="19050">
+            <a:solidFill>
+              <a:schemeClr val="tx1"/>
+            </a:solidFill>
+          </a:ln>
+        </p:spPr>
+        <p:txBody>
+          <a:bodyPr wrap="square" rtlCol="0">
+            <a:spAutoFit/>
+          </a:bodyPr>
+          <a:lstStyle/>
+          <a:p>
+            <a:pPr algn="ctr"/>
+            <a:r>
+              <a:rPr lang="zh-CN" altLang="en-US" sz="2000" dirty="0">
+                <a:latin typeface="宋体" panose="02010600030101010101" pitchFamily="2" charset="-122"/>
+                <a:ea typeface="宋体" panose="02010600030101010101" pitchFamily="2" charset="-122"/>
+                <a:cs typeface="Times New Roman" panose="02020603050405020304" pitchFamily="18" charset="0"/>
+              </a:rPr>
+              <a:t>向上对比</a:t>
+            </a:r>
+            <a:endParaRPr lang="en-US" sz="2000" dirty="0">
+              <a:latin typeface="宋体" panose="02010600030101010101" pitchFamily="2" charset="-122"/>
+              <a:ea typeface="宋体" panose="02010600030101010101" pitchFamily="2" charset="-122"/>
+              <a:cs typeface="Times New Roman" panose="02020603050405020304" pitchFamily="18" charset="0"/>
+            </a:endParaRPr>
+          </a:p>
+        </p:txBody>
+      </p:sp>
+      <p:sp>
+        <p:nvSpPr>
+          <p:cNvPr id="24" name="文本框 23">
+            <a:extLst>
+              <a:ext uri="{FF2B5EF4-FFF2-40B4-BE49-F238E27FC236}">
+                <a16:creationId xmlns:a16="http://schemas.microsoft.com/office/drawing/2014/main" id="{9655D2D3-DAE3-52B1-7715-E73B8680544F}"/>
+              </a:ext>
+            </a:extLst>
+          </p:cNvPr>
+          <p:cNvSpPr txBox="1"/>
+          <p:nvPr/>
+        </p:nvSpPr>
+        <p:spPr>
+          <a:xfrm>
+            <a:off x="2126637" y="4059156"/>
+            <a:ext cx="1720342" cy="562630"/>
+          </a:xfrm>
+          <a:prstGeom prst="ellipse">
+            <a:avLst/>
+          </a:prstGeom>
+          <a:noFill/>
+          <a:ln w="19050">
+            <a:solidFill>
+              <a:schemeClr val="tx1"/>
+            </a:solidFill>
+          </a:ln>
+        </p:spPr>
+        <p:txBody>
+          <a:bodyPr wrap="square" rtlCol="0">
+            <a:spAutoFit/>
+          </a:bodyPr>
+          <a:lstStyle/>
+          <a:p>
+            <a:pPr algn="ctr"/>
+            <a:r>
+              <a:rPr lang="zh-CN" altLang="en-US" sz="2000" dirty="0">
+                <a:latin typeface="宋体" panose="02010600030101010101" pitchFamily="2" charset="-122"/>
+                <a:ea typeface="宋体" panose="02010600030101010101" pitchFamily="2" charset="-122"/>
+                <a:cs typeface="Times New Roman" panose="02020603050405020304" pitchFamily="18" charset="0"/>
+              </a:rPr>
+              <a:t>向下认同</a:t>
+            </a:r>
+            <a:endParaRPr lang="en-US" sz="2000" dirty="0">
+              <a:latin typeface="宋体" panose="02010600030101010101" pitchFamily="2" charset="-122"/>
+              <a:ea typeface="宋体" panose="02010600030101010101" pitchFamily="2" charset="-122"/>
+              <a:cs typeface="Times New Roman" panose="02020603050405020304" pitchFamily="18" charset="0"/>
+            </a:endParaRPr>
+          </a:p>
+        </p:txBody>
+      </p:sp>
+      <p:sp>
+        <p:nvSpPr>
+          <p:cNvPr id="25" name="文本框 24">
+            <a:extLst>
+              <a:ext uri="{FF2B5EF4-FFF2-40B4-BE49-F238E27FC236}">
+                <a16:creationId xmlns:a16="http://schemas.microsoft.com/office/drawing/2014/main" id="{CCC22BAF-C5AB-031B-9CA6-F3559945F93F}"/>
+              </a:ext>
+            </a:extLst>
+          </p:cNvPr>
+          <p:cNvSpPr txBox="1"/>
+          <p:nvPr/>
+        </p:nvSpPr>
+        <p:spPr>
+          <a:xfrm>
+            <a:off x="2154968" y="3450535"/>
+            <a:ext cx="1720341" cy="562630"/>
+          </a:xfrm>
+          <a:prstGeom prst="ellipse">
+            <a:avLst/>
+          </a:prstGeom>
+          <a:noFill/>
+          <a:ln w="19050">
+            <a:solidFill>
+              <a:schemeClr val="tx1"/>
+            </a:solidFill>
+          </a:ln>
+        </p:spPr>
+        <p:txBody>
+          <a:bodyPr wrap="square" rtlCol="0">
+            <a:spAutoFit/>
+          </a:bodyPr>
+          <a:lstStyle/>
+          <a:p>
+            <a:pPr algn="ctr"/>
+            <a:r>
+              <a:rPr lang="zh-CN" altLang="en-US" sz="2000" dirty="0">
+                <a:latin typeface="宋体" panose="02010600030101010101" pitchFamily="2" charset="-122"/>
+                <a:ea typeface="宋体" panose="02010600030101010101" pitchFamily="2" charset="-122"/>
+                <a:cs typeface="Times New Roman" panose="02020603050405020304" pitchFamily="18" charset="0"/>
+              </a:rPr>
+              <a:t>向下对比</a:t>
+            </a:r>
+            <a:endParaRPr lang="en-US" sz="2000" dirty="0">
+              <a:latin typeface="宋体" panose="02010600030101010101" pitchFamily="2" charset="-122"/>
+              <a:ea typeface="宋体" panose="02010600030101010101" pitchFamily="2" charset="-122"/>
+              <a:cs typeface="Times New Roman" panose="02020603050405020304" pitchFamily="18" charset="0"/>
+            </a:endParaRPr>
+          </a:p>
+        </p:txBody>
+      </p:sp>
+      <p:cxnSp>
+        <p:nvCxnSpPr>
+          <p:cNvPr id="26" name="直接箭头连接符 25">
+            <a:extLst>
+              <a:ext uri="{FF2B5EF4-FFF2-40B4-BE49-F238E27FC236}">
+                <a16:creationId xmlns:a16="http://schemas.microsoft.com/office/drawing/2014/main" id="{AD308A1A-2C75-4ADA-F3A7-96B197C9809A}"/>
+              </a:ext>
+            </a:extLst>
+          </p:cNvPr>
+          <p:cNvCxnSpPr>
+            <a:cxnSpLocks/>
+            <a:stCxn id="3" idx="6"/>
+            <a:endCxn id="2" idx="1"/>
+          </p:cNvCxnSpPr>
+          <p:nvPr/>
+        </p:nvCxnSpPr>
+        <p:spPr>
+          <a:xfrm>
+            <a:off x="7480662" y="2493650"/>
+            <a:ext cx="946074" cy="736430"/>
+          </a:xfrm>
+          <a:prstGeom prst="straightConnector1">
+            <a:avLst/>
+          </a:prstGeom>
+          <a:ln>
+            <a:solidFill>
+              <a:schemeClr val="tx1"/>
+            </a:solidFill>
+            <a:tailEnd type="triangle"/>
+          </a:ln>
+        </p:spPr>
+        <p:style>
+          <a:lnRef idx="1">
+            <a:schemeClr val="accent1"/>
+          </a:lnRef>
+          <a:fillRef idx="0">
+            <a:schemeClr val="accent1"/>
+          </a:fillRef>
+          <a:effectRef idx="0">
+            <a:schemeClr val="accent1"/>
+          </a:effectRef>
+          <a:fontRef idx="minor">
+            <a:schemeClr val="tx1"/>
+          </a:fontRef>
+        </p:style>
+      </p:cxnSp>
+      <p:cxnSp>
+        <p:nvCxnSpPr>
+          <p:cNvPr id="27" name="直接箭头连接符 26">
+            <a:extLst>
+              <a:ext uri="{FF2B5EF4-FFF2-40B4-BE49-F238E27FC236}">
+                <a16:creationId xmlns:a16="http://schemas.microsoft.com/office/drawing/2014/main" id="{58B882CF-5C09-F99F-F178-21D09FF8FF12}"/>
+              </a:ext>
+            </a:extLst>
+          </p:cNvPr>
+          <p:cNvCxnSpPr>
+            <a:cxnSpLocks/>
+            <a:stCxn id="4" idx="6"/>
+            <a:endCxn id="2" idx="3"/>
+          </p:cNvCxnSpPr>
+          <p:nvPr/>
+        </p:nvCxnSpPr>
+        <p:spPr>
+          <a:xfrm flipV="1">
+            <a:off x="7519282" y="3627920"/>
+            <a:ext cx="907454" cy="736431"/>
+          </a:xfrm>
+          <a:prstGeom prst="straightConnector1">
+            <a:avLst/>
+          </a:prstGeom>
+          <a:ln>
+            <a:solidFill>
+              <a:schemeClr val="tx1"/>
+            </a:solidFill>
+            <a:tailEnd type="triangle"/>
+          </a:ln>
+        </p:spPr>
+        <p:style>
+          <a:lnRef idx="1">
+            <a:schemeClr val="accent1"/>
+          </a:lnRef>
+          <a:fillRef idx="0">
+            <a:schemeClr val="accent1"/>
+          </a:fillRef>
+          <a:effectRef idx="0">
+            <a:schemeClr val="accent1"/>
+          </a:effectRef>
+          <a:fontRef idx="minor">
+            <a:schemeClr val="tx1"/>
+          </a:fontRef>
+        </p:style>
+      </p:cxnSp>
+      <p:cxnSp>
+        <p:nvCxnSpPr>
+          <p:cNvPr id="28" name="直接箭头连接符 27">
+            <a:extLst>
+              <a:ext uri="{FF2B5EF4-FFF2-40B4-BE49-F238E27FC236}">
+                <a16:creationId xmlns:a16="http://schemas.microsoft.com/office/drawing/2014/main" id="{3002260A-93D9-A7D2-4415-284E7AB13E85}"/>
+              </a:ext>
+            </a:extLst>
+          </p:cNvPr>
+          <p:cNvCxnSpPr>
+            <a:cxnSpLocks/>
+            <a:stCxn id="23" idx="6"/>
+            <a:endCxn id="3" idx="2"/>
+          </p:cNvCxnSpPr>
+          <p:nvPr/>
+        </p:nvCxnSpPr>
+        <p:spPr>
+          <a:xfrm flipV="1">
+            <a:off x="3875314" y="2493650"/>
+            <a:ext cx="870856" cy="636617"/>
+          </a:xfrm>
+          <a:prstGeom prst="straightConnector1">
+            <a:avLst/>
+          </a:prstGeom>
+          <a:ln>
+            <a:solidFill>
+              <a:schemeClr val="tx1"/>
+            </a:solidFill>
+            <a:tailEnd type="triangle"/>
+          </a:ln>
+        </p:spPr>
+        <p:style>
+          <a:lnRef idx="1">
+            <a:schemeClr val="accent1"/>
+          </a:lnRef>
+          <a:fillRef idx="0">
+            <a:schemeClr val="accent1"/>
+          </a:fillRef>
+          <a:effectRef idx="0">
+            <a:schemeClr val="accent1"/>
+          </a:effectRef>
+          <a:fontRef idx="minor">
+            <a:schemeClr val="tx1"/>
+          </a:fontRef>
+        </p:style>
+      </p:cxnSp>
+      <p:cxnSp>
+        <p:nvCxnSpPr>
+          <p:cNvPr id="29" name="直接箭头连接符 28">
+            <a:extLst>
+              <a:ext uri="{FF2B5EF4-FFF2-40B4-BE49-F238E27FC236}">
+                <a16:creationId xmlns:a16="http://schemas.microsoft.com/office/drawing/2014/main" id="{6D109601-0AC8-8A6F-4FD0-66E922F5FC9C}"/>
+              </a:ext>
+            </a:extLst>
+          </p:cNvPr>
+          <p:cNvCxnSpPr>
+            <a:cxnSpLocks/>
+            <a:stCxn id="25" idx="6"/>
+            <a:endCxn id="4" idx="2"/>
+          </p:cNvCxnSpPr>
+          <p:nvPr/>
+        </p:nvCxnSpPr>
+        <p:spPr>
+          <a:xfrm>
+            <a:off x="3875309" y="3731850"/>
+            <a:ext cx="870860" cy="632501"/>
+          </a:xfrm>
+          <a:prstGeom prst="straightConnector1">
+            <a:avLst/>
+          </a:prstGeom>
+          <a:ln>
+            <a:solidFill>
+              <a:schemeClr val="tx1"/>
+            </a:solidFill>
+            <a:tailEnd type="triangle"/>
+          </a:ln>
+        </p:spPr>
+        <p:style>
+          <a:lnRef idx="1">
+            <a:schemeClr val="accent1"/>
+          </a:lnRef>
+          <a:fillRef idx="0">
+            <a:schemeClr val="accent1"/>
+          </a:fillRef>
+          <a:effectRef idx="0">
+            <a:schemeClr val="accent1"/>
+          </a:effectRef>
+          <a:fontRef idx="minor">
+            <a:schemeClr val="tx1"/>
+          </a:fontRef>
+        </p:style>
+      </p:cxnSp>
+      <p:cxnSp>
+        <p:nvCxnSpPr>
+          <p:cNvPr id="30" name="直接箭头连接符 29">
+            <a:extLst>
+              <a:ext uri="{FF2B5EF4-FFF2-40B4-BE49-F238E27FC236}">
+                <a16:creationId xmlns:a16="http://schemas.microsoft.com/office/drawing/2014/main" id="{2F446EBE-0C12-437D-E0CE-0ACB7F99DE78}"/>
+              </a:ext>
+            </a:extLst>
+          </p:cNvPr>
+          <p:cNvCxnSpPr>
+            <a:cxnSpLocks/>
+            <a:stCxn id="22" idx="6"/>
+            <a:endCxn id="3" idx="2"/>
+          </p:cNvCxnSpPr>
+          <p:nvPr/>
+        </p:nvCxnSpPr>
+        <p:spPr>
+          <a:xfrm flipV="1">
+            <a:off x="3875314" y="2493650"/>
+            <a:ext cx="870856" cy="5387"/>
+          </a:xfrm>
+          <a:prstGeom prst="straightConnector1">
+            <a:avLst/>
+          </a:prstGeom>
+          <a:ln>
+            <a:solidFill>
+              <a:schemeClr val="tx1"/>
+            </a:solidFill>
+            <a:prstDash val="dashDot"/>
+            <a:tailEnd type="triangle"/>
+          </a:ln>
+        </p:spPr>
+        <p:style>
+          <a:lnRef idx="1">
+            <a:schemeClr val="accent1"/>
+          </a:lnRef>
+          <a:fillRef idx="0">
+            <a:schemeClr val="accent1"/>
+          </a:fillRef>
+          <a:effectRef idx="0">
+            <a:schemeClr val="accent1"/>
+          </a:effectRef>
+          <a:fontRef idx="minor">
+            <a:schemeClr val="tx1"/>
+          </a:fontRef>
+        </p:style>
+      </p:cxnSp>
+      <p:cxnSp>
+        <p:nvCxnSpPr>
+          <p:cNvPr id="31" name="直接箭头连接符 30">
+            <a:extLst>
+              <a:ext uri="{FF2B5EF4-FFF2-40B4-BE49-F238E27FC236}">
+                <a16:creationId xmlns:a16="http://schemas.microsoft.com/office/drawing/2014/main" id="{5B06728E-A5A5-C529-6917-6295578B8BDD}"/>
+              </a:ext>
+            </a:extLst>
+          </p:cNvPr>
+          <p:cNvCxnSpPr>
+            <a:cxnSpLocks/>
+            <a:stCxn id="24" idx="6"/>
+            <a:endCxn id="4" idx="2"/>
+          </p:cNvCxnSpPr>
+          <p:nvPr/>
+        </p:nvCxnSpPr>
+        <p:spPr>
+          <a:xfrm>
+            <a:off x="3846979" y="4340471"/>
+            <a:ext cx="899190" cy="23880"/>
+          </a:xfrm>
+          <a:prstGeom prst="straightConnector1">
+            <a:avLst/>
+          </a:prstGeom>
+          <a:ln>
+            <a:solidFill>
+              <a:schemeClr val="tx1"/>
+            </a:solidFill>
+            <a:prstDash val="dashDot"/>
+            <a:tailEnd type="triangle"/>
+          </a:ln>
+        </p:spPr>
+        <p:style>
+          <a:lnRef idx="1">
+            <a:schemeClr val="accent1"/>
+          </a:lnRef>
+          <a:fillRef idx="0">
+            <a:schemeClr val="accent1"/>
+          </a:fillRef>
+          <a:effectRef idx="0">
+            <a:schemeClr val="accent1"/>
+          </a:effectRef>
+          <a:fontRef idx="minor">
+            <a:schemeClr val="tx1"/>
+          </a:fontRef>
+        </p:style>
+      </p:cxnSp>
+      <p:sp>
+        <p:nvSpPr>
+          <p:cNvPr id="32" name="文本框 31">
+            <a:extLst>
+              <a:ext uri="{FF2B5EF4-FFF2-40B4-BE49-F238E27FC236}">
+                <a16:creationId xmlns:a16="http://schemas.microsoft.com/office/drawing/2014/main" id="{84E049D7-BD97-4E0B-F78E-64E3A6F45577}"/>
+              </a:ext>
+            </a:extLst>
+          </p:cNvPr>
+          <p:cNvSpPr txBox="1"/>
+          <p:nvPr/>
+        </p:nvSpPr>
+        <p:spPr>
+          <a:xfrm>
+            <a:off x="5525589" y="1292195"/>
+            <a:ext cx="1140822" cy="400110"/>
+          </a:xfrm>
+          <a:prstGeom prst="rect">
+            <a:avLst/>
+          </a:prstGeom>
+          <a:noFill/>
+        </p:spPr>
+        <p:txBody>
+          <a:bodyPr wrap="square" rtlCol="0">
+            <a:spAutoFit/>
+          </a:bodyPr>
+          <a:lstStyle/>
+          <a:p>
+            <a:pPr algn="ctr"/>
+            <a:r>
+              <a:rPr lang="zh-CN" altLang="en-US" sz="2000" dirty="0">
+                <a:latin typeface="宋体" panose="02010600030101010101" pitchFamily="2" charset="-122"/>
+                <a:ea typeface="宋体" panose="02010600030101010101" pitchFamily="2" charset="-122"/>
+                <a:cs typeface="Times New Roman" panose="02020603050405020304" pitchFamily="18" charset="0"/>
+              </a:rPr>
+              <a:t>实验</a:t>
+            </a:r>
+            <a:r>
+              <a:rPr lang="en-US" sz="2000" dirty="0">
+                <a:latin typeface="宋体" panose="02010600030101010101" pitchFamily="2" charset="-122"/>
+                <a:ea typeface="宋体" panose="02010600030101010101" pitchFamily="2" charset="-122"/>
+                <a:cs typeface="Times New Roman" panose="02020603050405020304" pitchFamily="18" charset="0"/>
+              </a:rPr>
+              <a:t> 3</a:t>
+            </a:r>
+          </a:p>
+        </p:txBody>
+      </p:sp>
+      <p:sp>
+        <p:nvSpPr>
+          <p:cNvPr id="52" name="矩形: 圆角 51">
+            <a:extLst>
+              <a:ext uri="{FF2B5EF4-FFF2-40B4-BE49-F238E27FC236}">
+                <a16:creationId xmlns:a16="http://schemas.microsoft.com/office/drawing/2014/main" id="{B7287B62-9992-66E8-90D4-FC6ADB5D08E7}"/>
+              </a:ext>
+            </a:extLst>
+          </p:cNvPr>
+          <p:cNvSpPr/>
+          <p:nvPr/>
+        </p:nvSpPr>
+        <p:spPr>
+          <a:xfrm>
+            <a:off x="1689463" y="1942332"/>
+            <a:ext cx="8856617" cy="3007762"/>
+          </a:xfrm>
+          <a:prstGeom prst="roundRect">
+            <a:avLst/>
+          </a:prstGeom>
+          <a:noFill/>
+          <a:ln>
+            <a:solidFill>
+              <a:schemeClr val="tx1"/>
+            </a:solidFill>
+            <a:prstDash val="lgDashDotDot"/>
+          </a:ln>
+        </p:spPr>
+        <p:style>
+          <a:lnRef idx="2">
+            <a:schemeClr val="accent1">
+              <a:shade val="15000"/>
+            </a:schemeClr>
+          </a:lnRef>
+          <a:fillRef idx="1">
+            <a:schemeClr val="accent1"/>
+          </a:fillRef>
+          <a:effectRef idx="0">
+            <a:schemeClr val="accent1"/>
+          </a:effectRef>
+          <a:fontRef idx="minor">
+            <a:schemeClr val="lt1"/>
+          </a:fontRef>
+        </p:style>
+        <p:txBody>
+          <a:bodyPr rtlCol="0" anchor="ctr"/>
+          <a:lstStyle/>
+          <a:p>
+            <a:pPr algn="ctr"/>
+            <a:endParaRPr lang="en-US" sz="2000">
+              <a:latin typeface="宋体" panose="02010600030101010101" pitchFamily="2" charset="-122"/>
+              <a:ea typeface="宋体" panose="02010600030101010101" pitchFamily="2" charset="-122"/>
+            </a:endParaRPr>
+          </a:p>
+        </p:txBody>
+      </p:sp>
+      <p:sp>
+        <p:nvSpPr>
+          <p:cNvPr id="2" name="文本框 1">
+            <a:extLst>
+              <a:ext uri="{FF2B5EF4-FFF2-40B4-BE49-F238E27FC236}">
+                <a16:creationId xmlns:a16="http://schemas.microsoft.com/office/drawing/2014/main" id="{B1829E51-9347-A2E2-FD15-D6FBCA0AE92E}"/>
+              </a:ext>
+            </a:extLst>
+          </p:cNvPr>
+          <p:cNvSpPr txBox="1"/>
+          <p:nvPr/>
+        </p:nvSpPr>
+        <p:spPr>
+          <a:xfrm>
+            <a:off x="8125380" y="3147685"/>
+            <a:ext cx="2057786" cy="562630"/>
+          </a:xfrm>
+          <a:prstGeom prst="ellipse">
+            <a:avLst/>
+          </a:prstGeom>
+          <a:noFill/>
+          <a:ln w="19050">
+            <a:solidFill>
+              <a:schemeClr val="tx1"/>
+            </a:solidFill>
+          </a:ln>
+        </p:spPr>
+        <p:txBody>
+          <a:bodyPr wrap="square" rtlCol="0">
+            <a:spAutoFit/>
+          </a:bodyPr>
+          <a:lstStyle/>
+          <a:p>
+            <a:pPr algn="ctr"/>
+            <a:r>
+              <a:rPr lang="zh-CN" altLang="en-US" sz="2000" dirty="0">
+                <a:latin typeface="宋体" panose="02010600030101010101" pitchFamily="2" charset="-122"/>
+                <a:ea typeface="宋体" panose="02010600030101010101" pitchFamily="2" charset="-122"/>
+                <a:cs typeface="Times New Roman" panose="02020603050405020304" pitchFamily="18" charset="0"/>
+              </a:rPr>
+              <a:t>生活满意度</a:t>
+            </a:r>
+            <a:endParaRPr lang="en-US" sz="2000" dirty="0">
+              <a:latin typeface="宋体" panose="02010600030101010101" pitchFamily="2" charset="-122"/>
+              <a:ea typeface="宋体" panose="02010600030101010101" pitchFamily="2" charset="-122"/>
+              <a:cs typeface="Times New Roman" panose="02020603050405020304" pitchFamily="18" charset="0"/>
+            </a:endParaRPr>
+          </a:p>
+        </p:txBody>
+      </p:sp>
+      <p:sp>
+        <p:nvSpPr>
+          <p:cNvPr id="3" name="文本框 2">
+            <a:extLst>
+              <a:ext uri="{FF2B5EF4-FFF2-40B4-BE49-F238E27FC236}">
+                <a16:creationId xmlns:a16="http://schemas.microsoft.com/office/drawing/2014/main" id="{CB6742C2-1D2B-30B1-EAF4-12DB941447B1}"/>
+              </a:ext>
+            </a:extLst>
+          </p:cNvPr>
+          <p:cNvSpPr txBox="1"/>
+          <p:nvPr/>
+        </p:nvSpPr>
+        <p:spPr>
+          <a:xfrm>
+            <a:off x="4746170" y="2212335"/>
+            <a:ext cx="2734492" cy="562630"/>
+          </a:xfrm>
+          <a:prstGeom prst="ellipse">
+            <a:avLst/>
+          </a:prstGeom>
+          <a:noFill/>
+          <a:ln w="19050">
+            <a:solidFill>
+              <a:schemeClr val="tx1"/>
+            </a:solidFill>
+          </a:ln>
+        </p:spPr>
+        <p:txBody>
+          <a:bodyPr wrap="square" rtlCol="0">
+            <a:spAutoFit/>
+          </a:bodyPr>
+          <a:lstStyle/>
+          <a:p>
+            <a:pPr algn="ctr"/>
+            <a:r>
+              <a:rPr lang="zh-CN" altLang="en-US" sz="2000" dirty="0">
+                <a:latin typeface="宋体" panose="02010600030101010101" pitchFamily="2" charset="-122"/>
+                <a:ea typeface="宋体" panose="02010600030101010101" pitchFamily="2" charset="-122"/>
+                <a:cs typeface="Times New Roman" panose="02020603050405020304" pitchFamily="18" charset="0"/>
+              </a:rPr>
+              <a:t>相对剥夺感</a:t>
+            </a:r>
+            <a:endParaRPr lang="en-US" sz="2000" dirty="0">
+              <a:latin typeface="宋体" panose="02010600030101010101" pitchFamily="2" charset="-122"/>
+              <a:ea typeface="宋体" panose="02010600030101010101" pitchFamily="2" charset="-122"/>
+              <a:cs typeface="Times New Roman" panose="02020603050405020304" pitchFamily="18" charset="0"/>
+            </a:endParaRPr>
+          </a:p>
+        </p:txBody>
+      </p:sp>
+      <p:sp>
+        <p:nvSpPr>
+          <p:cNvPr id="4" name="文本框 3">
+            <a:extLst>
+              <a:ext uri="{FF2B5EF4-FFF2-40B4-BE49-F238E27FC236}">
+                <a16:creationId xmlns:a16="http://schemas.microsoft.com/office/drawing/2014/main" id="{E5798B3D-3038-505A-678E-143986272D3F}"/>
+              </a:ext>
+            </a:extLst>
+          </p:cNvPr>
+          <p:cNvSpPr txBox="1"/>
+          <p:nvPr/>
+        </p:nvSpPr>
+        <p:spPr>
+          <a:xfrm>
+            <a:off x="4746169" y="4083036"/>
+            <a:ext cx="2773113" cy="562630"/>
+          </a:xfrm>
+          <a:prstGeom prst="ellipse">
+            <a:avLst/>
+          </a:prstGeom>
+          <a:noFill/>
+          <a:ln w="19050">
+            <a:solidFill>
+              <a:schemeClr val="tx1"/>
+            </a:solidFill>
+          </a:ln>
+        </p:spPr>
+        <p:txBody>
+          <a:bodyPr wrap="square" rtlCol="0">
+            <a:spAutoFit/>
+          </a:bodyPr>
+          <a:lstStyle/>
+          <a:p>
+            <a:pPr algn="ctr"/>
+            <a:r>
+              <a:rPr lang="zh-CN" altLang="en-US" sz="2000" dirty="0">
+                <a:latin typeface="宋体" panose="02010600030101010101" pitchFamily="2" charset="-122"/>
+                <a:ea typeface="宋体" panose="02010600030101010101" pitchFamily="2" charset="-122"/>
+                <a:cs typeface="Times New Roman" panose="02020603050405020304" pitchFamily="18" charset="0"/>
+              </a:rPr>
+              <a:t>感知到的优越感</a:t>
+            </a:r>
+            <a:endParaRPr lang="en-US" sz="2000" dirty="0">
+              <a:latin typeface="宋体" panose="02010600030101010101" pitchFamily="2" charset="-122"/>
+              <a:ea typeface="宋体" panose="02010600030101010101" pitchFamily="2" charset="-122"/>
+              <a:cs typeface="Times New Roman" panose="02020603050405020304" pitchFamily="18" charset="0"/>
+            </a:endParaRPr>
+          </a:p>
+        </p:txBody>
+      </p:sp>
+      <p:sp>
+        <p:nvSpPr>
+          <p:cNvPr id="39" name="文本框 38">
+            <a:extLst>
+              <a:ext uri="{FF2B5EF4-FFF2-40B4-BE49-F238E27FC236}">
+                <a16:creationId xmlns:a16="http://schemas.microsoft.com/office/drawing/2014/main" id="{8E32CC57-9611-5A37-CE68-47677EDA82ED}"/>
+              </a:ext>
+            </a:extLst>
+          </p:cNvPr>
+          <p:cNvSpPr txBox="1"/>
+          <p:nvPr/>
+        </p:nvSpPr>
+        <p:spPr>
+          <a:xfrm>
+            <a:off x="4163387" y="2830127"/>
+            <a:ext cx="1094970" cy="400110"/>
+          </a:xfrm>
+          <a:prstGeom prst="rect">
+            <a:avLst/>
+          </a:prstGeom>
+          <a:noFill/>
+        </p:spPr>
+        <p:txBody>
+          <a:bodyPr wrap="square" rtlCol="0">
+            <a:spAutoFit/>
+          </a:bodyPr>
+          <a:lstStyle/>
+          <a:p>
+            <a:pPr algn="ctr"/>
+            <a:r>
+              <a:rPr lang="zh-CN" altLang="en-US" sz="2000" dirty="0">
+                <a:latin typeface="宋体" panose="02010600030101010101" pitchFamily="2" charset="-122"/>
+                <a:ea typeface="宋体" panose="02010600030101010101" pitchFamily="2" charset="-122"/>
+                <a:cs typeface="Times New Roman" panose="02020603050405020304" pitchFamily="18" charset="0"/>
+              </a:rPr>
+              <a:t>假设</a:t>
+            </a:r>
+            <a:r>
+              <a:rPr lang="en-US" sz="2000" dirty="0">
+                <a:latin typeface="宋体" panose="02010600030101010101" pitchFamily="2" charset="-122"/>
+                <a:ea typeface="宋体" panose="02010600030101010101" pitchFamily="2" charset="-122"/>
+                <a:cs typeface="Times New Roman" panose="02020603050405020304" pitchFamily="18" charset="0"/>
+              </a:rPr>
+              <a:t>6a</a:t>
+            </a:r>
+          </a:p>
+        </p:txBody>
+      </p:sp>
+      <p:sp>
+        <p:nvSpPr>
+          <p:cNvPr id="40" name="文本框 39">
+            <a:extLst>
+              <a:ext uri="{FF2B5EF4-FFF2-40B4-BE49-F238E27FC236}">
+                <a16:creationId xmlns:a16="http://schemas.microsoft.com/office/drawing/2014/main" id="{E8CC252F-26B8-4EDD-709D-6769495AF165}"/>
+              </a:ext>
+            </a:extLst>
+          </p:cNvPr>
+          <p:cNvSpPr txBox="1"/>
+          <p:nvPr/>
+        </p:nvSpPr>
+        <p:spPr>
+          <a:xfrm>
+            <a:off x="4163387" y="3553280"/>
+            <a:ext cx="1094969" cy="400110"/>
+          </a:xfrm>
+          <a:prstGeom prst="rect">
+            <a:avLst/>
+          </a:prstGeom>
+          <a:noFill/>
+        </p:spPr>
+        <p:txBody>
+          <a:bodyPr wrap="square" rtlCol="0">
+            <a:spAutoFit/>
+          </a:bodyPr>
+          <a:lstStyle/>
+          <a:p>
+            <a:pPr algn="ctr"/>
+            <a:r>
+              <a:rPr lang="zh-CN" altLang="en-US" sz="2000" dirty="0">
+                <a:latin typeface="宋体" panose="02010600030101010101" pitchFamily="2" charset="-122"/>
+                <a:ea typeface="宋体" panose="02010600030101010101" pitchFamily="2" charset="-122"/>
+                <a:cs typeface="Times New Roman" panose="02020603050405020304" pitchFamily="18" charset="0"/>
+              </a:rPr>
+              <a:t>假设</a:t>
+            </a:r>
+            <a:r>
+              <a:rPr lang="en-US" altLang="zh-CN" sz="2000" dirty="0">
+                <a:latin typeface="宋体" panose="02010600030101010101" pitchFamily="2" charset="-122"/>
+                <a:ea typeface="宋体" panose="02010600030101010101" pitchFamily="2" charset="-122"/>
+                <a:cs typeface="Times New Roman" panose="02020603050405020304" pitchFamily="18" charset="0"/>
+              </a:rPr>
+              <a:t>6b</a:t>
+            </a:r>
+            <a:endParaRPr lang="en-US" sz="2000" dirty="0">
+              <a:latin typeface="宋体" panose="02010600030101010101" pitchFamily="2" charset="-122"/>
+              <a:ea typeface="宋体" panose="02010600030101010101" pitchFamily="2" charset="-122"/>
+              <a:cs typeface="Times New Roman" panose="02020603050405020304" pitchFamily="18" charset="0"/>
+            </a:endParaRPr>
+          </a:p>
+        </p:txBody>
+      </p:sp>
+    </p:spTree>
+    <p:extLst>
+      <p:ext uri="{BB962C8B-B14F-4D97-AF65-F5344CB8AC3E}">
+        <p14:creationId xmlns:p14="http://schemas.microsoft.com/office/powerpoint/2010/main" val="1820413443"/>
       </p:ext>
     </p:extLst>
   </p:cSld>

--- a/1_Protocol/1_2_Paper/H.pptx
+++ b/1_Protocol/1_2_Paper/H.pptx
@@ -12,6 +12,7 @@
     <p:sldId id="261" r:id="rId6"/>
     <p:sldId id="259" r:id="rId7"/>
     <p:sldId id="262" r:id="rId8"/>
+    <p:sldId id="263" r:id="rId9"/>
   </p:sldIdLst>
   <p:sldSz cx="12192000" cy="6858000"/>
   <p:notesSz cx="6858000" cy="9144000"/>
@@ -288,7 +289,7 @@
           <a:p>
             <a:fld id="{85F5B49F-324A-4162-A93D-080DD7343C6F}" type="datetimeFigureOut">
               <a:rPr lang="en-US" smtClean="0"/>
-              <a:t>3/8/2024</a:t>
+              <a:t>3/22/2024</a:t>
             </a:fld>
             <a:endParaRPr lang="en-US"/>
           </a:p>
@@ -488,7 +489,7 @@
           <a:p>
             <a:fld id="{85F5B49F-324A-4162-A93D-080DD7343C6F}" type="datetimeFigureOut">
               <a:rPr lang="en-US" smtClean="0"/>
-              <a:t>3/8/2024</a:t>
+              <a:t>3/22/2024</a:t>
             </a:fld>
             <a:endParaRPr lang="en-US"/>
           </a:p>
@@ -698,7 +699,7 @@
           <a:p>
             <a:fld id="{85F5B49F-324A-4162-A93D-080DD7343C6F}" type="datetimeFigureOut">
               <a:rPr lang="en-US" smtClean="0"/>
-              <a:t>3/8/2024</a:t>
+              <a:t>3/22/2024</a:t>
             </a:fld>
             <a:endParaRPr lang="en-US"/>
           </a:p>
@@ -898,7 +899,7 @@
           <a:p>
             <a:fld id="{85F5B49F-324A-4162-A93D-080DD7343C6F}" type="datetimeFigureOut">
               <a:rPr lang="en-US" smtClean="0"/>
-              <a:t>3/8/2024</a:t>
+              <a:t>3/22/2024</a:t>
             </a:fld>
             <a:endParaRPr lang="en-US"/>
           </a:p>
@@ -1174,7 +1175,7 @@
           <a:p>
             <a:fld id="{85F5B49F-324A-4162-A93D-080DD7343C6F}" type="datetimeFigureOut">
               <a:rPr lang="en-US" smtClean="0"/>
-              <a:t>3/8/2024</a:t>
+              <a:t>3/22/2024</a:t>
             </a:fld>
             <a:endParaRPr lang="en-US"/>
           </a:p>
@@ -1442,7 +1443,7 @@
           <a:p>
             <a:fld id="{85F5B49F-324A-4162-A93D-080DD7343C6F}" type="datetimeFigureOut">
               <a:rPr lang="en-US" smtClean="0"/>
-              <a:t>3/8/2024</a:t>
+              <a:t>3/22/2024</a:t>
             </a:fld>
             <a:endParaRPr lang="en-US"/>
           </a:p>
@@ -1857,7 +1858,7 @@
           <a:p>
             <a:fld id="{85F5B49F-324A-4162-A93D-080DD7343C6F}" type="datetimeFigureOut">
               <a:rPr lang="en-US" smtClean="0"/>
-              <a:t>3/8/2024</a:t>
+              <a:t>3/22/2024</a:t>
             </a:fld>
             <a:endParaRPr lang="en-US"/>
           </a:p>
@@ -1999,7 +2000,7 @@
           <a:p>
             <a:fld id="{85F5B49F-324A-4162-A93D-080DD7343C6F}" type="datetimeFigureOut">
               <a:rPr lang="en-US" smtClean="0"/>
-              <a:t>3/8/2024</a:t>
+              <a:t>3/22/2024</a:t>
             </a:fld>
             <a:endParaRPr lang="en-US"/>
           </a:p>
@@ -2112,7 +2113,7 @@
           <a:p>
             <a:fld id="{85F5B49F-324A-4162-A93D-080DD7343C6F}" type="datetimeFigureOut">
               <a:rPr lang="en-US" smtClean="0"/>
-              <a:t>3/8/2024</a:t>
+              <a:t>3/22/2024</a:t>
             </a:fld>
             <a:endParaRPr lang="en-US"/>
           </a:p>
@@ -2425,7 +2426,7 @@
           <a:p>
             <a:fld id="{85F5B49F-324A-4162-A93D-080DD7343C6F}" type="datetimeFigureOut">
               <a:rPr lang="en-US" smtClean="0"/>
-              <a:t>3/8/2024</a:t>
+              <a:t>3/22/2024</a:t>
             </a:fld>
             <a:endParaRPr lang="en-US"/>
           </a:p>
@@ -2714,7 +2715,7 @@
           <a:p>
             <a:fld id="{85F5B49F-324A-4162-A93D-080DD7343C6F}" type="datetimeFigureOut">
               <a:rPr lang="en-US" smtClean="0"/>
-              <a:t>3/8/2024</a:t>
+              <a:t>3/22/2024</a:t>
             </a:fld>
             <a:endParaRPr lang="en-US"/>
           </a:p>
@@ -2957,7 +2958,7 @@
           <a:p>
             <a:fld id="{85F5B49F-324A-4162-A93D-080DD7343C6F}" type="datetimeFigureOut">
               <a:rPr lang="en-US" smtClean="0"/>
-              <a:t>3/8/2024</a:t>
+              <a:t>3/22/2024</a:t>
             </a:fld>
             <a:endParaRPr lang="en-US"/>
           </a:p>
@@ -10874,6 +10875,904 @@
 </p:sld>
 </file>
 
+<file path=ppt/slides/slide8.xml><?xml version="1.0" encoding="utf-8"?>
+<p:sld xmlns:a="http://schemas.openxmlformats.org/drawingml/2006/main" xmlns:r="http://schemas.openxmlformats.org/officeDocument/2006/relationships" xmlns:p="http://schemas.openxmlformats.org/presentationml/2006/main">
+  <p:cSld>
+    <p:spTree>
+      <p:nvGrpSpPr>
+        <p:cNvPr id="1" name=""/>
+        <p:cNvGrpSpPr/>
+        <p:nvPr/>
+      </p:nvGrpSpPr>
+      <p:grpSpPr>
+        <a:xfrm>
+          <a:off x="0" y="0"/>
+          <a:ext cx="0" cy="0"/>
+          <a:chOff x="0" y="0"/>
+          <a:chExt cx="0" cy="0"/>
+        </a:xfrm>
+      </p:grpSpPr>
+      <p:sp>
+        <p:nvSpPr>
+          <p:cNvPr id="2" name="文本框 1">
+            <a:extLst>
+              <a:ext uri="{FF2B5EF4-FFF2-40B4-BE49-F238E27FC236}">
+                <a16:creationId xmlns:a16="http://schemas.microsoft.com/office/drawing/2014/main" id="{8DE500AD-3EFC-18CB-0ED2-517537448C04}"/>
+              </a:ext>
+            </a:extLst>
+          </p:cNvPr>
+          <p:cNvSpPr txBox="1"/>
+          <p:nvPr/>
+        </p:nvSpPr>
+        <p:spPr>
+          <a:xfrm>
+            <a:off x="5724939" y="39706"/>
+            <a:ext cx="742122" cy="369332"/>
+          </a:xfrm>
+          <a:prstGeom prst="rect">
+            <a:avLst/>
+          </a:prstGeom>
+          <a:noFill/>
+          <a:ln>
+            <a:solidFill>
+              <a:schemeClr val="tx1"/>
+            </a:solidFill>
+          </a:ln>
+        </p:spPr>
+        <p:txBody>
+          <a:bodyPr wrap="square" rtlCol="0">
+            <a:spAutoFit/>
+          </a:bodyPr>
+          <a:lstStyle/>
+          <a:p>
+            <a:pPr algn="ctr"/>
+            <a:r>
+              <a:rPr lang="zh-CN" altLang="en-US" dirty="0">
+                <a:latin typeface="宋体" panose="02010600030101010101" pitchFamily="2" charset="-122"/>
+                <a:ea typeface="宋体" panose="02010600030101010101" pitchFamily="2" charset="-122"/>
+              </a:rPr>
+              <a:t>选题</a:t>
+            </a:r>
+          </a:p>
+        </p:txBody>
+      </p:sp>
+      <p:sp>
+        <p:nvSpPr>
+          <p:cNvPr id="3" name="文本框 2">
+            <a:extLst>
+              <a:ext uri="{FF2B5EF4-FFF2-40B4-BE49-F238E27FC236}">
+                <a16:creationId xmlns:a16="http://schemas.microsoft.com/office/drawing/2014/main" id="{EF093235-D5ED-9977-F03F-E8EB831B467E}"/>
+              </a:ext>
+            </a:extLst>
+          </p:cNvPr>
+          <p:cNvSpPr txBox="1"/>
+          <p:nvPr/>
+        </p:nvSpPr>
+        <p:spPr>
+          <a:xfrm>
+            <a:off x="5002695" y="663843"/>
+            <a:ext cx="2186609" cy="369332"/>
+          </a:xfrm>
+          <a:prstGeom prst="rect">
+            <a:avLst/>
+          </a:prstGeom>
+          <a:noFill/>
+          <a:ln>
+            <a:solidFill>
+              <a:schemeClr val="tx1"/>
+            </a:solidFill>
+          </a:ln>
+        </p:spPr>
+        <p:txBody>
+          <a:bodyPr wrap="square" rtlCol="0">
+            <a:spAutoFit/>
+          </a:bodyPr>
+          <a:lstStyle/>
+          <a:p>
+            <a:pPr algn="ctr"/>
+            <a:r>
+              <a:rPr lang="zh-CN" altLang="en-US" dirty="0">
+                <a:latin typeface="宋体" panose="02010600030101010101" pitchFamily="2" charset="-122"/>
+                <a:ea typeface="宋体" panose="02010600030101010101" pitchFamily="2" charset="-122"/>
+              </a:rPr>
+              <a:t>文献综述</a:t>
+            </a:r>
+            <a:r>
+              <a:rPr lang="en-US" altLang="zh-CN" dirty="0">
+                <a:latin typeface="宋体" panose="02010600030101010101" pitchFamily="2" charset="-122"/>
+                <a:ea typeface="宋体" panose="02010600030101010101" pitchFamily="2" charset="-122"/>
+              </a:rPr>
+              <a:t>/</a:t>
+            </a:r>
+            <a:r>
+              <a:rPr lang="zh-CN" altLang="en-US" dirty="0">
+                <a:latin typeface="宋体" panose="02010600030101010101" pitchFamily="2" charset="-122"/>
+                <a:ea typeface="宋体" panose="02010600030101010101" pitchFamily="2" charset="-122"/>
+              </a:rPr>
+              <a:t>问题提出</a:t>
+            </a:r>
+          </a:p>
+        </p:txBody>
+      </p:sp>
+      <p:sp>
+        <p:nvSpPr>
+          <p:cNvPr id="4" name="文本框 3">
+            <a:extLst>
+              <a:ext uri="{FF2B5EF4-FFF2-40B4-BE49-F238E27FC236}">
+                <a16:creationId xmlns:a16="http://schemas.microsoft.com/office/drawing/2014/main" id="{84070C3D-1424-AB64-B90E-8DD40A986620}"/>
+              </a:ext>
+            </a:extLst>
+          </p:cNvPr>
+          <p:cNvSpPr txBox="1"/>
+          <p:nvPr/>
+        </p:nvSpPr>
+        <p:spPr>
+          <a:xfrm>
+            <a:off x="5307494" y="1313766"/>
+            <a:ext cx="1577010" cy="369332"/>
+          </a:xfrm>
+          <a:prstGeom prst="rect">
+            <a:avLst/>
+          </a:prstGeom>
+          <a:noFill/>
+          <a:ln>
+            <a:solidFill>
+              <a:schemeClr val="tx1"/>
+            </a:solidFill>
+          </a:ln>
+        </p:spPr>
+        <p:txBody>
+          <a:bodyPr wrap="square" rtlCol="0">
+            <a:spAutoFit/>
+          </a:bodyPr>
+          <a:lstStyle/>
+          <a:p>
+            <a:pPr algn="ctr"/>
+            <a:r>
+              <a:rPr lang="zh-CN" altLang="en-US" dirty="0">
+                <a:latin typeface="宋体" panose="02010600030101010101" pitchFamily="2" charset="-122"/>
+                <a:ea typeface="宋体" panose="02010600030101010101" pitchFamily="2" charset="-122"/>
+              </a:rPr>
+              <a:t>设计研究方案</a:t>
+            </a:r>
+          </a:p>
+        </p:txBody>
+      </p:sp>
+      <p:sp>
+        <p:nvSpPr>
+          <p:cNvPr id="5" name="文本框 4">
+            <a:extLst>
+              <a:ext uri="{FF2B5EF4-FFF2-40B4-BE49-F238E27FC236}">
+                <a16:creationId xmlns:a16="http://schemas.microsoft.com/office/drawing/2014/main" id="{C384DC5A-4FAC-DB40-FEBE-324B0CE277E1}"/>
+              </a:ext>
+            </a:extLst>
+          </p:cNvPr>
+          <p:cNvSpPr txBox="1"/>
+          <p:nvPr/>
+        </p:nvSpPr>
+        <p:spPr>
+          <a:xfrm>
+            <a:off x="4245666" y="1935193"/>
+            <a:ext cx="3700668" cy="369332"/>
+          </a:xfrm>
+          <a:prstGeom prst="rect">
+            <a:avLst/>
+          </a:prstGeom>
+          <a:noFill/>
+          <a:ln>
+            <a:solidFill>
+              <a:schemeClr val="tx1"/>
+            </a:solidFill>
+          </a:ln>
+        </p:spPr>
+        <p:txBody>
+          <a:bodyPr wrap="square" rtlCol="0">
+            <a:spAutoFit/>
+          </a:bodyPr>
+          <a:lstStyle/>
+          <a:p>
+            <a:pPr algn="ctr"/>
+            <a:r>
+              <a:rPr lang="zh-CN" altLang="en-US" dirty="0">
+                <a:latin typeface="宋体" panose="02010600030101010101" pitchFamily="2" charset="-122"/>
+                <a:ea typeface="宋体" panose="02010600030101010101" pitchFamily="2" charset="-122"/>
+              </a:rPr>
+              <a:t>研究一：问卷的修订及信效度检验 </a:t>
+            </a:r>
+          </a:p>
+        </p:txBody>
+      </p:sp>
+      <p:sp>
+        <p:nvSpPr>
+          <p:cNvPr id="6" name="文本框 5">
+            <a:extLst>
+              <a:ext uri="{FF2B5EF4-FFF2-40B4-BE49-F238E27FC236}">
+                <a16:creationId xmlns:a16="http://schemas.microsoft.com/office/drawing/2014/main" id="{098E10F3-94C9-2D1D-0B69-4D7AF61D9AF0}"/>
+              </a:ext>
+            </a:extLst>
+          </p:cNvPr>
+          <p:cNvSpPr txBox="1"/>
+          <p:nvPr/>
+        </p:nvSpPr>
+        <p:spPr>
+          <a:xfrm>
+            <a:off x="3644347" y="2666793"/>
+            <a:ext cx="4903305" cy="369332"/>
+          </a:xfrm>
+          <a:prstGeom prst="rect">
+            <a:avLst/>
+          </a:prstGeom>
+          <a:noFill/>
+          <a:ln>
+            <a:solidFill>
+              <a:schemeClr val="tx1"/>
+            </a:solidFill>
+          </a:ln>
+        </p:spPr>
+        <p:txBody>
+          <a:bodyPr wrap="square" rtlCol="0">
+            <a:spAutoFit/>
+          </a:bodyPr>
+          <a:lstStyle/>
+          <a:p>
+            <a:pPr algn="ctr"/>
+            <a:r>
+              <a:rPr lang="zh-CN" altLang="en-US" dirty="0">
+                <a:latin typeface="宋体" panose="02010600030101010101" pitchFamily="2" charset="-122"/>
+                <a:ea typeface="宋体" panose="02010600030101010101" pitchFamily="2" charset="-122"/>
+              </a:rPr>
+              <a:t>研究二：社会比较倾向与生活满意度的元分析</a:t>
+            </a:r>
+          </a:p>
+        </p:txBody>
+      </p:sp>
+      <p:sp>
+        <p:nvSpPr>
+          <p:cNvPr id="8" name="文本框 7">
+            <a:extLst>
+              <a:ext uri="{FF2B5EF4-FFF2-40B4-BE49-F238E27FC236}">
+                <a16:creationId xmlns:a16="http://schemas.microsoft.com/office/drawing/2014/main" id="{17D1E9E8-BA08-47F0-D4C4-35FBDA009D69}"/>
+              </a:ext>
+            </a:extLst>
+          </p:cNvPr>
+          <p:cNvSpPr txBox="1"/>
+          <p:nvPr/>
+        </p:nvSpPr>
+        <p:spPr>
+          <a:xfrm>
+            <a:off x="3547107" y="3410248"/>
+            <a:ext cx="5097785" cy="369332"/>
+          </a:xfrm>
+          <a:prstGeom prst="rect">
+            <a:avLst/>
+          </a:prstGeom>
+          <a:noFill/>
+          <a:ln>
+            <a:solidFill>
+              <a:schemeClr val="tx1"/>
+            </a:solidFill>
+          </a:ln>
+        </p:spPr>
+        <p:txBody>
+          <a:bodyPr wrap="square">
+            <a:spAutoFit/>
+          </a:bodyPr>
+          <a:lstStyle/>
+          <a:p>
+            <a:pPr algn="ctr"/>
+            <a:r>
+              <a:rPr lang="zh-CN" altLang="en-US" dirty="0">
+                <a:latin typeface="宋体" panose="02010600030101010101" pitchFamily="2" charset="-122"/>
+                <a:ea typeface="宋体" panose="02010600030101010101" pitchFamily="2" charset="-122"/>
+              </a:rPr>
+              <a:t>研究三：社会比较与生活满意度的并列中介模型</a:t>
+            </a:r>
+          </a:p>
+        </p:txBody>
+      </p:sp>
+      <p:sp>
+        <p:nvSpPr>
+          <p:cNvPr id="10" name="文本框 9">
+            <a:extLst>
+              <a:ext uri="{FF2B5EF4-FFF2-40B4-BE49-F238E27FC236}">
+                <a16:creationId xmlns:a16="http://schemas.microsoft.com/office/drawing/2014/main" id="{E5C5AA8D-533D-D55F-23D5-4BDDD6236176}"/>
+              </a:ext>
+            </a:extLst>
+          </p:cNvPr>
+          <p:cNvSpPr txBox="1"/>
+          <p:nvPr/>
+        </p:nvSpPr>
+        <p:spPr>
+          <a:xfrm>
+            <a:off x="4225034" y="4119010"/>
+            <a:ext cx="3741931" cy="369332"/>
+          </a:xfrm>
+          <a:prstGeom prst="rect">
+            <a:avLst/>
+          </a:prstGeom>
+          <a:noFill/>
+          <a:ln>
+            <a:solidFill>
+              <a:schemeClr val="tx1"/>
+            </a:solidFill>
+          </a:ln>
+        </p:spPr>
+        <p:txBody>
+          <a:bodyPr wrap="square">
+            <a:spAutoFit/>
+          </a:bodyPr>
+          <a:lstStyle/>
+          <a:p>
+            <a:pPr algn="ctr"/>
+            <a:r>
+              <a:rPr lang="zh-CN" altLang="en-US" dirty="0">
+                <a:latin typeface="宋体" panose="02010600030101010101" pitchFamily="2" charset="-122"/>
+                <a:ea typeface="宋体" panose="02010600030101010101" pitchFamily="2" charset="-122"/>
+              </a:rPr>
+              <a:t>研究四：社会比较倾向的调节效应</a:t>
+            </a:r>
+          </a:p>
+        </p:txBody>
+      </p:sp>
+      <p:sp>
+        <p:nvSpPr>
+          <p:cNvPr id="12" name="文本框 11">
+            <a:extLst>
+              <a:ext uri="{FF2B5EF4-FFF2-40B4-BE49-F238E27FC236}">
+                <a16:creationId xmlns:a16="http://schemas.microsoft.com/office/drawing/2014/main" id="{E6009E30-2A94-DBE9-408C-75DBCA60AFAC}"/>
+              </a:ext>
+            </a:extLst>
+          </p:cNvPr>
+          <p:cNvSpPr txBox="1"/>
+          <p:nvPr/>
+        </p:nvSpPr>
+        <p:spPr>
+          <a:xfrm>
+            <a:off x="4491626" y="4828750"/>
+            <a:ext cx="3208746" cy="369332"/>
+          </a:xfrm>
+          <a:prstGeom prst="rect">
+            <a:avLst/>
+          </a:prstGeom>
+          <a:noFill/>
+          <a:ln>
+            <a:solidFill>
+              <a:schemeClr val="tx1"/>
+            </a:solidFill>
+          </a:ln>
+        </p:spPr>
+        <p:txBody>
+          <a:bodyPr wrap="square">
+            <a:spAutoFit/>
+          </a:bodyPr>
+          <a:lstStyle/>
+          <a:p>
+            <a:pPr algn="ctr"/>
+            <a:r>
+              <a:rPr lang="zh-CN" altLang="en-US" dirty="0">
+                <a:latin typeface="宋体" panose="02010600030101010101" pitchFamily="2" charset="-122"/>
+                <a:ea typeface="宋体" panose="02010600030101010101" pitchFamily="2" charset="-122"/>
+              </a:rPr>
+              <a:t>研究五：社会比较策略的引入</a:t>
+            </a:r>
+          </a:p>
+        </p:txBody>
+      </p:sp>
+      <p:sp>
+        <p:nvSpPr>
+          <p:cNvPr id="13" name="文本框 12">
+            <a:extLst>
+              <a:ext uri="{FF2B5EF4-FFF2-40B4-BE49-F238E27FC236}">
+                <a16:creationId xmlns:a16="http://schemas.microsoft.com/office/drawing/2014/main" id="{35309490-2F12-5E0A-A267-37C63F8594B8}"/>
+              </a:ext>
+            </a:extLst>
+          </p:cNvPr>
+          <p:cNvSpPr txBox="1"/>
+          <p:nvPr/>
+        </p:nvSpPr>
+        <p:spPr>
+          <a:xfrm>
+            <a:off x="5754754" y="5506633"/>
+            <a:ext cx="682489" cy="369332"/>
+          </a:xfrm>
+          <a:prstGeom prst="rect">
+            <a:avLst/>
+          </a:prstGeom>
+          <a:noFill/>
+          <a:ln>
+            <a:solidFill>
+              <a:schemeClr val="tx1"/>
+            </a:solidFill>
+          </a:ln>
+        </p:spPr>
+        <p:txBody>
+          <a:bodyPr wrap="square" rtlCol="0">
+            <a:spAutoFit/>
+          </a:bodyPr>
+          <a:lstStyle/>
+          <a:p>
+            <a:pPr algn="ctr"/>
+            <a:r>
+              <a:rPr lang="zh-CN" altLang="en-US" dirty="0">
+                <a:latin typeface="宋体" panose="02010600030101010101" pitchFamily="2" charset="-122"/>
+                <a:ea typeface="宋体" panose="02010600030101010101" pitchFamily="2" charset="-122"/>
+              </a:rPr>
+              <a:t>讨论</a:t>
+            </a:r>
+          </a:p>
+        </p:txBody>
+      </p:sp>
+      <p:sp>
+        <p:nvSpPr>
+          <p:cNvPr id="14" name="文本框 13">
+            <a:extLst>
+              <a:ext uri="{FF2B5EF4-FFF2-40B4-BE49-F238E27FC236}">
+                <a16:creationId xmlns:a16="http://schemas.microsoft.com/office/drawing/2014/main" id="{80D9D08B-A341-3623-AC5A-29C6AB3DAF56}"/>
+              </a:ext>
+            </a:extLst>
+          </p:cNvPr>
+          <p:cNvSpPr txBox="1"/>
+          <p:nvPr/>
+        </p:nvSpPr>
+        <p:spPr>
+          <a:xfrm>
+            <a:off x="3811979" y="6129190"/>
+            <a:ext cx="4568042" cy="369332"/>
+          </a:xfrm>
+          <a:prstGeom prst="rect">
+            <a:avLst/>
+          </a:prstGeom>
+          <a:noFill/>
+          <a:ln>
+            <a:solidFill>
+              <a:schemeClr val="tx1"/>
+            </a:solidFill>
+          </a:ln>
+        </p:spPr>
+        <p:txBody>
+          <a:bodyPr wrap="square" rtlCol="0">
+            <a:spAutoFit/>
+          </a:bodyPr>
+          <a:lstStyle/>
+          <a:p>
+            <a:pPr algn="ctr"/>
+            <a:r>
+              <a:rPr lang="zh-CN" altLang="en-US" dirty="0">
+                <a:latin typeface="宋体" panose="02010600030101010101" pitchFamily="2" charset="-122"/>
+                <a:ea typeface="宋体" panose="02010600030101010101" pitchFamily="2" charset="-122"/>
+              </a:rPr>
+              <a:t>理论贡献</a:t>
+            </a:r>
+            <a:r>
+              <a:rPr lang="en-US" altLang="zh-CN" dirty="0">
+                <a:latin typeface="宋体" panose="02010600030101010101" pitchFamily="2" charset="-122"/>
+                <a:ea typeface="宋体" panose="02010600030101010101" pitchFamily="2" charset="-122"/>
+              </a:rPr>
+              <a:t>;</a:t>
+            </a:r>
+            <a:r>
+              <a:rPr lang="zh-CN" altLang="en-US" dirty="0">
+                <a:latin typeface="宋体" panose="02010600030101010101" pitchFamily="2" charset="-122"/>
+                <a:ea typeface="宋体" panose="02010600030101010101" pitchFamily="2" charset="-122"/>
+              </a:rPr>
+              <a:t>局限与未来研究方向</a:t>
+            </a:r>
+            <a:r>
+              <a:rPr lang="en-US" altLang="zh-CN" dirty="0">
+                <a:latin typeface="宋体" panose="02010600030101010101" pitchFamily="2" charset="-122"/>
+                <a:ea typeface="宋体" panose="02010600030101010101" pitchFamily="2" charset="-122"/>
+              </a:rPr>
+              <a:t>;</a:t>
+            </a:r>
+            <a:r>
+              <a:rPr lang="zh-CN" altLang="en-US" dirty="0">
+                <a:latin typeface="宋体" panose="02010600030101010101" pitchFamily="2" charset="-122"/>
+                <a:ea typeface="宋体" panose="02010600030101010101" pitchFamily="2" charset="-122"/>
+              </a:rPr>
+              <a:t>实践意义</a:t>
+            </a:r>
+          </a:p>
+        </p:txBody>
+      </p:sp>
+      <p:cxnSp>
+        <p:nvCxnSpPr>
+          <p:cNvPr id="16" name="直接箭头连接符 15">
+            <a:extLst>
+              <a:ext uri="{FF2B5EF4-FFF2-40B4-BE49-F238E27FC236}">
+                <a16:creationId xmlns:a16="http://schemas.microsoft.com/office/drawing/2014/main" id="{82D9EEF9-12E1-9B32-1355-4C614C3C374A}"/>
+              </a:ext>
+            </a:extLst>
+          </p:cNvPr>
+          <p:cNvCxnSpPr>
+            <a:stCxn id="2" idx="2"/>
+            <a:endCxn id="3" idx="0"/>
+          </p:cNvCxnSpPr>
+          <p:nvPr/>
+        </p:nvCxnSpPr>
+        <p:spPr>
+          <a:xfrm>
+            <a:off x="6096000" y="409038"/>
+            <a:ext cx="0" cy="254805"/>
+          </a:xfrm>
+          <a:prstGeom prst="straightConnector1">
+            <a:avLst/>
+          </a:prstGeom>
+          <a:ln>
+            <a:tailEnd type="triangle"/>
+          </a:ln>
+        </p:spPr>
+        <p:style>
+          <a:lnRef idx="1">
+            <a:schemeClr val="dk1"/>
+          </a:lnRef>
+          <a:fillRef idx="0">
+            <a:schemeClr val="dk1"/>
+          </a:fillRef>
+          <a:effectRef idx="0">
+            <a:schemeClr val="dk1"/>
+          </a:effectRef>
+          <a:fontRef idx="minor">
+            <a:schemeClr val="tx1"/>
+          </a:fontRef>
+        </p:style>
+      </p:cxnSp>
+      <p:cxnSp>
+        <p:nvCxnSpPr>
+          <p:cNvPr id="17" name="直接箭头连接符 16">
+            <a:extLst>
+              <a:ext uri="{FF2B5EF4-FFF2-40B4-BE49-F238E27FC236}">
+                <a16:creationId xmlns:a16="http://schemas.microsoft.com/office/drawing/2014/main" id="{27DACE27-535E-B874-BCC0-EA2013C45F7F}"/>
+              </a:ext>
+            </a:extLst>
+          </p:cNvPr>
+          <p:cNvCxnSpPr>
+            <a:cxnSpLocks/>
+            <a:stCxn id="3" idx="2"/>
+            <a:endCxn id="4" idx="0"/>
+          </p:cNvCxnSpPr>
+          <p:nvPr/>
+        </p:nvCxnSpPr>
+        <p:spPr>
+          <a:xfrm flipH="1">
+            <a:off x="6095999" y="1033175"/>
+            <a:ext cx="1" cy="280591"/>
+          </a:xfrm>
+          <a:prstGeom prst="straightConnector1">
+            <a:avLst/>
+          </a:prstGeom>
+          <a:ln>
+            <a:tailEnd type="triangle"/>
+          </a:ln>
+        </p:spPr>
+        <p:style>
+          <a:lnRef idx="1">
+            <a:schemeClr val="dk1"/>
+          </a:lnRef>
+          <a:fillRef idx="0">
+            <a:schemeClr val="dk1"/>
+          </a:fillRef>
+          <a:effectRef idx="0">
+            <a:schemeClr val="dk1"/>
+          </a:effectRef>
+          <a:fontRef idx="minor">
+            <a:schemeClr val="tx1"/>
+          </a:fontRef>
+        </p:style>
+      </p:cxnSp>
+      <p:cxnSp>
+        <p:nvCxnSpPr>
+          <p:cNvPr id="22" name="直接箭头连接符 21">
+            <a:extLst>
+              <a:ext uri="{FF2B5EF4-FFF2-40B4-BE49-F238E27FC236}">
+                <a16:creationId xmlns:a16="http://schemas.microsoft.com/office/drawing/2014/main" id="{23E17A59-206A-E33A-D328-E137F4BBD1B8}"/>
+              </a:ext>
+            </a:extLst>
+          </p:cNvPr>
+          <p:cNvCxnSpPr>
+            <a:cxnSpLocks/>
+            <a:stCxn id="4" idx="2"/>
+            <a:endCxn id="5" idx="0"/>
+          </p:cNvCxnSpPr>
+          <p:nvPr/>
+        </p:nvCxnSpPr>
+        <p:spPr>
+          <a:xfrm>
+            <a:off x="6095999" y="1683098"/>
+            <a:ext cx="1" cy="252095"/>
+          </a:xfrm>
+          <a:prstGeom prst="straightConnector1">
+            <a:avLst/>
+          </a:prstGeom>
+          <a:ln>
+            <a:tailEnd type="triangle"/>
+          </a:ln>
+        </p:spPr>
+        <p:style>
+          <a:lnRef idx="1">
+            <a:schemeClr val="dk1"/>
+          </a:lnRef>
+          <a:fillRef idx="0">
+            <a:schemeClr val="dk1"/>
+          </a:fillRef>
+          <a:effectRef idx="0">
+            <a:schemeClr val="dk1"/>
+          </a:effectRef>
+          <a:fontRef idx="minor">
+            <a:schemeClr val="tx1"/>
+          </a:fontRef>
+        </p:style>
+      </p:cxnSp>
+      <p:cxnSp>
+        <p:nvCxnSpPr>
+          <p:cNvPr id="30" name="直接箭头连接符 29">
+            <a:extLst>
+              <a:ext uri="{FF2B5EF4-FFF2-40B4-BE49-F238E27FC236}">
+                <a16:creationId xmlns:a16="http://schemas.microsoft.com/office/drawing/2014/main" id="{4ECEF55D-0BBB-5203-2087-44693E559B3E}"/>
+              </a:ext>
+            </a:extLst>
+          </p:cNvPr>
+          <p:cNvCxnSpPr>
+            <a:cxnSpLocks/>
+            <a:stCxn id="5" idx="2"/>
+            <a:endCxn id="6" idx="0"/>
+          </p:cNvCxnSpPr>
+          <p:nvPr/>
+        </p:nvCxnSpPr>
+        <p:spPr>
+          <a:xfrm>
+            <a:off x="6096000" y="2304525"/>
+            <a:ext cx="0" cy="362268"/>
+          </a:xfrm>
+          <a:prstGeom prst="straightConnector1">
+            <a:avLst/>
+          </a:prstGeom>
+          <a:ln>
+            <a:tailEnd type="triangle"/>
+          </a:ln>
+        </p:spPr>
+        <p:style>
+          <a:lnRef idx="1">
+            <a:schemeClr val="dk1"/>
+          </a:lnRef>
+          <a:fillRef idx="0">
+            <a:schemeClr val="dk1"/>
+          </a:fillRef>
+          <a:effectRef idx="0">
+            <a:schemeClr val="dk1"/>
+          </a:effectRef>
+          <a:fontRef idx="minor">
+            <a:schemeClr val="tx1"/>
+          </a:fontRef>
+        </p:style>
+      </p:cxnSp>
+      <p:cxnSp>
+        <p:nvCxnSpPr>
+          <p:cNvPr id="33" name="直接箭头连接符 32">
+            <a:extLst>
+              <a:ext uri="{FF2B5EF4-FFF2-40B4-BE49-F238E27FC236}">
+                <a16:creationId xmlns:a16="http://schemas.microsoft.com/office/drawing/2014/main" id="{1D81BBCD-EB76-7A11-2F4C-208755647143}"/>
+              </a:ext>
+            </a:extLst>
+          </p:cNvPr>
+          <p:cNvCxnSpPr>
+            <a:cxnSpLocks/>
+            <a:stCxn id="6" idx="2"/>
+            <a:endCxn id="8" idx="0"/>
+          </p:cNvCxnSpPr>
+          <p:nvPr/>
+        </p:nvCxnSpPr>
+        <p:spPr>
+          <a:xfrm>
+            <a:off x="6096000" y="3036125"/>
+            <a:ext cx="0" cy="374123"/>
+          </a:xfrm>
+          <a:prstGeom prst="straightConnector1">
+            <a:avLst/>
+          </a:prstGeom>
+          <a:ln>
+            <a:tailEnd type="triangle"/>
+          </a:ln>
+        </p:spPr>
+        <p:style>
+          <a:lnRef idx="1">
+            <a:schemeClr val="dk1"/>
+          </a:lnRef>
+          <a:fillRef idx="0">
+            <a:schemeClr val="dk1"/>
+          </a:fillRef>
+          <a:effectRef idx="0">
+            <a:schemeClr val="dk1"/>
+          </a:effectRef>
+          <a:fontRef idx="minor">
+            <a:schemeClr val="tx1"/>
+          </a:fontRef>
+        </p:style>
+      </p:cxnSp>
+      <p:cxnSp>
+        <p:nvCxnSpPr>
+          <p:cNvPr id="38" name="直接箭头连接符 37">
+            <a:extLst>
+              <a:ext uri="{FF2B5EF4-FFF2-40B4-BE49-F238E27FC236}">
+                <a16:creationId xmlns:a16="http://schemas.microsoft.com/office/drawing/2014/main" id="{30449390-5B45-9670-DABE-F5BAEA2C3050}"/>
+              </a:ext>
+            </a:extLst>
+          </p:cNvPr>
+          <p:cNvCxnSpPr>
+            <a:cxnSpLocks/>
+            <a:stCxn id="8" idx="2"/>
+            <a:endCxn id="10" idx="0"/>
+          </p:cNvCxnSpPr>
+          <p:nvPr/>
+        </p:nvCxnSpPr>
+        <p:spPr>
+          <a:xfrm>
+            <a:off x="6096000" y="3779580"/>
+            <a:ext cx="0" cy="339430"/>
+          </a:xfrm>
+          <a:prstGeom prst="straightConnector1">
+            <a:avLst/>
+          </a:prstGeom>
+          <a:ln>
+            <a:tailEnd type="triangle"/>
+          </a:ln>
+        </p:spPr>
+        <p:style>
+          <a:lnRef idx="1">
+            <a:schemeClr val="dk1"/>
+          </a:lnRef>
+          <a:fillRef idx="0">
+            <a:schemeClr val="dk1"/>
+          </a:fillRef>
+          <a:effectRef idx="0">
+            <a:schemeClr val="dk1"/>
+          </a:effectRef>
+          <a:fontRef idx="minor">
+            <a:schemeClr val="tx1"/>
+          </a:fontRef>
+        </p:style>
+      </p:cxnSp>
+      <p:cxnSp>
+        <p:nvCxnSpPr>
+          <p:cNvPr id="41" name="直接箭头连接符 40">
+            <a:extLst>
+              <a:ext uri="{FF2B5EF4-FFF2-40B4-BE49-F238E27FC236}">
+                <a16:creationId xmlns:a16="http://schemas.microsoft.com/office/drawing/2014/main" id="{B6DE1DAF-3BC7-2105-7852-3B518ED7C08B}"/>
+              </a:ext>
+            </a:extLst>
+          </p:cNvPr>
+          <p:cNvCxnSpPr>
+            <a:cxnSpLocks/>
+            <a:stCxn id="10" idx="2"/>
+            <a:endCxn id="12" idx="0"/>
+          </p:cNvCxnSpPr>
+          <p:nvPr/>
+        </p:nvCxnSpPr>
+        <p:spPr>
+          <a:xfrm flipH="1">
+            <a:off x="6095999" y="4488342"/>
+            <a:ext cx="1" cy="340408"/>
+          </a:xfrm>
+          <a:prstGeom prst="straightConnector1">
+            <a:avLst/>
+          </a:prstGeom>
+          <a:ln>
+            <a:tailEnd type="triangle"/>
+          </a:ln>
+        </p:spPr>
+        <p:style>
+          <a:lnRef idx="1">
+            <a:schemeClr val="dk1"/>
+          </a:lnRef>
+          <a:fillRef idx="0">
+            <a:schemeClr val="dk1"/>
+          </a:fillRef>
+          <a:effectRef idx="0">
+            <a:schemeClr val="dk1"/>
+          </a:effectRef>
+          <a:fontRef idx="minor">
+            <a:schemeClr val="tx1"/>
+          </a:fontRef>
+        </p:style>
+      </p:cxnSp>
+      <p:cxnSp>
+        <p:nvCxnSpPr>
+          <p:cNvPr id="46" name="直接箭头连接符 45">
+            <a:extLst>
+              <a:ext uri="{FF2B5EF4-FFF2-40B4-BE49-F238E27FC236}">
+                <a16:creationId xmlns:a16="http://schemas.microsoft.com/office/drawing/2014/main" id="{819A0932-F2DB-9BB7-F980-C719A8E41768}"/>
+              </a:ext>
+            </a:extLst>
+          </p:cNvPr>
+          <p:cNvCxnSpPr>
+            <a:cxnSpLocks/>
+            <a:stCxn id="12" idx="2"/>
+            <a:endCxn id="13" idx="0"/>
+          </p:cNvCxnSpPr>
+          <p:nvPr/>
+        </p:nvCxnSpPr>
+        <p:spPr>
+          <a:xfrm>
+            <a:off x="6095999" y="5198082"/>
+            <a:ext cx="0" cy="308551"/>
+          </a:xfrm>
+          <a:prstGeom prst="straightConnector1">
+            <a:avLst/>
+          </a:prstGeom>
+          <a:ln>
+            <a:tailEnd type="triangle"/>
+          </a:ln>
+        </p:spPr>
+        <p:style>
+          <a:lnRef idx="1">
+            <a:schemeClr val="dk1"/>
+          </a:lnRef>
+          <a:fillRef idx="0">
+            <a:schemeClr val="dk1"/>
+          </a:fillRef>
+          <a:effectRef idx="0">
+            <a:schemeClr val="dk1"/>
+          </a:effectRef>
+          <a:fontRef idx="minor">
+            <a:schemeClr val="tx1"/>
+          </a:fontRef>
+        </p:style>
+      </p:cxnSp>
+      <p:cxnSp>
+        <p:nvCxnSpPr>
+          <p:cNvPr id="50" name="直接箭头连接符 49">
+            <a:extLst>
+              <a:ext uri="{FF2B5EF4-FFF2-40B4-BE49-F238E27FC236}">
+                <a16:creationId xmlns:a16="http://schemas.microsoft.com/office/drawing/2014/main" id="{10310A15-14A7-7527-8BA5-9208653D986B}"/>
+              </a:ext>
+            </a:extLst>
+          </p:cNvPr>
+          <p:cNvCxnSpPr>
+            <a:cxnSpLocks/>
+            <a:stCxn id="13" idx="2"/>
+            <a:endCxn id="14" idx="0"/>
+          </p:cNvCxnSpPr>
+          <p:nvPr/>
+        </p:nvCxnSpPr>
+        <p:spPr>
+          <a:xfrm>
+            <a:off x="6095999" y="5875965"/>
+            <a:ext cx="1" cy="253225"/>
+          </a:xfrm>
+          <a:prstGeom prst="straightConnector1">
+            <a:avLst/>
+          </a:prstGeom>
+          <a:ln>
+            <a:tailEnd type="triangle"/>
+          </a:ln>
+        </p:spPr>
+        <p:style>
+          <a:lnRef idx="1">
+            <a:schemeClr val="dk1"/>
+          </a:lnRef>
+          <a:fillRef idx="0">
+            <a:schemeClr val="dk1"/>
+          </a:fillRef>
+          <a:effectRef idx="0">
+            <a:schemeClr val="dk1"/>
+          </a:effectRef>
+          <a:fontRef idx="minor">
+            <a:schemeClr val="tx1"/>
+          </a:fontRef>
+        </p:style>
+      </p:cxnSp>
+    </p:spTree>
+    <p:extLst>
+      <p:ext uri="{BB962C8B-B14F-4D97-AF65-F5344CB8AC3E}">
+        <p14:creationId xmlns:p14="http://schemas.microsoft.com/office/powerpoint/2010/main" val="1070435480"/>
+      </p:ext>
+    </p:extLst>
+  </p:cSld>
+  <p:clrMapOvr>
+    <a:masterClrMapping/>
+  </p:clrMapOvr>
+</p:sld>
+</file>
+
 <file path=ppt/theme/theme1.xml><?xml version="1.0" encoding="utf-8"?>
 <a:theme xmlns:a="http://schemas.openxmlformats.org/drawingml/2006/main" name="Office 主题​​">
   <a:themeElements>
